--- a/Präsentation/Syp-Projekt-Ideen.pptx
+++ b/Präsentation/Syp-Projekt-Ideen.pptx
@@ -5,18 +5,20 @@
     <p:sldMasterId id="2147483648" r:id="rId1"/>
   </p:sldMasterIdLst>
   <p:notesMasterIdLst>
-    <p:notesMasterId r:id="rId11"/>
+    <p:notesMasterId r:id="rId13"/>
   </p:notesMasterIdLst>
   <p:sldIdLst>
     <p:sldId id="256" r:id="rId2"/>
     <p:sldId id="257" r:id="rId3"/>
-    <p:sldId id="258" r:id="rId4"/>
-    <p:sldId id="259" r:id="rId5"/>
-    <p:sldId id="261" r:id="rId6"/>
-    <p:sldId id="262" r:id="rId7"/>
-    <p:sldId id="263" r:id="rId8"/>
-    <p:sldId id="265" r:id="rId9"/>
-    <p:sldId id="264" r:id="rId10"/>
+    <p:sldId id="265" r:id="rId4"/>
+    <p:sldId id="258" r:id="rId5"/>
+    <p:sldId id="267" r:id="rId6"/>
+    <p:sldId id="259" r:id="rId7"/>
+    <p:sldId id="266" r:id="rId8"/>
+    <p:sldId id="261" r:id="rId9"/>
+    <p:sldId id="268" r:id="rId10"/>
+    <p:sldId id="262" r:id="rId11"/>
+    <p:sldId id="264" r:id="rId12"/>
   </p:sldIdLst>
   <p:sldSz cx="12192000" cy="6858000"/>
   <p:notesSz cx="6858000" cy="9144000"/>
@@ -205,7 +207,7 @@
           <a:p>
             <a:fld id="{4CCADED4-F81C-DE4E-AAED-B7FD031B488B}" type="datetimeFigureOut">
               <a:rPr lang="en-AT" smtClean="0"/>
-              <a:t>09/29/2021</a:t>
+              <a:t>10/01/2021</a:t>
             </a:fld>
             <a:endParaRPr lang="en-AT"/>
           </a:p>
@@ -622,7 +624,7 @@
           <a:p>
             <a:fld id="{553C3E85-E8BE-7542-A8D8-4F0AEBC4074D}" type="slidenum">
               <a:rPr lang="en-AT" smtClean="0"/>
-              <a:t>3</a:t>
+              <a:t>4</a:t>
             </a:fld>
             <a:endParaRPr lang="en-AT"/>
           </a:p>
@@ -706,7 +708,7 @@
           <a:p>
             <a:fld id="{553C3E85-E8BE-7542-A8D8-4F0AEBC4074D}" type="slidenum">
               <a:rPr lang="en-AT" smtClean="0"/>
-              <a:t>4</a:t>
+              <a:t>6</a:t>
             </a:fld>
             <a:endParaRPr lang="en-AT"/>
           </a:p>
@@ -790,7 +792,7 @@
           <a:p>
             <a:fld id="{553C3E85-E8BE-7542-A8D8-4F0AEBC4074D}" type="slidenum">
               <a:rPr lang="en-AT" smtClean="0"/>
-              <a:t>5</a:t>
+              <a:t>8</a:t>
             </a:fld>
             <a:endParaRPr lang="en-AT"/>
           </a:p>
@@ -874,7 +876,7 @@
           <a:p>
             <a:fld id="{553C3E85-E8BE-7542-A8D8-4F0AEBC4074D}" type="slidenum">
               <a:rPr lang="en-AT" smtClean="0"/>
-              <a:t>6</a:t>
+              <a:t>10</a:t>
             </a:fld>
             <a:endParaRPr lang="en-AT"/>
           </a:p>
@@ -884,174 +886,6 @@
     <p:extLst>
       <p:ext uri="{BB962C8B-B14F-4D97-AF65-F5344CB8AC3E}">
         <p14:creationId xmlns:p14="http://schemas.microsoft.com/office/powerpoint/2010/main" val="1017269997"/>
-      </p:ext>
-    </p:extLst>
-  </p:cSld>
-  <p:clrMapOvr>
-    <a:masterClrMapping/>
-  </p:clrMapOvr>
-</p:notes>
-</file>
-
-<file path=ppt/notesSlides/notesSlide6.xml><?xml version="1.0" encoding="utf-8"?>
-<p:notes xmlns:a="http://schemas.openxmlformats.org/drawingml/2006/main" xmlns:r="http://schemas.openxmlformats.org/officeDocument/2006/relationships" xmlns:p="http://schemas.openxmlformats.org/presentationml/2006/main">
-  <p:cSld>
-    <p:spTree>
-      <p:nvGrpSpPr>
-        <p:cNvPr id="1" name=""/>
-        <p:cNvGrpSpPr/>
-        <p:nvPr/>
-      </p:nvGrpSpPr>
-      <p:grpSpPr>
-        <a:xfrm>
-          <a:off x="0" y="0"/>
-          <a:ext cx="0" cy="0"/>
-          <a:chOff x="0" y="0"/>
-          <a:chExt cx="0" cy="0"/>
-        </a:xfrm>
-      </p:grpSpPr>
-      <p:sp>
-        <p:nvSpPr>
-          <p:cNvPr id="2" name="Slide Image Placeholder 1"/>
-          <p:cNvSpPr>
-            <a:spLocks noGrp="1" noRot="1" noChangeAspect="1"/>
-          </p:cNvSpPr>
-          <p:nvPr>
-            <p:ph type="sldImg"/>
-          </p:nvPr>
-        </p:nvSpPr>
-        <p:spPr/>
-      </p:sp>
-      <p:sp>
-        <p:nvSpPr>
-          <p:cNvPr id="3" name="Notes Placeholder 2"/>
-          <p:cNvSpPr>
-            <a:spLocks noGrp="1"/>
-          </p:cNvSpPr>
-          <p:nvPr>
-            <p:ph type="body" idx="1"/>
-          </p:nvPr>
-        </p:nvSpPr>
-        <p:spPr/>
-        <p:txBody>
-          <a:bodyPr/>
-          <a:lstStyle/>
-          <a:p>
-            <a:endParaRPr lang="en-AT" dirty="0"/>
-          </a:p>
-        </p:txBody>
-      </p:sp>
-      <p:sp>
-        <p:nvSpPr>
-          <p:cNvPr id="4" name="Slide Number Placeholder 3"/>
-          <p:cNvSpPr>
-            <a:spLocks noGrp="1"/>
-          </p:cNvSpPr>
-          <p:nvPr>
-            <p:ph type="sldNum" sz="quarter" idx="5"/>
-          </p:nvPr>
-        </p:nvSpPr>
-        <p:spPr/>
-        <p:txBody>
-          <a:bodyPr/>
-          <a:lstStyle/>
-          <a:p>
-            <a:fld id="{553C3E85-E8BE-7542-A8D8-4F0AEBC4074D}" type="slidenum">
-              <a:rPr lang="en-AT" smtClean="0"/>
-              <a:t>7</a:t>
-            </a:fld>
-            <a:endParaRPr lang="en-AT"/>
-          </a:p>
-        </p:txBody>
-      </p:sp>
-    </p:spTree>
-    <p:extLst>
-      <p:ext uri="{BB962C8B-B14F-4D97-AF65-F5344CB8AC3E}">
-        <p14:creationId xmlns:p14="http://schemas.microsoft.com/office/powerpoint/2010/main" val="343884110"/>
-      </p:ext>
-    </p:extLst>
-  </p:cSld>
-  <p:clrMapOvr>
-    <a:masterClrMapping/>
-  </p:clrMapOvr>
-</p:notes>
-</file>
-
-<file path=ppt/notesSlides/notesSlide7.xml><?xml version="1.0" encoding="utf-8"?>
-<p:notes xmlns:a="http://schemas.openxmlformats.org/drawingml/2006/main" xmlns:r="http://schemas.openxmlformats.org/officeDocument/2006/relationships" xmlns:p="http://schemas.openxmlformats.org/presentationml/2006/main">
-  <p:cSld>
-    <p:spTree>
-      <p:nvGrpSpPr>
-        <p:cNvPr id="1" name=""/>
-        <p:cNvGrpSpPr/>
-        <p:nvPr/>
-      </p:nvGrpSpPr>
-      <p:grpSpPr>
-        <a:xfrm>
-          <a:off x="0" y="0"/>
-          <a:ext cx="0" cy="0"/>
-          <a:chOff x="0" y="0"/>
-          <a:chExt cx="0" cy="0"/>
-        </a:xfrm>
-      </p:grpSpPr>
-      <p:sp>
-        <p:nvSpPr>
-          <p:cNvPr id="2" name="Slide Image Placeholder 1"/>
-          <p:cNvSpPr>
-            <a:spLocks noGrp="1" noRot="1" noChangeAspect="1"/>
-          </p:cNvSpPr>
-          <p:nvPr>
-            <p:ph type="sldImg"/>
-          </p:nvPr>
-        </p:nvSpPr>
-        <p:spPr/>
-      </p:sp>
-      <p:sp>
-        <p:nvSpPr>
-          <p:cNvPr id="3" name="Notes Placeholder 2"/>
-          <p:cNvSpPr>
-            <a:spLocks noGrp="1"/>
-          </p:cNvSpPr>
-          <p:nvPr>
-            <p:ph type="body" idx="1"/>
-          </p:nvPr>
-        </p:nvSpPr>
-        <p:spPr/>
-        <p:txBody>
-          <a:bodyPr/>
-          <a:lstStyle/>
-          <a:p>
-            <a:endParaRPr lang="en-AT" dirty="0"/>
-          </a:p>
-        </p:txBody>
-      </p:sp>
-      <p:sp>
-        <p:nvSpPr>
-          <p:cNvPr id="4" name="Slide Number Placeholder 3"/>
-          <p:cNvSpPr>
-            <a:spLocks noGrp="1"/>
-          </p:cNvSpPr>
-          <p:nvPr>
-            <p:ph type="sldNum" sz="quarter" idx="5"/>
-          </p:nvPr>
-        </p:nvSpPr>
-        <p:spPr/>
-        <p:txBody>
-          <a:bodyPr/>
-          <a:lstStyle/>
-          <a:p>
-            <a:fld id="{553C3E85-E8BE-7542-A8D8-4F0AEBC4074D}" type="slidenum">
-              <a:rPr lang="en-AT" smtClean="0"/>
-              <a:t>8</a:t>
-            </a:fld>
-            <a:endParaRPr lang="en-AT"/>
-          </a:p>
-        </p:txBody>
-      </p:sp>
-    </p:spTree>
-    <p:extLst>
-      <p:ext uri="{BB962C8B-B14F-4D97-AF65-F5344CB8AC3E}">
-        <p14:creationId xmlns:p14="http://schemas.microsoft.com/office/powerpoint/2010/main" val="1328650503"/>
       </p:ext>
     </p:extLst>
   </p:cSld>
@@ -1210,7 +1044,7 @@
           <a:p>
             <a:fld id="{B2820DA7-63D1-EC42-9A7D-9F0F901057CA}" type="datetimeFigureOut">
               <a:rPr lang="en-AT" smtClean="0"/>
-              <a:t>09/29/2021</a:t>
+              <a:t>10/01/2021</a:t>
             </a:fld>
             <a:endParaRPr lang="en-AT"/>
           </a:p>
@@ -1410,7 +1244,7 @@
           <a:p>
             <a:fld id="{B2820DA7-63D1-EC42-9A7D-9F0F901057CA}" type="datetimeFigureOut">
               <a:rPr lang="en-AT" smtClean="0"/>
-              <a:t>09/29/2021</a:t>
+              <a:t>10/01/2021</a:t>
             </a:fld>
             <a:endParaRPr lang="en-AT"/>
           </a:p>
@@ -1620,7 +1454,7 @@
           <a:p>
             <a:fld id="{B2820DA7-63D1-EC42-9A7D-9F0F901057CA}" type="datetimeFigureOut">
               <a:rPr lang="en-AT" smtClean="0"/>
-              <a:t>09/29/2021</a:t>
+              <a:t>10/01/2021</a:t>
             </a:fld>
             <a:endParaRPr lang="en-AT"/>
           </a:p>
@@ -1820,7 +1654,7 @@
           <a:p>
             <a:fld id="{B2820DA7-63D1-EC42-9A7D-9F0F901057CA}" type="datetimeFigureOut">
               <a:rPr lang="en-AT" smtClean="0"/>
-              <a:t>09/29/2021</a:t>
+              <a:t>10/01/2021</a:t>
             </a:fld>
             <a:endParaRPr lang="en-AT"/>
           </a:p>
@@ -2096,7 +1930,7 @@
           <a:p>
             <a:fld id="{B2820DA7-63D1-EC42-9A7D-9F0F901057CA}" type="datetimeFigureOut">
               <a:rPr lang="en-AT" smtClean="0"/>
-              <a:t>09/29/2021</a:t>
+              <a:t>10/01/2021</a:t>
             </a:fld>
             <a:endParaRPr lang="en-AT"/>
           </a:p>
@@ -2364,7 +2198,7 @@
           <a:p>
             <a:fld id="{B2820DA7-63D1-EC42-9A7D-9F0F901057CA}" type="datetimeFigureOut">
               <a:rPr lang="en-AT" smtClean="0"/>
-              <a:t>09/29/2021</a:t>
+              <a:t>10/01/2021</a:t>
             </a:fld>
             <a:endParaRPr lang="en-AT"/>
           </a:p>
@@ -2779,7 +2613,7 @@
           <a:p>
             <a:fld id="{B2820DA7-63D1-EC42-9A7D-9F0F901057CA}" type="datetimeFigureOut">
               <a:rPr lang="en-AT" smtClean="0"/>
-              <a:t>09/29/2021</a:t>
+              <a:t>10/01/2021</a:t>
             </a:fld>
             <a:endParaRPr lang="en-AT"/>
           </a:p>
@@ -2921,7 +2755,7 @@
           <a:p>
             <a:fld id="{B2820DA7-63D1-EC42-9A7D-9F0F901057CA}" type="datetimeFigureOut">
               <a:rPr lang="en-AT" smtClean="0"/>
-              <a:t>09/29/2021</a:t>
+              <a:t>10/01/2021</a:t>
             </a:fld>
             <a:endParaRPr lang="en-AT"/>
           </a:p>
@@ -3034,7 +2868,7 @@
           <a:p>
             <a:fld id="{B2820DA7-63D1-EC42-9A7D-9F0F901057CA}" type="datetimeFigureOut">
               <a:rPr lang="en-AT" smtClean="0"/>
-              <a:t>09/29/2021</a:t>
+              <a:t>10/01/2021</a:t>
             </a:fld>
             <a:endParaRPr lang="en-AT"/>
           </a:p>
@@ -3347,7 +3181,7 @@
           <a:p>
             <a:fld id="{B2820DA7-63D1-EC42-9A7D-9F0F901057CA}" type="datetimeFigureOut">
               <a:rPr lang="en-AT" smtClean="0"/>
-              <a:t>09/29/2021</a:t>
+              <a:t>10/01/2021</a:t>
             </a:fld>
             <a:endParaRPr lang="en-AT"/>
           </a:p>
@@ -3636,7 +3470,7 @@
           <a:p>
             <a:fld id="{B2820DA7-63D1-EC42-9A7D-9F0F901057CA}" type="datetimeFigureOut">
               <a:rPr lang="en-AT" smtClean="0"/>
-              <a:t>09/29/2021</a:t>
+              <a:t>10/01/2021</a:t>
             </a:fld>
             <a:endParaRPr lang="en-AT"/>
           </a:p>
@@ -3879,7 +3713,7 @@
           <a:p>
             <a:fld id="{B2820DA7-63D1-EC42-9A7D-9F0F901057CA}" type="datetimeFigureOut">
               <a:rPr lang="en-AT" smtClean="0"/>
-              <a:t>09/29/2021</a:t>
+              <a:t>10/01/2021</a:t>
             </a:fld>
             <a:endParaRPr lang="en-AT"/>
           </a:p>
@@ -4349,6 +4183,906 @@
         <p:spPr>
           <a:xfrm>
             <a:off x="12192000" y="-1200329"/>
+            <a:ext cx="2351926" cy="1200329"/>
+          </a:xfrm>
+          <a:prstGeom prst="rect">
+            <a:avLst/>
+          </a:prstGeom>
+          <a:noFill/>
+        </p:spPr>
+        <p:txBody>
+          <a:bodyPr wrap="none" rtlCol="0">
+            <a:spAutoFit/>
+          </a:bodyPr>
+          <a:lstStyle/>
+          <a:p>
+            <a:r>
+              <a:rPr lang="en-AT" sz="7200" b="1" dirty="0">
+                <a:cs typeface="Times New Roman" panose="02020603050405020304" pitchFamily="18" charset="0"/>
+              </a:rPr>
+              <a:t>Ideen</a:t>
+            </a:r>
+          </a:p>
+        </p:txBody>
+      </p:sp>
+      <p:sp>
+        <p:nvSpPr>
+          <p:cNvPr id="5" name="TextBox 4">
+            <a:extLst>
+              <a:ext uri="{FF2B5EF4-FFF2-40B4-BE49-F238E27FC236}">
+                <a16:creationId xmlns:a16="http://schemas.microsoft.com/office/drawing/2014/main" id="{23AD3BC7-7DEC-7344-B70C-6D5B1D5D7800}"/>
+              </a:ext>
+            </a:extLst>
+          </p:cNvPr>
+          <p:cNvSpPr txBox="1"/>
+          <p:nvPr/>
+        </p:nvSpPr>
+        <p:spPr>
+          <a:xfrm>
+            <a:off x="12192000" y="6858000"/>
+            <a:ext cx="3239028" cy="523220"/>
+          </a:xfrm>
+          <a:prstGeom prst="rect">
+            <a:avLst/>
+          </a:prstGeom>
+          <a:noFill/>
+        </p:spPr>
+        <p:txBody>
+          <a:bodyPr wrap="none" rtlCol="0">
+            <a:spAutoFit/>
+          </a:bodyPr>
+          <a:lstStyle/>
+          <a:p>
+            <a:pPr algn="r"/>
+            <a:r>
+              <a:rPr lang="en-AT" sz="2800" b="1" dirty="0">
+                <a:latin typeface="Times New Roman" panose="02020603050405020304" pitchFamily="18" charset="0"/>
+                <a:cs typeface="Times New Roman" panose="02020603050405020304" pitchFamily="18" charset="0"/>
+              </a:rPr>
+              <a:t>Online Vokabelheft </a:t>
+            </a:r>
+          </a:p>
+        </p:txBody>
+      </p:sp>
+      <p:sp>
+        <p:nvSpPr>
+          <p:cNvPr id="7" name="TextBox 6">
+            <a:extLst>
+              <a:ext uri="{FF2B5EF4-FFF2-40B4-BE49-F238E27FC236}">
+                <a16:creationId xmlns:a16="http://schemas.microsoft.com/office/drawing/2014/main" id="{78962F9D-C754-8B4D-9B28-D8D4066E6CAD}"/>
+              </a:ext>
+            </a:extLst>
+          </p:cNvPr>
+          <p:cNvSpPr txBox="1"/>
+          <p:nvPr/>
+        </p:nvSpPr>
+        <p:spPr>
+          <a:xfrm>
+            <a:off x="13422145" y="7500265"/>
+            <a:ext cx="2008883" cy="523220"/>
+          </a:xfrm>
+          <a:prstGeom prst="rect">
+            <a:avLst/>
+          </a:prstGeom>
+          <a:noFill/>
+        </p:spPr>
+        <p:txBody>
+          <a:bodyPr wrap="none" rtlCol="0">
+            <a:spAutoFit/>
+          </a:bodyPr>
+          <a:lstStyle/>
+          <a:p>
+            <a:pPr algn="r"/>
+            <a:r>
+              <a:rPr lang="en-AT" sz="2800" b="1" dirty="0">
+                <a:latin typeface="Times New Roman" panose="02020603050405020304" pitchFamily="18" charset="0"/>
+                <a:cs typeface="Times New Roman" panose="02020603050405020304" pitchFamily="18" charset="0"/>
+              </a:rPr>
+              <a:t>Discord Bot</a:t>
+            </a:r>
+          </a:p>
+        </p:txBody>
+      </p:sp>
+      <p:sp>
+        <p:nvSpPr>
+          <p:cNvPr id="9" name="TextBox 8">
+            <a:extLst>
+              <a:ext uri="{FF2B5EF4-FFF2-40B4-BE49-F238E27FC236}">
+                <a16:creationId xmlns:a16="http://schemas.microsoft.com/office/drawing/2014/main" id="{893CA51C-55AC-DD40-A99D-6D2B83EFCBD1}"/>
+              </a:ext>
+            </a:extLst>
+          </p:cNvPr>
+          <p:cNvSpPr txBox="1"/>
+          <p:nvPr/>
+        </p:nvSpPr>
+        <p:spPr>
+          <a:xfrm>
+            <a:off x="13648168" y="8142530"/>
+            <a:ext cx="1782860" cy="523220"/>
+          </a:xfrm>
+          <a:prstGeom prst="rect">
+            <a:avLst/>
+          </a:prstGeom>
+          <a:noFill/>
+        </p:spPr>
+        <p:txBody>
+          <a:bodyPr wrap="none" rtlCol="0">
+            <a:spAutoFit/>
+          </a:bodyPr>
+          <a:lstStyle/>
+          <a:p>
+            <a:pPr algn="r"/>
+            <a:r>
+              <a:rPr lang="en-AT" sz="2800" b="1" dirty="0">
+                <a:latin typeface="Times New Roman" panose="02020603050405020304" pitchFamily="18" charset="0"/>
+                <a:cs typeface="Times New Roman" panose="02020603050405020304" pitchFamily="18" charset="0"/>
+              </a:rPr>
+              <a:t>N</a:t>
+            </a:r>
+            <a:r>
+              <a:rPr lang="en-GB" sz="2800" b="1" dirty="0">
+                <a:latin typeface="Times New Roman" panose="02020603050405020304" pitchFamily="18" charset="0"/>
+                <a:cs typeface="Times New Roman" panose="02020603050405020304" pitchFamily="18" charset="0"/>
+              </a:rPr>
+              <a:t>o</a:t>
+            </a:r>
+            <a:r>
+              <a:rPr lang="en-AT" sz="2800" b="1" dirty="0">
+                <a:latin typeface="Times New Roman" panose="02020603050405020304" pitchFamily="18" charset="0"/>
+                <a:cs typeface="Times New Roman" panose="02020603050405020304" pitchFamily="18" charset="0"/>
+              </a:rPr>
+              <a:t>tiz-App</a:t>
+            </a:r>
+          </a:p>
+        </p:txBody>
+      </p:sp>
+      <p:sp>
+        <p:nvSpPr>
+          <p:cNvPr id="2" name="Textfeld 1">
+            <a:extLst>
+              <a:ext uri="{FF2B5EF4-FFF2-40B4-BE49-F238E27FC236}">
+                <a16:creationId xmlns:a16="http://schemas.microsoft.com/office/drawing/2014/main" id="{C5CF03E9-D722-4A02-A7D3-64F93D5E68C2}"/>
+              </a:ext>
+            </a:extLst>
+          </p:cNvPr>
+          <p:cNvSpPr txBox="1"/>
+          <p:nvPr/>
+        </p:nvSpPr>
+        <p:spPr>
+          <a:xfrm>
+            <a:off x="1820950" y="5558828"/>
+            <a:ext cx="8550098" cy="400110"/>
+          </a:xfrm>
+          <a:prstGeom prst="rect">
+            <a:avLst/>
+          </a:prstGeom>
+          <a:noFill/>
+        </p:spPr>
+        <p:txBody>
+          <a:bodyPr wrap="none" rtlCol="0">
+            <a:spAutoFit/>
+          </a:bodyPr>
+          <a:lstStyle/>
+          <a:p>
+            <a:r>
+              <a:rPr lang="de-DE" sz="2000" dirty="0"/>
+              <a:t>Eine Präsentation von Patrick Kristen, Fabian Hohn, Franz </a:t>
+            </a:r>
+            <a:r>
+              <a:rPr lang="de-DE" sz="2000" dirty="0" err="1"/>
+              <a:t>Aguero</a:t>
+            </a:r>
+            <a:r>
+              <a:rPr lang="de-DE" sz="2000" dirty="0"/>
+              <a:t>, Adis Jakupovic</a:t>
+            </a:r>
+            <a:endParaRPr lang="de-AT" sz="2000" dirty="0"/>
+          </a:p>
+        </p:txBody>
+      </p:sp>
+      <p:sp>
+        <p:nvSpPr>
+          <p:cNvPr id="3" name="Textfeld 2">
+            <a:extLst>
+              <a:ext uri="{FF2B5EF4-FFF2-40B4-BE49-F238E27FC236}">
+                <a16:creationId xmlns:a16="http://schemas.microsoft.com/office/drawing/2014/main" id="{3677383C-E9F2-4208-9008-02389CBA3809}"/>
+              </a:ext>
+            </a:extLst>
+          </p:cNvPr>
+          <p:cNvSpPr txBox="1"/>
+          <p:nvPr/>
+        </p:nvSpPr>
+        <p:spPr>
+          <a:xfrm flipH="1">
+            <a:off x="3945096" y="787651"/>
+            <a:ext cx="4301805" cy="707886"/>
+          </a:xfrm>
+          <a:prstGeom prst="rect">
+            <a:avLst/>
+          </a:prstGeom>
+          <a:noFill/>
+        </p:spPr>
+        <p:txBody>
+          <a:bodyPr wrap="square" rtlCol="0">
+            <a:spAutoFit/>
+          </a:bodyPr>
+          <a:lstStyle/>
+          <a:p>
+            <a:r>
+              <a:rPr lang="de-DE" sz="4000" b="1" dirty="0"/>
+              <a:t>Ideen-Präsentation</a:t>
+            </a:r>
+          </a:p>
+        </p:txBody>
+      </p:sp>
+    </p:spTree>
+    <p:extLst>
+      <p:ext uri="{BB962C8B-B14F-4D97-AF65-F5344CB8AC3E}">
+        <p14:creationId xmlns:p14="http://schemas.microsoft.com/office/powerpoint/2010/main" val="4037870107"/>
+      </p:ext>
+    </p:extLst>
+  </p:cSld>
+  <p:clrMapOvr>
+    <a:masterClrMapping/>
+  </p:clrMapOvr>
+  <mc:AlternateContent xmlns:mc="http://schemas.openxmlformats.org/markup-compatibility/2006" xmlns:p159="http://schemas.microsoft.com/office/powerpoint/2015/09/main">
+    <mc:Choice Requires="p159">
+      <p:transition xmlns:p14="http://schemas.microsoft.com/office/powerpoint/2010/main" spd="slow" p14:dur="2000">
+        <p159:morph option="byObject"/>
+      </p:transition>
+    </mc:Choice>
+    <mc:Fallback xmlns="">
+      <p:transition spd="slow">
+        <p:fade/>
+      </p:transition>
+    </mc:Fallback>
+  </mc:AlternateContent>
+</p:sld>
+</file>
+
+<file path=ppt/slides/slide10.xml><?xml version="1.0" encoding="utf-8"?>
+<p:sld xmlns:a="http://schemas.openxmlformats.org/drawingml/2006/main" xmlns:r="http://schemas.openxmlformats.org/officeDocument/2006/relationships" xmlns:p="http://schemas.openxmlformats.org/presentationml/2006/main">
+  <p:cSld>
+    <p:bg>
+      <p:bgPr>
+        <a:solidFill>
+          <a:srgbClr val="F6F6F6"/>
+        </a:solidFill>
+        <a:effectLst/>
+      </p:bgPr>
+    </p:bg>
+    <p:spTree>
+      <p:nvGrpSpPr>
+        <p:cNvPr id="1" name=""/>
+        <p:cNvGrpSpPr/>
+        <p:nvPr/>
+      </p:nvGrpSpPr>
+      <p:grpSpPr>
+        <a:xfrm>
+          <a:off x="0" y="0"/>
+          <a:ext cx="0" cy="0"/>
+          <a:chOff x="0" y="0"/>
+          <a:chExt cx="0" cy="0"/>
+        </a:xfrm>
+      </p:grpSpPr>
+      <p:pic>
+        <p:nvPicPr>
+          <p:cNvPr id="3" name="Picture 2" descr="Icon&#10;&#10;Description automatically generated">
+            <a:extLst>
+              <a:ext uri="{FF2B5EF4-FFF2-40B4-BE49-F238E27FC236}">
+                <a16:creationId xmlns:a16="http://schemas.microsoft.com/office/drawing/2014/main" id="{39DCAA1E-35FC-AB44-B9D5-06B910A835ED}"/>
+              </a:ext>
+            </a:extLst>
+          </p:cNvPr>
+          <p:cNvPicPr>
+            <a:picLocks noChangeAspect="1"/>
+          </p:cNvPicPr>
+          <p:nvPr/>
+        </p:nvPicPr>
+        <p:blipFill rotWithShape="1">
+          <a:blip r:embed="rId3"/>
+          <a:srcRect l="26218" r="27384"/>
+          <a:stretch/>
+        </p:blipFill>
+        <p:spPr>
+          <a:xfrm>
+            <a:off x="1752113" y="586078"/>
+            <a:ext cx="4343887" cy="5685844"/>
+          </a:xfrm>
+          <a:prstGeom prst="rect">
+            <a:avLst/>
+          </a:prstGeom>
+        </p:spPr>
+      </p:pic>
+      <p:sp>
+        <p:nvSpPr>
+          <p:cNvPr id="7" name="TextBox 6">
+            <a:extLst>
+              <a:ext uri="{FF2B5EF4-FFF2-40B4-BE49-F238E27FC236}">
+                <a16:creationId xmlns:a16="http://schemas.microsoft.com/office/drawing/2014/main" id="{BC135631-9D7B-B14B-97EF-151C8EB42A32}"/>
+              </a:ext>
+            </a:extLst>
+          </p:cNvPr>
+          <p:cNvSpPr txBox="1"/>
+          <p:nvPr/>
+        </p:nvSpPr>
+        <p:spPr>
+          <a:xfrm>
+            <a:off x="7339200" y="1399708"/>
+            <a:ext cx="3100687" cy="1446550"/>
+          </a:xfrm>
+          <a:prstGeom prst="rect">
+            <a:avLst/>
+          </a:prstGeom>
+          <a:noFill/>
+        </p:spPr>
+        <p:txBody>
+          <a:bodyPr wrap="square" rtlCol="0">
+            <a:spAutoFit/>
+          </a:bodyPr>
+          <a:lstStyle/>
+          <a:p>
+            <a:pPr algn="r"/>
+            <a:r>
+              <a:rPr lang="en-AT" sz="8800" b="1" dirty="0">
+                <a:solidFill>
+                  <a:schemeClr val="accent4">
+                    <a:lumMod val="60000"/>
+                    <a:lumOff val="40000"/>
+                  </a:schemeClr>
+                </a:solidFill>
+                <a:cs typeface="Times New Roman" panose="02020603050405020304" pitchFamily="18" charset="0"/>
+              </a:rPr>
+              <a:t>Ideen</a:t>
+            </a:r>
+          </a:p>
+        </p:txBody>
+      </p:sp>
+      <p:sp>
+        <p:nvSpPr>
+          <p:cNvPr id="5" name="TextBox 4">
+            <a:extLst>
+              <a:ext uri="{FF2B5EF4-FFF2-40B4-BE49-F238E27FC236}">
+                <a16:creationId xmlns:a16="http://schemas.microsoft.com/office/drawing/2014/main" id="{8E58916B-B327-4B47-BF21-93F1AF0BAFF1}"/>
+              </a:ext>
+            </a:extLst>
+          </p:cNvPr>
+          <p:cNvSpPr txBox="1"/>
+          <p:nvPr/>
+        </p:nvSpPr>
+        <p:spPr>
+          <a:xfrm>
+            <a:off x="7251385" y="2846258"/>
+            <a:ext cx="3188502" cy="523220"/>
+          </a:xfrm>
+          <a:prstGeom prst="rect">
+            <a:avLst/>
+          </a:prstGeom>
+          <a:noFill/>
+        </p:spPr>
+        <p:txBody>
+          <a:bodyPr wrap="none" rtlCol="0">
+            <a:spAutoFit/>
+          </a:bodyPr>
+          <a:lstStyle/>
+          <a:p>
+            <a:pPr algn="r"/>
+            <a:r>
+              <a:rPr lang="en-AT" sz="2800" b="1" dirty="0">
+                <a:cs typeface="Times New Roman" panose="02020603050405020304" pitchFamily="18" charset="0"/>
+              </a:rPr>
+              <a:t>Online Vokabel</a:t>
+            </a:r>
+            <a:r>
+              <a:rPr lang="de-DE" sz="2800" b="1" dirty="0" err="1">
+                <a:cs typeface="Times New Roman" panose="02020603050405020304" pitchFamily="18" charset="0"/>
+              </a:rPr>
+              <a:t>duell</a:t>
+            </a:r>
+            <a:endParaRPr lang="en-AT" sz="2800" b="1" dirty="0">
+              <a:cs typeface="Times New Roman" panose="02020603050405020304" pitchFamily="18" charset="0"/>
+            </a:endParaRPr>
+          </a:p>
+        </p:txBody>
+      </p:sp>
+      <p:sp>
+        <p:nvSpPr>
+          <p:cNvPr id="8" name="TextBox 7">
+            <a:extLst>
+              <a:ext uri="{FF2B5EF4-FFF2-40B4-BE49-F238E27FC236}">
+                <a16:creationId xmlns:a16="http://schemas.microsoft.com/office/drawing/2014/main" id="{6FB478D6-92A7-C44E-97D7-71B63EB20D8C}"/>
+              </a:ext>
+            </a:extLst>
+          </p:cNvPr>
+          <p:cNvSpPr txBox="1"/>
+          <p:nvPr/>
+        </p:nvSpPr>
+        <p:spPr>
+          <a:xfrm>
+            <a:off x="8539688" y="3488523"/>
+            <a:ext cx="1900199" cy="523220"/>
+          </a:xfrm>
+          <a:prstGeom prst="rect">
+            <a:avLst/>
+          </a:prstGeom>
+          <a:noFill/>
+        </p:spPr>
+        <p:txBody>
+          <a:bodyPr wrap="none" rtlCol="0">
+            <a:spAutoFit/>
+          </a:bodyPr>
+          <a:lstStyle/>
+          <a:p>
+            <a:pPr algn="r"/>
+            <a:r>
+              <a:rPr lang="en-AT" sz="2800" b="1" dirty="0">
+                <a:cs typeface="Times New Roman" panose="02020603050405020304" pitchFamily="18" charset="0"/>
+              </a:rPr>
+              <a:t>Discord Bot</a:t>
+            </a:r>
+          </a:p>
+        </p:txBody>
+      </p:sp>
+      <p:pic>
+        <p:nvPicPr>
+          <p:cNvPr id="12" name="Picture 11" descr="Icon&#10;&#10;Description automatically generated">
+            <a:extLst>
+              <a:ext uri="{FF2B5EF4-FFF2-40B4-BE49-F238E27FC236}">
+                <a16:creationId xmlns:a16="http://schemas.microsoft.com/office/drawing/2014/main" id="{0EAA7171-2176-744F-B4F1-DB3AF800A248}"/>
+              </a:ext>
+            </a:extLst>
+          </p:cNvPr>
+          <p:cNvPicPr>
+            <a:picLocks noChangeAspect="1"/>
+          </p:cNvPicPr>
+          <p:nvPr/>
+        </p:nvPicPr>
+        <p:blipFill>
+          <a:blip r:embed="rId4"/>
+          <a:stretch>
+            <a:fillRect/>
+          </a:stretch>
+        </p:blipFill>
+        <p:spPr>
+          <a:xfrm>
+            <a:off x="4439937" y="11506701"/>
+            <a:ext cx="3312125" cy="1863070"/>
+          </a:xfrm>
+          <a:prstGeom prst="rect">
+            <a:avLst/>
+          </a:prstGeom>
+        </p:spPr>
+      </p:pic>
+      <p:sp>
+        <p:nvSpPr>
+          <p:cNvPr id="16" name="TextBox 15">
+            <a:extLst>
+              <a:ext uri="{FF2B5EF4-FFF2-40B4-BE49-F238E27FC236}">
+                <a16:creationId xmlns:a16="http://schemas.microsoft.com/office/drawing/2014/main" id="{98519AAC-F14B-AE4C-8560-76891E148C93}"/>
+              </a:ext>
+            </a:extLst>
+          </p:cNvPr>
+          <p:cNvSpPr txBox="1"/>
+          <p:nvPr/>
+        </p:nvSpPr>
+        <p:spPr>
+          <a:xfrm>
+            <a:off x="3514042" y="14030543"/>
+            <a:ext cx="1851789" cy="954107"/>
+          </a:xfrm>
+          <a:prstGeom prst="rect">
+            <a:avLst/>
+          </a:prstGeom>
+          <a:noFill/>
+        </p:spPr>
+        <p:txBody>
+          <a:bodyPr wrap="none" rtlCol="0">
+            <a:spAutoFit/>
+          </a:bodyPr>
+          <a:lstStyle/>
+          <a:p>
+            <a:pPr algn="ctr"/>
+            <a:r>
+              <a:rPr lang="de-AT" sz="2800" b="1" dirty="0">
+                <a:latin typeface="Times New Roman" panose="02020603050405020304" pitchFamily="18" charset="0"/>
+                <a:cs typeface="Times New Roman" panose="02020603050405020304" pitchFamily="18" charset="0"/>
+              </a:rPr>
+              <a:t>künstliche </a:t>
+            </a:r>
+          </a:p>
+          <a:p>
+            <a:pPr algn="ctr"/>
+            <a:r>
+              <a:rPr lang="de-AT" sz="2800" b="1" dirty="0">
+                <a:latin typeface="Times New Roman" panose="02020603050405020304" pitchFamily="18" charset="0"/>
+                <a:cs typeface="Times New Roman" panose="02020603050405020304" pitchFamily="18" charset="0"/>
+              </a:rPr>
+              <a:t>Intelligenz</a:t>
+            </a:r>
+            <a:endParaRPr lang="en-AT" sz="2800" b="1" dirty="0">
+              <a:latin typeface="Times New Roman" panose="02020603050405020304" pitchFamily="18" charset="0"/>
+              <a:cs typeface="Times New Roman" panose="02020603050405020304" pitchFamily="18" charset="0"/>
+            </a:endParaRPr>
+          </a:p>
+        </p:txBody>
+      </p:sp>
+      <p:sp>
+        <p:nvSpPr>
+          <p:cNvPr id="17" name="TextBox 16">
+            <a:extLst>
+              <a:ext uri="{FF2B5EF4-FFF2-40B4-BE49-F238E27FC236}">
+                <a16:creationId xmlns:a16="http://schemas.microsoft.com/office/drawing/2014/main" id="{B734A2FB-BE6A-2349-A53F-BE5E5339026D}"/>
+              </a:ext>
+            </a:extLst>
+          </p:cNvPr>
+          <p:cNvSpPr txBox="1"/>
+          <p:nvPr/>
+        </p:nvSpPr>
+        <p:spPr>
+          <a:xfrm>
+            <a:off x="6826171" y="14030543"/>
+            <a:ext cx="1579278" cy="954107"/>
+          </a:xfrm>
+          <a:prstGeom prst="rect">
+            <a:avLst/>
+          </a:prstGeom>
+          <a:noFill/>
+        </p:spPr>
+        <p:txBody>
+          <a:bodyPr wrap="none" rtlCol="0">
+            <a:spAutoFit/>
+          </a:bodyPr>
+          <a:lstStyle/>
+          <a:p>
+            <a:pPr algn="ctr"/>
+            <a:r>
+              <a:rPr lang="de-AT" sz="2800" b="1" dirty="0">
+                <a:latin typeface="Times New Roman" panose="02020603050405020304" pitchFamily="18" charset="0"/>
+                <a:cs typeface="Times New Roman" panose="02020603050405020304" pitchFamily="18" charset="0"/>
+              </a:rPr>
+              <a:t>Web</a:t>
+            </a:r>
+          </a:p>
+          <a:p>
+            <a:pPr algn="ctr"/>
+            <a:r>
+              <a:rPr lang="de-AT" sz="2800" b="1" dirty="0">
+                <a:latin typeface="Times New Roman" panose="02020603050405020304" pitchFamily="18" charset="0"/>
+                <a:cs typeface="Times New Roman" panose="02020603050405020304" pitchFamily="18" charset="0"/>
+              </a:rPr>
+              <a:t>Interface</a:t>
+            </a:r>
+            <a:endParaRPr lang="en-AT" sz="2800" b="1" dirty="0">
+              <a:latin typeface="Times New Roman" panose="02020603050405020304" pitchFamily="18" charset="0"/>
+              <a:cs typeface="Times New Roman" panose="02020603050405020304" pitchFamily="18" charset="0"/>
+            </a:endParaRPr>
+          </a:p>
+        </p:txBody>
+      </p:sp>
+      <p:sp>
+        <p:nvSpPr>
+          <p:cNvPr id="24" name="TextBox 23">
+            <a:extLst>
+              <a:ext uri="{FF2B5EF4-FFF2-40B4-BE49-F238E27FC236}">
+                <a16:creationId xmlns:a16="http://schemas.microsoft.com/office/drawing/2014/main" id="{A1DD8EBB-2D9F-8C4C-959E-1DBAD8BD4BF0}"/>
+              </a:ext>
+            </a:extLst>
+          </p:cNvPr>
+          <p:cNvSpPr txBox="1"/>
+          <p:nvPr/>
+        </p:nvSpPr>
+        <p:spPr>
+          <a:xfrm>
+            <a:off x="1669187" y="10077152"/>
+            <a:ext cx="1922321" cy="954107"/>
+          </a:xfrm>
+          <a:prstGeom prst="rect">
+            <a:avLst/>
+          </a:prstGeom>
+          <a:noFill/>
+        </p:spPr>
+        <p:txBody>
+          <a:bodyPr wrap="none" rtlCol="0">
+            <a:spAutoFit/>
+          </a:bodyPr>
+          <a:lstStyle/>
+          <a:p>
+            <a:pPr algn="ctr"/>
+            <a:r>
+              <a:rPr lang="de-AT" sz="2800" b="1" dirty="0">
+                <a:latin typeface="Times New Roman" panose="02020603050405020304" pitchFamily="18" charset="0"/>
+                <a:cs typeface="Times New Roman" panose="02020603050405020304" pitchFamily="18" charset="0"/>
+              </a:rPr>
+              <a:t>Foto</a:t>
+            </a:r>
+          </a:p>
+          <a:p>
+            <a:pPr algn="ctr"/>
+            <a:r>
+              <a:rPr lang="de-AT" sz="2800" b="1" dirty="0">
+                <a:latin typeface="Times New Roman" panose="02020603050405020304" pitchFamily="18" charset="0"/>
+                <a:cs typeface="Times New Roman" panose="02020603050405020304" pitchFamily="18" charset="0"/>
+              </a:rPr>
+              <a:t>Erkennung</a:t>
+            </a:r>
+            <a:endParaRPr lang="en-AT" sz="2800" b="1" dirty="0">
+              <a:latin typeface="Times New Roman" panose="02020603050405020304" pitchFamily="18" charset="0"/>
+              <a:cs typeface="Times New Roman" panose="02020603050405020304" pitchFamily="18" charset="0"/>
+            </a:endParaRPr>
+          </a:p>
+        </p:txBody>
+      </p:sp>
+      <p:sp>
+        <p:nvSpPr>
+          <p:cNvPr id="25" name="TextBox 24">
+            <a:extLst>
+              <a:ext uri="{FF2B5EF4-FFF2-40B4-BE49-F238E27FC236}">
+                <a16:creationId xmlns:a16="http://schemas.microsoft.com/office/drawing/2014/main" id="{6F4F1C22-DE81-C54E-847C-9FF31312D374}"/>
+              </a:ext>
+            </a:extLst>
+          </p:cNvPr>
+          <p:cNvSpPr txBox="1"/>
+          <p:nvPr/>
+        </p:nvSpPr>
+        <p:spPr>
+          <a:xfrm>
+            <a:off x="5093307" y="10267196"/>
+            <a:ext cx="2005387" cy="523220"/>
+          </a:xfrm>
+          <a:prstGeom prst="rect">
+            <a:avLst/>
+          </a:prstGeom>
+          <a:noFill/>
+        </p:spPr>
+        <p:txBody>
+          <a:bodyPr wrap="square" rtlCol="0">
+            <a:spAutoFit/>
+          </a:bodyPr>
+          <a:lstStyle/>
+          <a:p>
+            <a:pPr algn="ctr"/>
+            <a:r>
+              <a:rPr lang="de-AT" sz="2800" b="1" dirty="0">
+                <a:latin typeface="Times New Roman" panose="02020603050405020304" pitchFamily="18" charset="0"/>
+                <a:cs typeface="Times New Roman" panose="02020603050405020304" pitchFamily="18" charset="0"/>
+              </a:rPr>
+              <a:t>Touchpad</a:t>
+            </a:r>
+            <a:endParaRPr lang="en-AT" sz="2800" b="1" dirty="0">
+              <a:latin typeface="Times New Roman" panose="02020603050405020304" pitchFamily="18" charset="0"/>
+              <a:cs typeface="Times New Roman" panose="02020603050405020304" pitchFamily="18" charset="0"/>
+            </a:endParaRPr>
+          </a:p>
+        </p:txBody>
+      </p:sp>
+      <p:sp>
+        <p:nvSpPr>
+          <p:cNvPr id="26" name="TextBox 25">
+            <a:extLst>
+              <a:ext uri="{FF2B5EF4-FFF2-40B4-BE49-F238E27FC236}">
+                <a16:creationId xmlns:a16="http://schemas.microsoft.com/office/drawing/2014/main" id="{53CF698A-ECC5-9C41-BBAB-FF5FC7A52907}"/>
+              </a:ext>
+            </a:extLst>
+          </p:cNvPr>
+          <p:cNvSpPr txBox="1"/>
+          <p:nvPr/>
+        </p:nvSpPr>
+        <p:spPr>
+          <a:xfrm>
+            <a:off x="8600493" y="10292595"/>
+            <a:ext cx="2211558" cy="523220"/>
+          </a:xfrm>
+          <a:prstGeom prst="rect">
+            <a:avLst/>
+          </a:prstGeom>
+          <a:noFill/>
+        </p:spPr>
+        <p:txBody>
+          <a:bodyPr wrap="square" rtlCol="0">
+            <a:spAutoFit/>
+          </a:bodyPr>
+          <a:lstStyle/>
+          <a:p>
+            <a:pPr algn="ctr"/>
+            <a:r>
+              <a:rPr lang="de-AT" sz="2800" b="1" dirty="0">
+                <a:latin typeface="Times New Roman" panose="02020603050405020304" pitchFamily="18" charset="0"/>
+                <a:cs typeface="Times New Roman" panose="02020603050405020304" pitchFamily="18" charset="0"/>
+              </a:rPr>
+              <a:t>Schul-Guide</a:t>
+            </a:r>
+            <a:endParaRPr lang="en-AT" sz="2800" b="1" dirty="0">
+              <a:latin typeface="Times New Roman" panose="02020603050405020304" pitchFamily="18" charset="0"/>
+              <a:cs typeface="Times New Roman" panose="02020603050405020304" pitchFamily="18" charset="0"/>
+            </a:endParaRPr>
+          </a:p>
+        </p:txBody>
+      </p:sp>
+      <p:pic>
+        <p:nvPicPr>
+          <p:cNvPr id="27" name="Picture 26" descr="A picture containing text, electronics&#10;&#10;Description automatically generated">
+            <a:extLst>
+              <a:ext uri="{FF2B5EF4-FFF2-40B4-BE49-F238E27FC236}">
+                <a16:creationId xmlns:a16="http://schemas.microsoft.com/office/drawing/2014/main" id="{222EB064-2ECA-DA48-8BC8-263D3CA4BF46}"/>
+              </a:ext>
+            </a:extLst>
+          </p:cNvPr>
+          <p:cNvPicPr>
+            <a:picLocks noChangeAspect="1"/>
+          </p:cNvPicPr>
+          <p:nvPr/>
+        </p:nvPicPr>
+        <p:blipFill>
+          <a:blip r:embed="rId5"/>
+          <a:stretch>
+            <a:fillRect/>
+          </a:stretch>
+        </p:blipFill>
+        <p:spPr>
+          <a:xfrm>
+            <a:off x="4990221" y="8081037"/>
+            <a:ext cx="2211558" cy="2211558"/>
+          </a:xfrm>
+          <a:prstGeom prst="rect">
+            <a:avLst/>
+          </a:prstGeom>
+        </p:spPr>
+      </p:pic>
+      <p:pic>
+        <p:nvPicPr>
+          <p:cNvPr id="28" name="Picture 27" descr="A picture containing text, sign&#10;&#10;Description automatically generated">
+            <a:extLst>
+              <a:ext uri="{FF2B5EF4-FFF2-40B4-BE49-F238E27FC236}">
+                <a16:creationId xmlns:a16="http://schemas.microsoft.com/office/drawing/2014/main" id="{A376108C-7E1F-264E-9E75-DBA77520FAA0}"/>
+              </a:ext>
+            </a:extLst>
+          </p:cNvPr>
+          <p:cNvPicPr>
+            <a:picLocks noChangeAspect="1"/>
+          </p:cNvPicPr>
+          <p:nvPr/>
+        </p:nvPicPr>
+        <p:blipFill>
+          <a:blip r:embed="rId6"/>
+          <a:stretch>
+            <a:fillRect/>
+          </a:stretch>
+        </p:blipFill>
+        <p:spPr>
+          <a:xfrm>
+            <a:off x="1524568" y="8055638"/>
+            <a:ext cx="2211558" cy="2211558"/>
+          </a:xfrm>
+          <a:prstGeom prst="rect">
+            <a:avLst/>
+          </a:prstGeom>
+        </p:spPr>
+      </p:pic>
+      <p:pic>
+        <p:nvPicPr>
+          <p:cNvPr id="29" name="Picture 28" descr="Icon&#10;&#10;Description automatically generated">
+            <a:extLst>
+              <a:ext uri="{FF2B5EF4-FFF2-40B4-BE49-F238E27FC236}">
+                <a16:creationId xmlns:a16="http://schemas.microsoft.com/office/drawing/2014/main" id="{5C53C29E-1810-7C41-B7C3-CAEC603795E8}"/>
+              </a:ext>
+            </a:extLst>
+          </p:cNvPr>
+          <p:cNvPicPr>
+            <a:picLocks noChangeAspect="1"/>
+          </p:cNvPicPr>
+          <p:nvPr/>
+        </p:nvPicPr>
+        <p:blipFill>
+          <a:blip r:embed="rId7"/>
+          <a:stretch>
+            <a:fillRect/>
+          </a:stretch>
+        </p:blipFill>
+        <p:spPr>
+          <a:xfrm>
+            <a:off x="9098943" y="7947341"/>
+            <a:ext cx="1214658" cy="2129811"/>
+          </a:xfrm>
+          <a:prstGeom prst="rect">
+            <a:avLst/>
+          </a:prstGeom>
+        </p:spPr>
+      </p:pic>
+    </p:spTree>
+    <p:extLst>
+      <p:ext uri="{BB962C8B-B14F-4D97-AF65-F5344CB8AC3E}">
+        <p14:creationId xmlns:p14="http://schemas.microsoft.com/office/powerpoint/2010/main" val="1394419694"/>
+      </p:ext>
+    </p:extLst>
+  </p:cSld>
+  <p:clrMapOvr>
+    <a:masterClrMapping/>
+  </p:clrMapOvr>
+  <mc:AlternateContent xmlns:mc="http://schemas.openxmlformats.org/markup-compatibility/2006" xmlns:p159="http://schemas.microsoft.com/office/powerpoint/2015/09/main">
+    <mc:Choice Requires="p159">
+      <p:transition xmlns:p14="http://schemas.microsoft.com/office/powerpoint/2010/main" spd="slow" p14:dur="2000">
+        <p159:morph option="byObject"/>
+      </p:transition>
+    </mc:Choice>
+    <mc:Fallback xmlns="">
+      <p:transition spd="slow">
+        <p:fade/>
+      </p:transition>
+    </mc:Fallback>
+  </mc:AlternateContent>
+</p:sld>
+</file>
+
+<file path=ppt/slides/slide11.xml><?xml version="1.0" encoding="utf-8"?>
+<p:sld xmlns:a="http://schemas.openxmlformats.org/drawingml/2006/main" xmlns:r="http://schemas.openxmlformats.org/officeDocument/2006/relationships" xmlns:p="http://schemas.openxmlformats.org/presentationml/2006/main">
+  <p:cSld>
+    <p:bg>
+      <p:bgPr>
+        <a:solidFill>
+          <a:srgbClr val="F6F6F6"/>
+        </a:solidFill>
+        <a:effectLst/>
+      </p:bgPr>
+    </p:bg>
+    <p:spTree>
+      <p:nvGrpSpPr>
+        <p:cNvPr id="1" name=""/>
+        <p:cNvGrpSpPr/>
+        <p:nvPr/>
+      </p:nvGrpSpPr>
+      <p:grpSpPr>
+        <a:xfrm>
+          <a:off x="0" y="0"/>
+          <a:ext cx="0" cy="0"/>
+          <a:chOff x="0" y="0"/>
+          <a:chExt cx="0" cy="0"/>
+        </a:xfrm>
+      </p:grpSpPr>
+      <p:pic>
+        <p:nvPicPr>
+          <p:cNvPr id="6" name="Picture 5" descr="Icon&#10;&#10;Description automatically generated">
+            <a:extLst>
+              <a:ext uri="{FF2B5EF4-FFF2-40B4-BE49-F238E27FC236}">
+                <a16:creationId xmlns:a16="http://schemas.microsoft.com/office/drawing/2014/main" id="{E5D14A97-7143-8148-9714-3E7F4F5C82C6}"/>
+              </a:ext>
+            </a:extLst>
+          </p:cNvPr>
+          <p:cNvPicPr>
+            <a:picLocks noChangeAspect="1"/>
+          </p:cNvPicPr>
+          <p:nvPr/>
+        </p:nvPicPr>
+        <p:blipFill>
+          <a:blip r:embed="rId2"/>
+          <a:stretch>
+            <a:fillRect/>
+          </a:stretch>
+        </p:blipFill>
+        <p:spPr>
+          <a:xfrm>
+            <a:off x="3210494" y="1157010"/>
+            <a:ext cx="5771007" cy="3504832"/>
+          </a:xfrm>
+          <a:prstGeom prst="rect">
+            <a:avLst/>
+          </a:prstGeom>
+        </p:spPr>
+      </p:pic>
+      <p:sp>
+        <p:nvSpPr>
+          <p:cNvPr id="8" name="TextBox 7">
+            <a:extLst>
+              <a:ext uri="{FF2B5EF4-FFF2-40B4-BE49-F238E27FC236}">
+                <a16:creationId xmlns:a16="http://schemas.microsoft.com/office/drawing/2014/main" id="{4996F1BB-DE9E-0448-B735-430133447BD2}"/>
+              </a:ext>
+            </a:extLst>
+          </p:cNvPr>
+          <p:cNvSpPr txBox="1"/>
+          <p:nvPr/>
+        </p:nvSpPr>
+        <p:spPr>
+          <a:xfrm>
+            <a:off x="12192000" y="-1200329"/>
             <a:ext cx="2390398" cy="1200329"/>
           </a:xfrm>
           <a:prstGeom prst="rect">
@@ -4505,10 +5239,10 @@
       </p:sp>
       <p:sp>
         <p:nvSpPr>
-          <p:cNvPr id="2" name="Textfeld 1">
-            <a:extLst>
-              <a:ext uri="{FF2B5EF4-FFF2-40B4-BE49-F238E27FC236}">
-                <a16:creationId xmlns:a16="http://schemas.microsoft.com/office/drawing/2014/main" id="{C5CF03E9-D722-4A02-A7D3-64F93D5E68C2}"/>
+          <p:cNvPr id="2" name="TextBox 1">
+            <a:extLst>
+              <a:ext uri="{FF2B5EF4-FFF2-40B4-BE49-F238E27FC236}">
+                <a16:creationId xmlns:a16="http://schemas.microsoft.com/office/drawing/2014/main" id="{26139D3C-28C3-854E-8E94-2BD04AB8F30D}"/>
               </a:ext>
             </a:extLst>
           </p:cNvPr>
@@ -4517,8 +5251,8 @@
         </p:nvSpPr>
         <p:spPr>
           <a:xfrm>
-            <a:off x="1820950" y="5558828"/>
-            <a:ext cx="8550098" cy="400110"/>
+            <a:off x="4178293" y="4661842"/>
+            <a:ext cx="3835410" cy="1200329"/>
           </a:xfrm>
           <a:prstGeom prst="rect">
             <a:avLst/>
@@ -4531,53 +5265,21 @@
           </a:bodyPr>
           <a:lstStyle/>
           <a:p>
-            <a:r>
-              <a:rPr lang="de-DE" sz="2000" dirty="0"/>
-              <a:t>Eine Präsentation von Patrick Kristen, Fabian Hohn, Franz </a:t>
-            </a:r>
-            <a:r>
-              <a:rPr lang="de-DE" sz="2000" dirty="0" err="1"/>
-              <a:t>Aguero</a:t>
-            </a:r>
-            <a:r>
-              <a:rPr lang="de-DE" sz="2000" dirty="0"/>
-              <a:t>, Adis Jakupovic</a:t>
-            </a:r>
-            <a:endParaRPr lang="de-AT" sz="2000" dirty="0"/>
-          </a:p>
-        </p:txBody>
-      </p:sp>
-      <p:sp>
-        <p:nvSpPr>
-          <p:cNvPr id="3" name="Textfeld 2">
-            <a:extLst>
-              <a:ext uri="{FF2B5EF4-FFF2-40B4-BE49-F238E27FC236}">
-                <a16:creationId xmlns:a16="http://schemas.microsoft.com/office/drawing/2014/main" id="{3677383C-E9F2-4208-9008-02389CBA3809}"/>
-              </a:ext>
-            </a:extLst>
-          </p:cNvPr>
-          <p:cNvSpPr txBox="1"/>
-          <p:nvPr/>
-        </p:nvSpPr>
-        <p:spPr>
-          <a:xfrm flipH="1">
-            <a:off x="3945096" y="787651"/>
-            <a:ext cx="4301805" cy="707886"/>
-          </a:xfrm>
-          <a:prstGeom prst="rect">
-            <a:avLst/>
-          </a:prstGeom>
-          <a:noFill/>
-        </p:spPr>
-        <p:txBody>
-          <a:bodyPr wrap="square" rtlCol="0">
-            <a:spAutoFit/>
-          </a:bodyPr>
-          <a:lstStyle/>
-          <a:p>
-            <a:r>
-              <a:rPr lang="de-DE" sz="4000" b="1" dirty="0"/>
-              <a:t>Ideen-Präsentation</a:t>
+            <a:pPr algn="ctr"/>
+            <a:r>
+              <a:rPr lang="en-AT" sz="3600" b="1" dirty="0">
+                <a:cs typeface="Times New Roman" panose="02020603050405020304" pitchFamily="18" charset="0"/>
+              </a:rPr>
+              <a:t>DANKE FÜR EURE </a:t>
+            </a:r>
+          </a:p>
+          <a:p>
+            <a:pPr algn="ctr"/>
+            <a:r>
+              <a:rPr lang="en-AT" sz="3600" b="1" dirty="0">
+                <a:cs typeface="Times New Roman" panose="02020603050405020304" pitchFamily="18" charset="0"/>
+              </a:rPr>
+              <a:t>AUFMERKSAMKEIT</a:t>
             </a:r>
           </a:p>
         </p:txBody>
@@ -4585,7 +5287,7 @@
     </p:spTree>
     <p:extLst>
       <p:ext uri="{BB962C8B-B14F-4D97-AF65-F5344CB8AC3E}">
-        <p14:creationId xmlns:p14="http://schemas.microsoft.com/office/powerpoint/2010/main" val="4037870107"/>
+        <p14:creationId xmlns:p14="http://schemas.microsoft.com/office/powerpoint/2010/main" val="2260651113"/>
       </p:ext>
     </p:extLst>
   </p:cSld>
@@ -4719,8 +5421,8 @@
         </p:nvSpPr>
         <p:spPr>
           <a:xfrm>
-            <a:off x="7383858" y="2846258"/>
-            <a:ext cx="3056029" cy="523220"/>
+            <a:off x="7251385" y="2846258"/>
+            <a:ext cx="3188502" cy="523220"/>
           </a:xfrm>
           <a:prstGeom prst="rect">
             <a:avLst/>
@@ -4738,8 +5440,17 @@
               <a:rPr lang="en-AT" sz="2800" b="1" dirty="0">
                 <a:cs typeface="Times New Roman" panose="02020603050405020304" pitchFamily="18" charset="0"/>
               </a:rPr>
-              <a:t>Online Vokabelheft</a:t>
-            </a:r>
+              <a:t>Online Vokabel</a:t>
+            </a:r>
+            <a:r>
+              <a:rPr lang="de-DE" sz="2800" b="1" dirty="0" err="1">
+                <a:cs typeface="Times New Roman" panose="02020603050405020304" pitchFamily="18" charset="0"/>
+              </a:rPr>
+              <a:t>duell</a:t>
+            </a:r>
+            <a:endParaRPr lang="en-AT" sz="2800" b="1" dirty="0">
+              <a:cs typeface="Times New Roman" panose="02020603050405020304" pitchFamily="18" charset="0"/>
+            </a:endParaRPr>
           </a:p>
         </p:txBody>
       </p:sp>
@@ -4777,56 +5488,6 @@
                 <a:cs typeface="Times New Roman" panose="02020603050405020304" pitchFamily="18" charset="0"/>
               </a:rPr>
               <a:t>Discord Bot</a:t>
-            </a:r>
-          </a:p>
-        </p:txBody>
-      </p:sp>
-      <p:sp>
-        <p:nvSpPr>
-          <p:cNvPr id="9" name="TextBox 8">
-            <a:extLst>
-              <a:ext uri="{FF2B5EF4-FFF2-40B4-BE49-F238E27FC236}">
-                <a16:creationId xmlns:a16="http://schemas.microsoft.com/office/drawing/2014/main" id="{D2C886DF-CBCA-F34F-B479-892C3CA6293D}"/>
-              </a:ext>
-            </a:extLst>
-          </p:cNvPr>
-          <p:cNvSpPr txBox="1"/>
-          <p:nvPr/>
-        </p:nvSpPr>
-        <p:spPr>
-          <a:xfrm>
-            <a:off x="8756413" y="4130788"/>
-            <a:ext cx="1683474" cy="523220"/>
-          </a:xfrm>
-          <a:prstGeom prst="rect">
-            <a:avLst/>
-          </a:prstGeom>
-          <a:noFill/>
-        </p:spPr>
-        <p:txBody>
-          <a:bodyPr wrap="none" rtlCol="0">
-            <a:spAutoFit/>
-          </a:bodyPr>
-          <a:lstStyle/>
-          <a:p>
-            <a:pPr algn="r"/>
-            <a:r>
-              <a:rPr lang="en-AT" sz="2800" b="1" dirty="0">
-                <a:cs typeface="Times New Roman" panose="02020603050405020304" pitchFamily="18" charset="0"/>
-              </a:rPr>
-              <a:t>N</a:t>
-            </a:r>
-            <a:r>
-              <a:rPr lang="en-GB" sz="2800" b="1" dirty="0">
-                <a:cs typeface="Times New Roman" panose="02020603050405020304" pitchFamily="18" charset="0"/>
-              </a:rPr>
-              <a:t>o</a:t>
-            </a:r>
-            <a:r>
-              <a:rPr lang="en-AT" sz="2800" b="1" dirty="0">
-                <a:cs typeface="Times New Roman" panose="02020603050405020304" pitchFamily="18" charset="0"/>
-              </a:rPr>
-              <a:t>tiz-App</a:t>
             </a:r>
           </a:p>
         </p:txBody>
@@ -5006,14 +5667,6 @@
 <file path=ppt/slides/slide3.xml><?xml version="1.0" encoding="utf-8"?>
 <p:sld xmlns:a="http://schemas.openxmlformats.org/drawingml/2006/main" xmlns:r="http://schemas.openxmlformats.org/officeDocument/2006/relationships" xmlns:p="http://schemas.openxmlformats.org/presentationml/2006/main">
   <p:cSld>
-    <p:bg>
-      <p:bgPr>
-        <a:solidFill>
-          <a:srgbClr val="F6F6F6"/>
-        </a:solidFill>
-        <a:effectLst/>
-      </p:bgPr>
-    </p:bg>
     <p:spTree>
       <p:nvGrpSpPr>
         <p:cNvPr id="1" name=""/>
@@ -5028,41 +5681,12 @@
           <a:chExt cx="0" cy="0"/>
         </a:xfrm>
       </p:grpSpPr>
-      <p:pic>
-        <p:nvPicPr>
-          <p:cNvPr id="3" name="Picture 2" descr="Icon&#10;&#10;Description automatically generated">
-            <a:extLst>
-              <a:ext uri="{FF2B5EF4-FFF2-40B4-BE49-F238E27FC236}">
-                <a16:creationId xmlns:a16="http://schemas.microsoft.com/office/drawing/2014/main" id="{39DCAA1E-35FC-AB44-B9D5-06B910A835ED}"/>
-              </a:ext>
-            </a:extLst>
-          </p:cNvPr>
-          <p:cNvPicPr>
-            <a:picLocks noChangeAspect="1"/>
-          </p:cNvPicPr>
-          <p:nvPr/>
-        </p:nvPicPr>
-        <p:blipFill rotWithShape="1">
-          <a:blip r:embed="rId3"/>
-          <a:srcRect l="26218" r="27384"/>
-          <a:stretch/>
-        </p:blipFill>
-        <p:spPr>
-          <a:xfrm>
-            <a:off x="-7802413" y="346084"/>
-            <a:ext cx="4343887" cy="5685844"/>
-          </a:xfrm>
-          <a:prstGeom prst="rect">
-            <a:avLst/>
-          </a:prstGeom>
-        </p:spPr>
-      </p:pic>
-      <p:sp>
-        <p:nvSpPr>
-          <p:cNvPr id="7" name="TextBox 6">
-            <a:extLst>
-              <a:ext uri="{FF2B5EF4-FFF2-40B4-BE49-F238E27FC236}">
-                <a16:creationId xmlns:a16="http://schemas.microsoft.com/office/drawing/2014/main" id="{BC135631-9D7B-B14B-97EF-151C8EB42A32}"/>
+      <p:sp>
+        <p:nvSpPr>
+          <p:cNvPr id="2" name="Textfeld 1">
+            <a:extLst>
+              <a:ext uri="{FF2B5EF4-FFF2-40B4-BE49-F238E27FC236}">
+                <a16:creationId xmlns:a16="http://schemas.microsoft.com/office/drawing/2014/main" id="{1A75ABD8-BFB5-4B83-8BA6-E8C7798D471D}"/>
               </a:ext>
             </a:extLst>
           </p:cNvPr>
@@ -5071,8 +5695,8 @@
         </p:nvSpPr>
         <p:spPr>
           <a:xfrm>
-            <a:off x="-3102979" y="-1446550"/>
-            <a:ext cx="3100687" cy="1446550"/>
+            <a:off x="4389748" y="633374"/>
+            <a:ext cx="3412504" cy="769441"/>
           </a:xfrm>
           <a:prstGeom prst="rect">
             <a:avLst/>
@@ -5085,29 +5709,20 @@
           </a:bodyPr>
           <a:lstStyle/>
           <a:p>
-            <a:pPr algn="r"/>
-            <a:r>
-              <a:rPr lang="en-AT" sz="8800" b="1" dirty="0">
-                <a:solidFill>
-                  <a:schemeClr val="accent4">
-                    <a:lumMod val="60000"/>
-                    <a:lumOff val="40000"/>
-                  </a:schemeClr>
-                </a:solidFill>
-                <a:latin typeface="Times New Roman" panose="02020603050405020304" pitchFamily="18" charset="0"/>
-                <a:cs typeface="Times New Roman" panose="02020603050405020304" pitchFamily="18" charset="0"/>
-              </a:rPr>
-              <a:t>Ideen</a:t>
-            </a:r>
-          </a:p>
-        </p:txBody>
-      </p:sp>
-      <p:sp>
-        <p:nvSpPr>
-          <p:cNvPr id="5" name="TextBox 4">
-            <a:extLst>
-              <a:ext uri="{FF2B5EF4-FFF2-40B4-BE49-F238E27FC236}">
-                <a16:creationId xmlns:a16="http://schemas.microsoft.com/office/drawing/2014/main" id="{8E58916B-B327-4B47-BF21-93F1AF0BAFF1}"/>
+            <a:r>
+              <a:rPr lang="de-DE" sz="4400" b="1" dirty="0"/>
+              <a:t>Hintergrund</a:t>
+            </a:r>
+            <a:endParaRPr lang="de-AT" b="1" dirty="0"/>
+          </a:p>
+        </p:txBody>
+      </p:sp>
+      <p:sp>
+        <p:nvSpPr>
+          <p:cNvPr id="3" name="Textfeld 2">
+            <a:extLst>
+              <a:ext uri="{FF2B5EF4-FFF2-40B4-BE49-F238E27FC236}">
+                <a16:creationId xmlns:a16="http://schemas.microsoft.com/office/drawing/2014/main" id="{F96B7D60-3E35-4753-BDBF-5D9FA35EBCB4}"/>
               </a:ext>
             </a:extLst>
           </p:cNvPr>
@@ -5115,239 +5730,9 @@
           <p:nvPr/>
         </p:nvSpPr>
         <p:spPr>
-          <a:xfrm>
-            <a:off x="3385289" y="506973"/>
-            <a:ext cx="5421421" cy="830997"/>
-          </a:xfrm>
-          <a:prstGeom prst="rect">
-            <a:avLst/>
-          </a:prstGeom>
-          <a:noFill/>
-        </p:spPr>
-        <p:txBody>
-          <a:bodyPr wrap="none" rtlCol="0">
-            <a:spAutoFit/>
-          </a:bodyPr>
-          <a:lstStyle/>
-          <a:p>
-            <a:pPr algn="ctr"/>
-            <a:r>
-              <a:rPr lang="en-AT" sz="4800" b="1" dirty="0">
-                <a:cs typeface="Times New Roman" panose="02020603050405020304" pitchFamily="18" charset="0"/>
-              </a:rPr>
-              <a:t>Online Vokabelheft </a:t>
-            </a:r>
-          </a:p>
-        </p:txBody>
-      </p:sp>
-      <p:sp>
-        <p:nvSpPr>
-          <p:cNvPr id="8" name="TextBox 7">
-            <a:extLst>
-              <a:ext uri="{FF2B5EF4-FFF2-40B4-BE49-F238E27FC236}">
-                <a16:creationId xmlns:a16="http://schemas.microsoft.com/office/drawing/2014/main" id="{6FB478D6-92A7-C44E-97D7-71B63EB20D8C}"/>
-              </a:ext>
-            </a:extLst>
-          </p:cNvPr>
-          <p:cNvSpPr txBox="1"/>
-          <p:nvPr/>
-        </p:nvSpPr>
-        <p:spPr>
-          <a:xfrm>
-            <a:off x="-2670088" y="3429000"/>
-            <a:ext cx="2008883" cy="523220"/>
-          </a:xfrm>
-          <a:prstGeom prst="rect">
-            <a:avLst/>
-          </a:prstGeom>
-          <a:noFill/>
-        </p:spPr>
-        <p:txBody>
-          <a:bodyPr wrap="none" rtlCol="0">
-            <a:spAutoFit/>
-          </a:bodyPr>
-          <a:lstStyle/>
-          <a:p>
-            <a:pPr algn="r"/>
-            <a:r>
-              <a:rPr lang="en-AT" sz="2800" b="1" dirty="0">
-                <a:latin typeface="Times New Roman" panose="02020603050405020304" pitchFamily="18" charset="0"/>
-                <a:cs typeface="Times New Roman" panose="02020603050405020304" pitchFamily="18" charset="0"/>
-              </a:rPr>
-              <a:t>Discord Bot</a:t>
-            </a:r>
-          </a:p>
-        </p:txBody>
-      </p:sp>
-      <p:sp>
-        <p:nvSpPr>
-          <p:cNvPr id="9" name="TextBox 8">
-            <a:extLst>
-              <a:ext uri="{FF2B5EF4-FFF2-40B4-BE49-F238E27FC236}">
-                <a16:creationId xmlns:a16="http://schemas.microsoft.com/office/drawing/2014/main" id="{D2C886DF-CBCA-F34F-B479-892C3CA6293D}"/>
-              </a:ext>
-            </a:extLst>
-          </p:cNvPr>
-          <p:cNvSpPr txBox="1"/>
-          <p:nvPr/>
-        </p:nvSpPr>
-        <p:spPr>
-          <a:xfrm>
-            <a:off x="-2444065" y="4071265"/>
-            <a:ext cx="1782860" cy="523220"/>
-          </a:xfrm>
-          <a:prstGeom prst="rect">
-            <a:avLst/>
-          </a:prstGeom>
-          <a:noFill/>
-        </p:spPr>
-        <p:txBody>
-          <a:bodyPr wrap="none" rtlCol="0">
-            <a:spAutoFit/>
-          </a:bodyPr>
-          <a:lstStyle/>
-          <a:p>
-            <a:pPr algn="r"/>
-            <a:r>
-              <a:rPr lang="en-AT" sz="2800" b="1" dirty="0">
-                <a:latin typeface="Times New Roman" panose="02020603050405020304" pitchFamily="18" charset="0"/>
-                <a:cs typeface="Times New Roman" panose="02020603050405020304" pitchFamily="18" charset="0"/>
-              </a:rPr>
-              <a:t>N</a:t>
-            </a:r>
-            <a:r>
-              <a:rPr lang="en-GB" sz="2800" b="1" dirty="0">
-                <a:latin typeface="Times New Roman" panose="02020603050405020304" pitchFamily="18" charset="0"/>
-                <a:cs typeface="Times New Roman" panose="02020603050405020304" pitchFamily="18" charset="0"/>
-              </a:rPr>
-              <a:t>o</a:t>
-            </a:r>
-            <a:r>
-              <a:rPr lang="en-AT" sz="2800" b="1" dirty="0">
-                <a:latin typeface="Times New Roman" panose="02020603050405020304" pitchFamily="18" charset="0"/>
-                <a:cs typeface="Times New Roman" panose="02020603050405020304" pitchFamily="18" charset="0"/>
-              </a:rPr>
-              <a:t>tiz-App</a:t>
-            </a:r>
-          </a:p>
-        </p:txBody>
-      </p:sp>
-      <p:pic>
-        <p:nvPicPr>
-          <p:cNvPr id="10" name="Picture 9" descr="Icon&#10;&#10;Description automatically generated">
-            <a:extLst>
-              <a:ext uri="{FF2B5EF4-FFF2-40B4-BE49-F238E27FC236}">
-                <a16:creationId xmlns:a16="http://schemas.microsoft.com/office/drawing/2014/main" id="{5B156F24-6EE7-FE40-AD85-0068667450BF}"/>
-              </a:ext>
-            </a:extLst>
-          </p:cNvPr>
-          <p:cNvPicPr>
-            <a:picLocks noChangeAspect="1"/>
-          </p:cNvPicPr>
-          <p:nvPr/>
-        </p:nvPicPr>
-        <p:blipFill rotWithShape="1">
-          <a:blip r:embed="rId4"/>
-          <a:srcRect l="19399" r="18314"/>
-          <a:stretch/>
-        </p:blipFill>
-        <p:spPr>
-          <a:xfrm>
-            <a:off x="2780920" y="2513081"/>
-            <a:ext cx="2008883" cy="1831837"/>
-          </a:xfrm>
-          <a:prstGeom prst="rect">
-            <a:avLst/>
-          </a:prstGeom>
-        </p:spPr>
-      </p:pic>
-      <p:sp>
-        <p:nvSpPr>
-          <p:cNvPr id="12" name="TextBox 11">
-            <a:extLst>
-              <a:ext uri="{FF2B5EF4-FFF2-40B4-BE49-F238E27FC236}">
-                <a16:creationId xmlns:a16="http://schemas.microsoft.com/office/drawing/2014/main" id="{F0DFD124-BE82-2E4E-BE7F-D7E17FC33BCC}"/>
-              </a:ext>
-            </a:extLst>
-          </p:cNvPr>
-          <p:cNvSpPr txBox="1"/>
-          <p:nvPr/>
-        </p:nvSpPr>
-        <p:spPr>
-          <a:xfrm>
-            <a:off x="3281857" y="4332875"/>
-            <a:ext cx="1007007" cy="584775"/>
-          </a:xfrm>
-          <a:prstGeom prst="rect">
-            <a:avLst/>
-          </a:prstGeom>
-          <a:noFill/>
-        </p:spPr>
-        <p:txBody>
-          <a:bodyPr wrap="none" rtlCol="0">
-            <a:spAutoFit/>
-          </a:bodyPr>
-          <a:lstStyle/>
-          <a:p>
-            <a:pPr algn="ctr"/>
-            <a:r>
-              <a:rPr lang="de-AT" sz="3200" b="1" dirty="0">
-                <a:cs typeface="Times New Roman" panose="02020603050405020304" pitchFamily="18" charset="0"/>
-              </a:rPr>
-              <a:t>Spiel</a:t>
-            </a:r>
-            <a:endParaRPr lang="en-AT" sz="3200" b="1" dirty="0">
-              <a:cs typeface="Times New Roman" panose="02020603050405020304" pitchFamily="18" charset="0"/>
-            </a:endParaRPr>
-          </a:p>
-        </p:txBody>
-      </p:sp>
-      <p:pic>
-        <p:nvPicPr>
-          <p:cNvPr id="18" name="Picture 17" descr="Shape&#10;&#10;Description automatically generated with low confidence">
-            <a:extLst>
-              <a:ext uri="{FF2B5EF4-FFF2-40B4-BE49-F238E27FC236}">
-                <a16:creationId xmlns:a16="http://schemas.microsoft.com/office/drawing/2014/main" id="{C1AD7825-CA06-934F-9751-1B99EA699A56}"/>
-              </a:ext>
-            </a:extLst>
-          </p:cNvPr>
-          <p:cNvPicPr>
-            <a:picLocks noChangeAspect="1"/>
-          </p:cNvPicPr>
-          <p:nvPr/>
-        </p:nvPicPr>
-        <p:blipFill>
-          <a:blip r:embed="rId5"/>
-          <a:stretch>
-            <a:fillRect/>
-          </a:stretch>
-        </p:blipFill>
-        <p:spPr>
-          <a:xfrm>
-            <a:off x="7402199" y="2513081"/>
-            <a:ext cx="2005387" cy="1832435"/>
-          </a:xfrm>
-          <a:prstGeom prst="rect">
-            <a:avLst/>
-          </a:prstGeom>
-        </p:spPr>
-      </p:pic>
-      <p:sp>
-        <p:nvSpPr>
-          <p:cNvPr id="19" name="TextBox 18">
-            <a:extLst>
-              <a:ext uri="{FF2B5EF4-FFF2-40B4-BE49-F238E27FC236}">
-                <a16:creationId xmlns:a16="http://schemas.microsoft.com/office/drawing/2014/main" id="{B6BA5743-BA1F-134C-89DB-8433B35D3C5C}"/>
-              </a:ext>
-            </a:extLst>
-          </p:cNvPr>
-          <p:cNvSpPr txBox="1"/>
-          <p:nvPr/>
-        </p:nvSpPr>
-        <p:spPr>
-          <a:xfrm>
-            <a:off x="7721692" y="4344918"/>
-            <a:ext cx="1366399" cy="584775"/>
+          <a:xfrm flipH="1">
+            <a:off x="989814" y="2366128"/>
+            <a:ext cx="4901938" cy="523220"/>
           </a:xfrm>
           <a:prstGeom prst="rect">
             <a:avLst/>
@@ -5360,36 +5745,155 @@
           </a:bodyPr>
           <a:lstStyle/>
           <a:p>
-            <a:pPr algn="ctr"/>
-            <a:r>
-              <a:rPr lang="de-AT" sz="3200" b="1" dirty="0">
-                <a:cs typeface="Times New Roman" panose="02020603050405020304" pitchFamily="18" charset="0"/>
-              </a:rPr>
-              <a:t>Duell</a:t>
-            </a:r>
-            <a:endParaRPr lang="en-AT" sz="2800" b="1" dirty="0">
-              <a:cs typeface="Times New Roman" panose="02020603050405020304" pitchFamily="18" charset="0"/>
-            </a:endParaRPr>
+            <a:r>
+              <a:rPr lang="de-DE" sz="2800" dirty="0"/>
+              <a:t>Klassisches</a:t>
+            </a:r>
+            <a:r>
+              <a:rPr lang="de-DE" sz="2000" dirty="0"/>
+              <a:t> </a:t>
+            </a:r>
+            <a:r>
+              <a:rPr lang="de-DE" sz="2800" dirty="0"/>
+              <a:t>lernen</a:t>
+            </a:r>
+            <a:r>
+              <a:rPr lang="de-DE" sz="2000" dirty="0"/>
+              <a:t> </a:t>
+            </a:r>
+            <a:r>
+              <a:rPr lang="de-DE" sz="2800" dirty="0"/>
+              <a:t>langweilig</a:t>
+            </a:r>
+            <a:endParaRPr lang="de-AT" sz="2000" dirty="0"/>
+          </a:p>
+        </p:txBody>
+      </p:sp>
+      <p:sp>
+        <p:nvSpPr>
+          <p:cNvPr id="4" name="Textfeld 3">
+            <a:extLst>
+              <a:ext uri="{FF2B5EF4-FFF2-40B4-BE49-F238E27FC236}">
+                <a16:creationId xmlns:a16="http://schemas.microsoft.com/office/drawing/2014/main" id="{692A8FDB-25A0-493E-B884-03E9F80BB3CF}"/>
+              </a:ext>
+            </a:extLst>
+          </p:cNvPr>
+          <p:cNvSpPr txBox="1"/>
+          <p:nvPr/>
+        </p:nvSpPr>
+        <p:spPr>
+          <a:xfrm>
+            <a:off x="1038677" y="3698773"/>
+            <a:ext cx="4579697" cy="523220"/>
+          </a:xfrm>
+          <a:prstGeom prst="rect">
+            <a:avLst/>
+          </a:prstGeom>
+          <a:noFill/>
+        </p:spPr>
+        <p:txBody>
+          <a:bodyPr wrap="square" rtlCol="0">
+            <a:spAutoFit/>
+          </a:bodyPr>
+          <a:lstStyle/>
+          <a:p>
+            <a:r>
+              <a:rPr lang="de-DE" sz="2800" dirty="0"/>
+              <a:t>Oft  langwieriger Lernprozess</a:t>
+            </a:r>
+            <a:endParaRPr lang="de-AT" sz="2800" dirty="0"/>
+          </a:p>
+        </p:txBody>
+      </p:sp>
+      <p:sp>
+        <p:nvSpPr>
+          <p:cNvPr id="5" name="Textfeld 4">
+            <a:extLst>
+              <a:ext uri="{FF2B5EF4-FFF2-40B4-BE49-F238E27FC236}">
+                <a16:creationId xmlns:a16="http://schemas.microsoft.com/office/drawing/2014/main" id="{1E722629-E24A-473F-A010-233ED2EB2F64}"/>
+              </a:ext>
+            </a:extLst>
+          </p:cNvPr>
+          <p:cNvSpPr txBox="1"/>
+          <p:nvPr/>
+        </p:nvSpPr>
+        <p:spPr>
+          <a:xfrm flipH="1">
+            <a:off x="5899132" y="2814323"/>
+            <a:ext cx="5101948" cy="523220"/>
+          </a:xfrm>
+          <a:prstGeom prst="rect">
+            <a:avLst/>
+          </a:prstGeom>
+          <a:noFill/>
+        </p:spPr>
+        <p:txBody>
+          <a:bodyPr wrap="square" rtlCol="0">
+            <a:spAutoFit/>
+          </a:bodyPr>
+          <a:lstStyle/>
+          <a:p>
+            <a:r>
+              <a:rPr lang="de-DE" sz="2800" dirty="0"/>
+              <a:t>Schneller Verlust der Motivation</a:t>
+            </a:r>
+            <a:endParaRPr lang="de-AT" sz="2800" dirty="0"/>
+          </a:p>
+        </p:txBody>
+      </p:sp>
+      <p:sp>
+        <p:nvSpPr>
+          <p:cNvPr id="6" name="Textfeld 5">
+            <a:extLst>
+              <a:ext uri="{FF2B5EF4-FFF2-40B4-BE49-F238E27FC236}">
+                <a16:creationId xmlns:a16="http://schemas.microsoft.com/office/drawing/2014/main" id="{36B4BA9B-7212-4A26-A561-EEBE882F6361}"/>
+              </a:ext>
+            </a:extLst>
+          </p:cNvPr>
+          <p:cNvSpPr txBox="1"/>
+          <p:nvPr/>
+        </p:nvSpPr>
+        <p:spPr>
+          <a:xfrm>
+            <a:off x="5782873" y="4576837"/>
+            <a:ext cx="5868658" cy="523220"/>
+          </a:xfrm>
+          <a:prstGeom prst="rect">
+            <a:avLst/>
+          </a:prstGeom>
+          <a:noFill/>
+        </p:spPr>
+        <p:txBody>
+          <a:bodyPr wrap="square" rtlCol="0">
+            <a:spAutoFit/>
+          </a:bodyPr>
+          <a:lstStyle/>
+          <a:p>
+            <a:r>
+              <a:rPr lang="de-DE" sz="2800" dirty="0"/>
+              <a:t>Lernfortschritt oft schwer erkennbar</a:t>
+            </a:r>
+            <a:endParaRPr lang="de-AT" sz="2800" dirty="0"/>
           </a:p>
         </p:txBody>
       </p:sp>
     </p:spTree>
     <p:extLst>
       <p:ext uri="{BB962C8B-B14F-4D97-AF65-F5344CB8AC3E}">
-        <p14:creationId xmlns:p14="http://schemas.microsoft.com/office/powerpoint/2010/main" val="2227423286"/>
+        <p14:creationId xmlns:p14="http://schemas.microsoft.com/office/powerpoint/2010/main" val="4044229654"/>
       </p:ext>
     </p:extLst>
   </p:cSld>
   <p:clrMapOvr>
     <a:masterClrMapping/>
   </p:clrMapOvr>
-  <mc:AlternateContent xmlns:mc="http://schemas.openxmlformats.org/markup-compatibility/2006" xmlns:p159="http://schemas.microsoft.com/office/powerpoint/2015/09/main">
-    <mc:Choice Requires="p159">
+  <mc:AlternateContent xmlns:mc="http://schemas.openxmlformats.org/markup-compatibility/2006">
+    <mc:Choice xmlns:p159="http://schemas.microsoft.com/office/powerpoint/2015/09/main" Requires="p159">
       <p:transition xmlns:p14="http://schemas.microsoft.com/office/powerpoint/2010/main" spd="slow" p14:dur="2000">
         <p159:morph option="byObject"/>
       </p:transition>
     </mc:Choice>
-    <mc:Fallback xmlns="">
+    <mc:Fallback>
       <p:transition spd="slow">
         <p:fade/>
       </p:transition>
@@ -5444,7 +5948,7 @@
         </p:blipFill>
         <p:spPr>
           <a:xfrm>
-            <a:off x="1752113" y="586078"/>
+            <a:off x="-7802413" y="346084"/>
             <a:ext cx="4343887" cy="5685844"/>
           </a:xfrm>
           <a:prstGeom prst="rect">
@@ -5466,7 +5970,7 @@
         </p:nvSpPr>
         <p:spPr>
           <a:xfrm>
-            <a:off x="7339200" y="1399708"/>
+            <a:off x="-3102979" y="-1446550"/>
             <a:ext cx="3100687" cy="1446550"/>
           </a:xfrm>
           <a:prstGeom prst="rect">
@@ -5489,6 +5993,7 @@
                     <a:lumOff val="40000"/>
                   </a:schemeClr>
                 </a:solidFill>
+                <a:latin typeface="Times New Roman" panose="02020603050405020304" pitchFamily="18" charset="0"/>
                 <a:cs typeface="Times New Roman" panose="02020603050405020304" pitchFamily="18" charset="0"/>
               </a:rPr>
               <a:t>Ideen</a:t>
@@ -5510,8 +6015,8 @@
         </p:nvSpPr>
         <p:spPr>
           <a:xfrm>
-            <a:off x="7383858" y="2846258"/>
-            <a:ext cx="3056029" cy="523220"/>
+            <a:off x="3360701" y="506973"/>
+            <a:ext cx="5470601" cy="830997"/>
           </a:xfrm>
           <a:prstGeom prst="rect">
             <a:avLst/>
@@ -5524,12 +6029,24 @@
           </a:bodyPr>
           <a:lstStyle/>
           <a:p>
-            <a:pPr algn="r"/>
-            <a:r>
-              <a:rPr lang="en-AT" sz="2800" b="1" dirty="0">
+            <a:pPr algn="ctr"/>
+            <a:r>
+              <a:rPr lang="en-AT" sz="4800" b="1" dirty="0">
                 <a:cs typeface="Times New Roman" panose="02020603050405020304" pitchFamily="18" charset="0"/>
               </a:rPr>
-              <a:t>Online Vokabelheft</a:t>
+              <a:t>Online Vokabel</a:t>
+            </a:r>
+            <a:r>
+              <a:rPr lang="de-DE" sz="4800" b="1" dirty="0" err="1">
+                <a:cs typeface="Times New Roman" panose="02020603050405020304" pitchFamily="18" charset="0"/>
+              </a:rPr>
+              <a:t>duell</a:t>
+            </a:r>
+            <a:r>
+              <a:rPr lang="en-AT" sz="4800" b="1" dirty="0">
+                <a:cs typeface="Times New Roman" panose="02020603050405020304" pitchFamily="18" charset="0"/>
+              </a:rPr>
+              <a:t> </a:t>
             </a:r>
           </a:p>
         </p:txBody>
@@ -5548,8 +6065,8 @@
         </p:nvSpPr>
         <p:spPr>
           <a:xfrm>
-            <a:off x="8512436" y="3488523"/>
-            <a:ext cx="1927451" cy="523220"/>
+            <a:off x="-2670088" y="3429000"/>
+            <a:ext cx="2008883" cy="523220"/>
           </a:xfrm>
           <a:prstGeom prst="rect">
             <a:avLst/>
@@ -5563,18 +6080,12 @@
           <a:lstStyle/>
           <a:p>
             <a:pPr algn="r"/>
-            <a:r>
-              <a:rPr lang="en-AT" sz="2800" b="1" dirty="0">
-                <a:cs typeface="Times New Roman" panose="02020603050405020304" pitchFamily="18" charset="0"/>
-              </a:rPr>
-              <a:t>Discord</a:t>
-            </a:r>
             <a:r>
               <a:rPr lang="en-AT" sz="2800" b="1" dirty="0">
                 <a:latin typeface="Times New Roman" panose="02020603050405020304" pitchFamily="18" charset="0"/>
                 <a:cs typeface="Times New Roman" panose="02020603050405020304" pitchFamily="18" charset="0"/>
               </a:rPr>
-              <a:t> Bot</a:t>
+              <a:t>Discord Bot</a:t>
             </a:r>
           </a:p>
         </p:txBody>
@@ -5593,8 +6104,8 @@
         </p:nvSpPr>
         <p:spPr>
           <a:xfrm>
-            <a:off x="8746795" y="4130788"/>
-            <a:ext cx="1693092" cy="523220"/>
+            <a:off x="-2444065" y="4071265"/>
+            <a:ext cx="1782860" cy="523220"/>
           </a:xfrm>
           <a:prstGeom prst="rect">
             <a:avLst/>
@@ -5610,18 +6121,21 @@
             <a:pPr algn="r"/>
             <a:r>
               <a:rPr lang="en-AT" sz="2800" b="1" dirty="0">
+                <a:latin typeface="Times New Roman" panose="02020603050405020304" pitchFamily="18" charset="0"/>
                 <a:cs typeface="Times New Roman" panose="02020603050405020304" pitchFamily="18" charset="0"/>
               </a:rPr>
               <a:t>N</a:t>
             </a:r>
             <a:r>
               <a:rPr lang="en-GB" sz="2800" b="1" dirty="0">
+                <a:latin typeface="Times New Roman" panose="02020603050405020304" pitchFamily="18" charset="0"/>
                 <a:cs typeface="Times New Roman" panose="02020603050405020304" pitchFamily="18" charset="0"/>
               </a:rPr>
               <a:t>o</a:t>
             </a:r>
             <a:r>
               <a:rPr lang="en-AT" sz="2800" b="1" dirty="0">
+                <a:latin typeface="Times New Roman" panose="02020603050405020304" pitchFamily="18" charset="0"/>
                 <a:cs typeface="Times New Roman" panose="02020603050405020304" pitchFamily="18" charset="0"/>
               </a:rPr>
               <a:t>tiz-App</a:t>
@@ -5634,7 +6148,7 @@
           <p:cNvPr id="10" name="Picture 9" descr="Icon&#10;&#10;Description automatically generated">
             <a:extLst>
               <a:ext uri="{FF2B5EF4-FFF2-40B4-BE49-F238E27FC236}">
-                <a16:creationId xmlns:a16="http://schemas.microsoft.com/office/drawing/2014/main" id="{B933CAD5-85E7-3443-8B31-2FF447F5EEE7}"/>
+                <a16:creationId xmlns:a16="http://schemas.microsoft.com/office/drawing/2014/main" id="{5B156F24-6EE7-FE40-AD85-0068667450BF}"/>
               </a:ext>
             </a:extLst>
           </p:cNvPr>
@@ -5644,16 +6158,14 @@
           <p:nvPr/>
         </p:nvPicPr>
         <p:blipFill rotWithShape="1">
-          <a:blip r:embed="rId4">
-            <a:alphaModFix/>
-          </a:blip>
+          <a:blip r:embed="rId4"/>
           <a:srcRect l="19399" r="18314"/>
           <a:stretch/>
         </p:blipFill>
         <p:spPr>
           <a:xfrm>
-            <a:off x="13801059" y="3302231"/>
-            <a:ext cx="1212017" cy="1105200"/>
+            <a:off x="2780920" y="2513081"/>
+            <a:ext cx="2008883" cy="1831837"/>
           </a:xfrm>
           <a:prstGeom prst="rect">
             <a:avLst/>
@@ -5662,10 +6174,10 @@
       </p:pic>
       <p:sp>
         <p:nvSpPr>
-          <p:cNvPr id="11" name="TextBox 10">
-            <a:extLst>
-              <a:ext uri="{FF2B5EF4-FFF2-40B4-BE49-F238E27FC236}">
-                <a16:creationId xmlns:a16="http://schemas.microsoft.com/office/drawing/2014/main" id="{CA25F892-26B7-484E-91E5-466C469CA0B8}"/>
+          <p:cNvPr id="12" name="TextBox 11">
+            <a:extLst>
+              <a:ext uri="{FF2B5EF4-FFF2-40B4-BE49-F238E27FC236}">
+                <a16:creationId xmlns:a16="http://schemas.microsoft.com/office/drawing/2014/main" id="{F0DFD124-BE82-2E4E-BE7F-D7E17FC33BCC}"/>
               </a:ext>
             </a:extLst>
           </p:cNvPr>
@@ -5674,8 +6186,8 @@
         </p:nvSpPr>
         <p:spPr>
           <a:xfrm>
-            <a:off x="13935623" y="4392398"/>
-            <a:ext cx="942887" cy="523220"/>
+            <a:off x="3281857" y="4332875"/>
+            <a:ext cx="1007007" cy="584775"/>
           </a:xfrm>
           <a:prstGeom prst="rect">
             <a:avLst/>
@@ -5690,14 +6202,12 @@
           <a:p>
             <a:pPr algn="ctr"/>
             <a:r>
-              <a:rPr lang="de-AT" sz="2800" b="1" dirty="0">
-                <a:latin typeface="Times New Roman" panose="02020603050405020304" pitchFamily="18" charset="0"/>
+              <a:rPr lang="de-AT" sz="3200" b="1" dirty="0">
                 <a:cs typeface="Times New Roman" panose="02020603050405020304" pitchFamily="18" charset="0"/>
               </a:rPr>
               <a:t>Spiel</a:t>
             </a:r>
-            <a:endParaRPr lang="en-AT" sz="2800" b="1" dirty="0">
-              <a:latin typeface="Times New Roman" panose="02020603050405020304" pitchFamily="18" charset="0"/>
+            <a:endParaRPr lang="en-AT" sz="3200" b="1" dirty="0">
               <a:cs typeface="Times New Roman" panose="02020603050405020304" pitchFamily="18" charset="0"/>
             </a:endParaRPr>
           </a:p>
@@ -5705,10 +6215,10 @@
       </p:sp>
       <p:pic>
         <p:nvPicPr>
-          <p:cNvPr id="14" name="Picture 13" descr="Shape&#10;&#10;Description automatically generated with low confidence">
-            <a:extLst>
-              <a:ext uri="{FF2B5EF4-FFF2-40B4-BE49-F238E27FC236}">
-                <a16:creationId xmlns:a16="http://schemas.microsoft.com/office/drawing/2014/main" id="{FADF2F4E-C362-114A-B8B0-727E07124F4C}"/>
+          <p:cNvPr id="18" name="Picture 17" descr="Shape&#10;&#10;Description automatically generated with low confidence">
+            <a:extLst>
+              <a:ext uri="{FF2B5EF4-FFF2-40B4-BE49-F238E27FC236}">
+                <a16:creationId xmlns:a16="http://schemas.microsoft.com/office/drawing/2014/main" id="{C1AD7825-CA06-934F-9751-1B99EA699A56}"/>
               </a:ext>
             </a:extLst>
           </p:cNvPr>
@@ -5725,8 +6235,8 @@
         </p:blipFill>
         <p:spPr>
           <a:xfrm>
-            <a:off x="15990070" y="3248822"/>
-            <a:ext cx="1212017" cy="1212017"/>
+            <a:off x="7402199" y="2513081"/>
+            <a:ext cx="2005387" cy="1832435"/>
           </a:xfrm>
           <a:prstGeom prst="rect">
             <a:avLst/>
@@ -5735,10 +6245,10 @@
       </p:pic>
       <p:sp>
         <p:nvSpPr>
-          <p:cNvPr id="15" name="TextBox 14">
-            <a:extLst>
-              <a:ext uri="{FF2B5EF4-FFF2-40B4-BE49-F238E27FC236}">
-                <a16:creationId xmlns:a16="http://schemas.microsoft.com/office/drawing/2014/main" id="{A980A061-9F2D-7B45-A17D-33F67B2B81E7}"/>
+          <p:cNvPr id="19" name="TextBox 18">
+            <a:extLst>
+              <a:ext uri="{FF2B5EF4-FFF2-40B4-BE49-F238E27FC236}">
+                <a16:creationId xmlns:a16="http://schemas.microsoft.com/office/drawing/2014/main" id="{B6BA5743-BA1F-134C-89DB-8433B35D3C5C}"/>
               </a:ext>
             </a:extLst>
           </p:cNvPr>
@@ -5747,8 +6257,8 @@
         </p:nvSpPr>
         <p:spPr>
           <a:xfrm>
-            <a:off x="16094980" y="4460839"/>
-            <a:ext cx="1002197" cy="523220"/>
+            <a:off x="7721692" y="4344918"/>
+            <a:ext cx="1366399" cy="584775"/>
           </a:xfrm>
           <a:prstGeom prst="rect">
             <a:avLst/>
@@ -5756,157 +6266,19 @@
           <a:noFill/>
         </p:spPr>
         <p:txBody>
-          <a:bodyPr wrap="none" rtlCol="0">
+          <a:bodyPr wrap="square" rtlCol="0">
             <a:spAutoFit/>
           </a:bodyPr>
           <a:lstStyle/>
           <a:p>
             <a:pPr algn="ctr"/>
             <a:r>
-              <a:rPr lang="de-AT" sz="2800" b="1" dirty="0">
-                <a:latin typeface="Times New Roman" panose="02020603050405020304" pitchFamily="18" charset="0"/>
+              <a:rPr lang="de-AT" sz="3200" b="1" dirty="0">
                 <a:cs typeface="Times New Roman" panose="02020603050405020304" pitchFamily="18" charset="0"/>
               </a:rPr>
               <a:t>Duell</a:t>
             </a:r>
             <a:endParaRPr lang="en-AT" sz="2800" b="1" dirty="0">
-              <a:latin typeface="Times New Roman" panose="02020603050405020304" pitchFamily="18" charset="0"/>
-              <a:cs typeface="Times New Roman" panose="02020603050405020304" pitchFamily="18" charset="0"/>
-            </a:endParaRPr>
-          </a:p>
-        </p:txBody>
-      </p:sp>
-      <p:pic>
-        <p:nvPicPr>
-          <p:cNvPr id="12" name="Picture 11" descr="Icon&#10;&#10;Description automatically generated">
-            <a:extLst>
-              <a:ext uri="{FF2B5EF4-FFF2-40B4-BE49-F238E27FC236}">
-                <a16:creationId xmlns:a16="http://schemas.microsoft.com/office/drawing/2014/main" id="{0EAA7171-2176-744F-B4F1-DB3AF800A248}"/>
-              </a:ext>
-            </a:extLst>
-          </p:cNvPr>
-          <p:cNvPicPr>
-            <a:picLocks noChangeAspect="1"/>
-          </p:cNvPicPr>
-          <p:nvPr/>
-        </p:nvPicPr>
-        <p:blipFill>
-          <a:blip r:embed="rId6"/>
-          <a:stretch>
-            <a:fillRect/>
-          </a:stretch>
-        </p:blipFill>
-        <p:spPr>
-          <a:xfrm>
-            <a:off x="4439937" y="7346232"/>
-            <a:ext cx="3312125" cy="1863070"/>
-          </a:xfrm>
-          <a:prstGeom prst="rect">
-            <a:avLst/>
-          </a:prstGeom>
-        </p:spPr>
-      </p:pic>
-      <p:sp>
-        <p:nvSpPr>
-          <p:cNvPr id="16" name="TextBox 15">
-            <a:extLst>
-              <a:ext uri="{FF2B5EF4-FFF2-40B4-BE49-F238E27FC236}">
-                <a16:creationId xmlns:a16="http://schemas.microsoft.com/office/drawing/2014/main" id="{98519AAC-F14B-AE4C-8560-76891E148C93}"/>
-              </a:ext>
-            </a:extLst>
-          </p:cNvPr>
-          <p:cNvSpPr txBox="1"/>
-          <p:nvPr/>
-        </p:nvSpPr>
-        <p:spPr>
-          <a:xfrm>
-            <a:off x="3514042" y="9870074"/>
-            <a:ext cx="1851789" cy="954107"/>
-          </a:xfrm>
-          <a:prstGeom prst="rect">
-            <a:avLst/>
-          </a:prstGeom>
-          <a:noFill/>
-        </p:spPr>
-        <p:txBody>
-          <a:bodyPr wrap="none" rtlCol="0">
-            <a:spAutoFit/>
-          </a:bodyPr>
-          <a:lstStyle/>
-          <a:p>
-            <a:pPr algn="ctr"/>
-            <a:r>
-              <a:rPr lang="de-AT" sz="2800" b="1" dirty="0">
-                <a:latin typeface="Times New Roman" panose="02020603050405020304" pitchFamily="18" charset="0"/>
-                <a:cs typeface="Times New Roman" panose="02020603050405020304" pitchFamily="18" charset="0"/>
-              </a:rPr>
-              <a:t>künstliche </a:t>
-            </a:r>
-          </a:p>
-          <a:p>
-            <a:pPr algn="ctr"/>
-            <a:r>
-              <a:rPr lang="de-AT" sz="2800" b="1" dirty="0">
-                <a:latin typeface="Times New Roman" panose="02020603050405020304" pitchFamily="18" charset="0"/>
-                <a:cs typeface="Times New Roman" panose="02020603050405020304" pitchFamily="18" charset="0"/>
-              </a:rPr>
-              <a:t>Intelligenz</a:t>
-            </a:r>
-            <a:endParaRPr lang="en-AT" sz="2800" b="1" dirty="0">
-              <a:latin typeface="Times New Roman" panose="02020603050405020304" pitchFamily="18" charset="0"/>
-              <a:cs typeface="Times New Roman" panose="02020603050405020304" pitchFamily="18" charset="0"/>
-            </a:endParaRPr>
-          </a:p>
-        </p:txBody>
-      </p:sp>
-      <p:sp>
-        <p:nvSpPr>
-          <p:cNvPr id="17" name="TextBox 16">
-            <a:extLst>
-              <a:ext uri="{FF2B5EF4-FFF2-40B4-BE49-F238E27FC236}">
-                <a16:creationId xmlns:a16="http://schemas.microsoft.com/office/drawing/2014/main" id="{B734A2FB-BE6A-2349-A53F-BE5E5339026D}"/>
-              </a:ext>
-            </a:extLst>
-          </p:cNvPr>
-          <p:cNvSpPr txBox="1"/>
-          <p:nvPr/>
-        </p:nvSpPr>
-        <p:spPr>
-          <a:xfrm>
-            <a:off x="6826171" y="9870074"/>
-            <a:ext cx="1579278" cy="954107"/>
-          </a:xfrm>
-          <a:prstGeom prst="rect">
-            <a:avLst/>
-          </a:prstGeom>
-          <a:noFill/>
-        </p:spPr>
-        <p:txBody>
-          <a:bodyPr wrap="none" rtlCol="0">
-            <a:spAutoFit/>
-          </a:bodyPr>
-          <a:lstStyle/>
-          <a:p>
-            <a:pPr algn="ctr"/>
-            <a:r>
-              <a:rPr lang="de-AT" sz="2800" b="1" dirty="0">
-                <a:latin typeface="Times New Roman" panose="02020603050405020304" pitchFamily="18" charset="0"/>
-                <a:cs typeface="Times New Roman" panose="02020603050405020304" pitchFamily="18" charset="0"/>
-              </a:rPr>
-              <a:t>Web</a:t>
-            </a:r>
-          </a:p>
-          <a:p>
-            <a:pPr algn="ctr"/>
-            <a:r>
-              <a:rPr lang="de-AT" sz="2800" b="1" dirty="0">
-                <a:latin typeface="Times New Roman" panose="02020603050405020304" pitchFamily="18" charset="0"/>
-                <a:cs typeface="Times New Roman" panose="02020603050405020304" pitchFamily="18" charset="0"/>
-              </a:rPr>
-              <a:t>Interface</a:t>
-            </a:r>
-            <a:endParaRPr lang="en-AT" sz="2800" b="1" dirty="0">
-              <a:latin typeface="Times New Roman" panose="02020603050405020304" pitchFamily="18" charset="0"/>
               <a:cs typeface="Times New Roman" panose="02020603050405020304" pitchFamily="18" charset="0"/>
             </a:endParaRPr>
           </a:p>
@@ -5915,7 +6287,7 @@
     </p:spTree>
     <p:extLst>
       <p:ext uri="{BB962C8B-B14F-4D97-AF65-F5344CB8AC3E}">
-        <p14:creationId xmlns:p14="http://schemas.microsoft.com/office/powerpoint/2010/main" val="2312244658"/>
+        <p14:creationId xmlns:p14="http://schemas.microsoft.com/office/powerpoint/2010/main" val="2227423286"/>
       </p:ext>
     </p:extLst>
   </p:cSld>
@@ -5954,71 +6326,12 @@
           <a:chExt cx="0" cy="0"/>
         </a:xfrm>
       </p:grpSpPr>
-      <p:pic>
-        <p:nvPicPr>
-          <p:cNvPr id="4" name="Picture 3" descr="Icon&#10;&#10;Description automatically generated">
-            <a:extLst>
-              <a:ext uri="{FF2B5EF4-FFF2-40B4-BE49-F238E27FC236}">
-                <a16:creationId xmlns:a16="http://schemas.microsoft.com/office/drawing/2014/main" id="{66C7FB32-8660-C54E-85D8-CC5B5CDF036E}"/>
-              </a:ext>
-            </a:extLst>
-          </p:cNvPr>
-          <p:cNvPicPr>
-            <a:picLocks noChangeAspect="1"/>
-          </p:cNvPicPr>
-          <p:nvPr/>
-        </p:nvPicPr>
-        <p:blipFill>
-          <a:blip r:embed="rId3"/>
-          <a:stretch>
-            <a:fillRect/>
-          </a:stretch>
-        </p:blipFill>
-        <p:spPr>
-          <a:xfrm>
-            <a:off x="2825833" y="1589531"/>
-            <a:ext cx="6540334" cy="3678938"/>
-          </a:xfrm>
-          <a:prstGeom prst="rect">
-            <a:avLst/>
-          </a:prstGeom>
-        </p:spPr>
-      </p:pic>
-      <p:pic>
-        <p:nvPicPr>
-          <p:cNvPr id="3" name="Picture 2" descr="Icon&#10;&#10;Description automatically generated">
-            <a:extLst>
-              <a:ext uri="{FF2B5EF4-FFF2-40B4-BE49-F238E27FC236}">
-                <a16:creationId xmlns:a16="http://schemas.microsoft.com/office/drawing/2014/main" id="{39DCAA1E-35FC-AB44-B9D5-06B910A835ED}"/>
-              </a:ext>
-            </a:extLst>
-          </p:cNvPr>
-          <p:cNvPicPr>
-            <a:picLocks noChangeAspect="1"/>
-          </p:cNvPicPr>
-          <p:nvPr/>
-        </p:nvPicPr>
-        <p:blipFill rotWithShape="1">
-          <a:blip r:embed="rId4"/>
-          <a:srcRect l="26218" r="27384"/>
-          <a:stretch/>
-        </p:blipFill>
-        <p:spPr>
-          <a:xfrm>
-            <a:off x="-7802413" y="346084"/>
-            <a:ext cx="4343887" cy="5685844"/>
-          </a:xfrm>
-          <a:prstGeom prst="rect">
-            <a:avLst/>
-          </a:prstGeom>
-        </p:spPr>
-      </p:pic>
-      <p:sp>
-        <p:nvSpPr>
-          <p:cNvPr id="7" name="TextBox 6">
-            <a:extLst>
-              <a:ext uri="{FF2B5EF4-FFF2-40B4-BE49-F238E27FC236}">
-                <a16:creationId xmlns:a16="http://schemas.microsoft.com/office/drawing/2014/main" id="{BC135631-9D7B-B14B-97EF-151C8EB42A32}"/>
+      <p:sp>
+        <p:nvSpPr>
+          <p:cNvPr id="2" name="Textfeld 1">
+            <a:extLst>
+              <a:ext uri="{FF2B5EF4-FFF2-40B4-BE49-F238E27FC236}">
+                <a16:creationId xmlns:a16="http://schemas.microsoft.com/office/drawing/2014/main" id="{DE6B7B27-4093-4170-8081-D848C9B5CC42}"/>
               </a:ext>
             </a:extLst>
           </p:cNvPr>
@@ -6027,8 +6340,8 @@
         </p:nvSpPr>
         <p:spPr>
           <a:xfrm>
-            <a:off x="-3100687" y="-2411750"/>
-            <a:ext cx="3100687" cy="1446550"/>
+            <a:off x="3635604" y="574316"/>
+            <a:ext cx="4920792" cy="769441"/>
           </a:xfrm>
           <a:prstGeom prst="rect">
             <a:avLst/>
@@ -6041,29 +6354,28 @@
           </a:bodyPr>
           <a:lstStyle/>
           <a:p>
-            <a:pPr algn="r"/>
-            <a:r>
-              <a:rPr lang="en-AT" sz="8800" b="1" dirty="0">
-                <a:solidFill>
-                  <a:schemeClr val="accent4">
-                    <a:lumMod val="60000"/>
-                    <a:lumOff val="40000"/>
-                  </a:schemeClr>
-                </a:solidFill>
-                <a:latin typeface="Times New Roman" panose="02020603050405020304" pitchFamily="18" charset="0"/>
-                <a:cs typeface="Times New Roman" panose="02020603050405020304" pitchFamily="18" charset="0"/>
-              </a:rPr>
-              <a:t>Ideen</a:t>
-            </a:r>
-          </a:p>
-        </p:txBody>
-      </p:sp>
-      <p:sp>
-        <p:nvSpPr>
-          <p:cNvPr id="5" name="TextBox 4">
-            <a:extLst>
-              <a:ext uri="{FF2B5EF4-FFF2-40B4-BE49-F238E27FC236}">
-                <a16:creationId xmlns:a16="http://schemas.microsoft.com/office/drawing/2014/main" id="{8E58916B-B327-4B47-BF21-93F1AF0BAFF1}"/>
+            <a:r>
+              <a:rPr lang="de-DE" sz="4400" b="1" dirty="0"/>
+              <a:t>Technischer</a:t>
+            </a:r>
+            <a:r>
+              <a:rPr lang="de-DE" sz="2800" b="1" dirty="0"/>
+              <a:t> </a:t>
+            </a:r>
+            <a:r>
+              <a:rPr lang="de-DE" sz="4400" b="1" dirty="0"/>
+              <a:t>Ansatz</a:t>
+            </a:r>
+            <a:endParaRPr lang="de-AT" sz="2800" b="1" dirty="0"/>
+          </a:p>
+        </p:txBody>
+      </p:sp>
+      <p:sp>
+        <p:nvSpPr>
+          <p:cNvPr id="3" name="Textfeld 2">
+            <a:extLst>
+              <a:ext uri="{FF2B5EF4-FFF2-40B4-BE49-F238E27FC236}">
+                <a16:creationId xmlns:a16="http://schemas.microsoft.com/office/drawing/2014/main" id="{59EF2ABB-C2BE-4AB7-B448-FC11008C2850}"/>
               </a:ext>
             </a:extLst>
           </p:cNvPr>
@@ -6072,138 +6384,8 @@
         </p:nvSpPr>
         <p:spPr>
           <a:xfrm>
-            <a:off x="4534163" y="506973"/>
-            <a:ext cx="3123676" cy="830997"/>
-          </a:xfrm>
-          <a:prstGeom prst="rect">
-            <a:avLst/>
-          </a:prstGeom>
-          <a:noFill/>
-        </p:spPr>
-        <p:txBody>
-          <a:bodyPr wrap="none" rtlCol="0">
-            <a:spAutoFit/>
-          </a:bodyPr>
-          <a:lstStyle/>
-          <a:p>
-            <a:pPr algn="ctr"/>
-            <a:r>
-              <a:rPr lang="en-AT" sz="4800" b="1" dirty="0">
-                <a:cs typeface="Times New Roman" panose="02020603050405020304" pitchFamily="18" charset="0"/>
-              </a:rPr>
-              <a:t>Discord Bot</a:t>
-            </a:r>
-          </a:p>
-        </p:txBody>
-      </p:sp>
-      <p:sp>
-        <p:nvSpPr>
-          <p:cNvPr id="9" name="TextBox 8">
-            <a:extLst>
-              <a:ext uri="{FF2B5EF4-FFF2-40B4-BE49-F238E27FC236}">
-                <a16:creationId xmlns:a16="http://schemas.microsoft.com/office/drawing/2014/main" id="{D2C886DF-CBCA-F34F-B479-892C3CA6293D}"/>
-              </a:ext>
-            </a:extLst>
-          </p:cNvPr>
-          <p:cNvSpPr txBox="1"/>
-          <p:nvPr/>
-        </p:nvSpPr>
-        <p:spPr>
-          <a:xfrm>
-            <a:off x="12750800" y="8305800"/>
-            <a:ext cx="1782860" cy="523220"/>
-          </a:xfrm>
-          <a:prstGeom prst="rect">
-            <a:avLst/>
-          </a:prstGeom>
-          <a:noFill/>
-        </p:spPr>
-        <p:txBody>
-          <a:bodyPr wrap="none" rtlCol="0">
-            <a:spAutoFit/>
-          </a:bodyPr>
-          <a:lstStyle/>
-          <a:p>
-            <a:pPr algn="r"/>
-            <a:r>
-              <a:rPr lang="en-AT" sz="2800" b="1" dirty="0">
-                <a:latin typeface="Times New Roman" panose="02020603050405020304" pitchFamily="18" charset="0"/>
-                <a:cs typeface="Times New Roman" panose="02020603050405020304" pitchFamily="18" charset="0"/>
-              </a:rPr>
-              <a:t>N</a:t>
-            </a:r>
-            <a:r>
-              <a:rPr lang="en-GB" sz="2800" b="1" dirty="0">
-                <a:latin typeface="Times New Roman" panose="02020603050405020304" pitchFamily="18" charset="0"/>
-                <a:cs typeface="Times New Roman" panose="02020603050405020304" pitchFamily="18" charset="0"/>
-              </a:rPr>
-              <a:t>o</a:t>
-            </a:r>
-            <a:r>
-              <a:rPr lang="en-AT" sz="2800" b="1" dirty="0">
-                <a:latin typeface="Times New Roman" panose="02020603050405020304" pitchFamily="18" charset="0"/>
-                <a:cs typeface="Times New Roman" panose="02020603050405020304" pitchFamily="18" charset="0"/>
-              </a:rPr>
-              <a:t>tiz-App</a:t>
-            </a:r>
-          </a:p>
-        </p:txBody>
-      </p:sp>
-      <p:sp>
-        <p:nvSpPr>
-          <p:cNvPr id="11" name="TextBox 10">
-            <a:extLst>
-              <a:ext uri="{FF2B5EF4-FFF2-40B4-BE49-F238E27FC236}">
-                <a16:creationId xmlns:a16="http://schemas.microsoft.com/office/drawing/2014/main" id="{72C80FF4-BB34-EC48-A993-06009B12BFC4}"/>
-              </a:ext>
-            </a:extLst>
-          </p:cNvPr>
-          <p:cNvSpPr txBox="1"/>
-          <p:nvPr/>
-        </p:nvSpPr>
-        <p:spPr>
-          <a:xfrm>
-            <a:off x="-3239028" y="-965200"/>
-            <a:ext cx="3239028" cy="523220"/>
-          </a:xfrm>
-          <a:prstGeom prst="rect">
-            <a:avLst/>
-          </a:prstGeom>
-          <a:noFill/>
-        </p:spPr>
-        <p:txBody>
-          <a:bodyPr wrap="none" rtlCol="0">
-            <a:spAutoFit/>
-          </a:bodyPr>
-          <a:lstStyle/>
-          <a:p>
-            <a:pPr algn="r"/>
-            <a:r>
-              <a:rPr lang="en-AT" sz="2800" b="1" dirty="0">
-                <a:latin typeface="Times New Roman" panose="02020603050405020304" pitchFamily="18" charset="0"/>
-                <a:cs typeface="Times New Roman" panose="02020603050405020304" pitchFamily="18" charset="0"/>
-              </a:rPr>
-              <a:t>Online Vokabelheft</a:t>
-            </a:r>
-          </a:p>
-        </p:txBody>
-      </p:sp>
-      <p:sp>
-        <p:nvSpPr>
-          <p:cNvPr id="15" name="TextBox 14">
-            <a:extLst>
-              <a:ext uri="{FF2B5EF4-FFF2-40B4-BE49-F238E27FC236}">
-                <a16:creationId xmlns:a16="http://schemas.microsoft.com/office/drawing/2014/main" id="{421B60CA-B84D-9B42-9E29-12FB0B9A5BB3}"/>
-              </a:ext>
-            </a:extLst>
-          </p:cNvPr>
-          <p:cNvSpPr txBox="1"/>
-          <p:nvPr/>
-        </p:nvSpPr>
-        <p:spPr>
-          <a:xfrm>
-            <a:off x="1073444" y="2890391"/>
-            <a:ext cx="2158789" cy="1077218"/>
+            <a:off x="2516958" y="2469822"/>
+            <a:ext cx="2824898" cy="523220"/>
           </a:xfrm>
           <a:prstGeom prst="rect">
             <a:avLst/>
@@ -6217,31 +6399,19 @@
           <a:lstStyle/>
           <a:p>
             <a:r>
-              <a:rPr lang="de-AT" sz="3200" b="1" dirty="0">
-                <a:cs typeface="Times New Roman" panose="02020603050405020304" pitchFamily="18" charset="0"/>
-              </a:rPr>
-              <a:t>künstliche </a:t>
-            </a:r>
-          </a:p>
-          <a:p>
-            <a:r>
-              <a:rPr lang="de-AT" sz="3200" b="1" dirty="0">
-                <a:cs typeface="Times New Roman" panose="02020603050405020304" pitchFamily="18" charset="0"/>
-              </a:rPr>
-              <a:t>Intelligenz</a:t>
-            </a:r>
-            <a:endParaRPr lang="en-AT" sz="3200" b="1" dirty="0">
-              <a:cs typeface="Times New Roman" panose="02020603050405020304" pitchFamily="18" charset="0"/>
-            </a:endParaRPr>
-          </a:p>
-        </p:txBody>
-      </p:sp>
-      <p:sp>
-        <p:nvSpPr>
-          <p:cNvPr id="16" name="TextBox 15">
-            <a:extLst>
-              <a:ext uri="{FF2B5EF4-FFF2-40B4-BE49-F238E27FC236}">
-                <a16:creationId xmlns:a16="http://schemas.microsoft.com/office/drawing/2014/main" id="{6B5C0CB3-3B54-4D42-AA47-AFB2F29D1DA7}"/>
+              <a:rPr lang="de-DE" sz="2800" dirty="0"/>
+              <a:t>SQL Datenbank</a:t>
+            </a:r>
+            <a:endParaRPr lang="de-AT" sz="2800" dirty="0"/>
+          </a:p>
+        </p:txBody>
+      </p:sp>
+      <p:sp>
+        <p:nvSpPr>
+          <p:cNvPr id="4" name="Textfeld 3">
+            <a:extLst>
+              <a:ext uri="{FF2B5EF4-FFF2-40B4-BE49-F238E27FC236}">
+                <a16:creationId xmlns:a16="http://schemas.microsoft.com/office/drawing/2014/main" id="{71FB0894-24EC-47D1-B20B-9021C004DBBF}"/>
               </a:ext>
             </a:extLst>
           </p:cNvPr>
@@ -6250,8 +6420,8 @@
         </p:nvSpPr>
         <p:spPr>
           <a:xfrm>
-            <a:off x="9037676" y="2890391"/>
-            <a:ext cx="1703350" cy="1077218"/>
+            <a:off x="2124160" y="4362113"/>
+            <a:ext cx="5018217" cy="523220"/>
           </a:xfrm>
           <a:prstGeom prst="rect">
             <a:avLst/>
@@ -6259,50 +6429,72 @@
           <a:noFill/>
         </p:spPr>
         <p:txBody>
-          <a:bodyPr wrap="none" rtlCol="0">
+          <a:bodyPr wrap="square" rtlCol="0">
             <a:spAutoFit/>
           </a:bodyPr>
           <a:lstStyle/>
           <a:p>
-            <a:pPr algn="r"/>
-            <a:r>
-              <a:rPr lang="de-AT" sz="3200" b="1" dirty="0">
-                <a:cs typeface="Times New Roman" panose="02020603050405020304" pitchFamily="18" charset="0"/>
-              </a:rPr>
-              <a:t>Web</a:t>
-            </a:r>
-          </a:p>
-          <a:p>
-            <a:pPr algn="r"/>
-            <a:r>
-              <a:rPr lang="de-AT" sz="3200" b="1" dirty="0">
-                <a:cs typeface="Times New Roman" panose="02020603050405020304" pitchFamily="18" charset="0"/>
-              </a:rPr>
-              <a:t>Interface</a:t>
-            </a:r>
-            <a:endParaRPr lang="en-AT" sz="3200" b="1" dirty="0">
-              <a:cs typeface="Times New Roman" panose="02020603050405020304" pitchFamily="18" charset="0"/>
-            </a:endParaRPr>
+            <a:r>
+              <a:rPr lang="de-DE" sz="2800" dirty="0"/>
+              <a:t>Webservice ASP.NET</a:t>
+            </a:r>
+            <a:endParaRPr lang="de-AT" sz="2800" dirty="0"/>
+          </a:p>
+        </p:txBody>
+      </p:sp>
+      <p:sp>
+        <p:nvSpPr>
+          <p:cNvPr id="5" name="Textfeld 4">
+            <a:extLst>
+              <a:ext uri="{FF2B5EF4-FFF2-40B4-BE49-F238E27FC236}">
+                <a16:creationId xmlns:a16="http://schemas.microsoft.com/office/drawing/2014/main" id="{475183AC-5E2E-4A7C-9AC0-D0C065205526}"/>
+              </a:ext>
+            </a:extLst>
+          </p:cNvPr>
+          <p:cNvSpPr txBox="1"/>
+          <p:nvPr/>
+        </p:nvSpPr>
+        <p:spPr>
+          <a:xfrm flipH="1">
+            <a:off x="6508849" y="3242820"/>
+            <a:ext cx="4020891" cy="523220"/>
+          </a:xfrm>
+          <a:prstGeom prst="rect">
+            <a:avLst/>
+          </a:prstGeom>
+          <a:noFill/>
+        </p:spPr>
+        <p:txBody>
+          <a:bodyPr wrap="square" rtlCol="0">
+            <a:spAutoFit/>
+          </a:bodyPr>
+          <a:lstStyle/>
+          <a:p>
+            <a:r>
+              <a:rPr lang="de-DE" sz="2800" dirty="0"/>
+              <a:t>NODE.JS / HTML / CSS </a:t>
+            </a:r>
+            <a:endParaRPr lang="de-AT" sz="2800" dirty="0"/>
           </a:p>
         </p:txBody>
       </p:sp>
     </p:spTree>
     <p:extLst>
       <p:ext uri="{BB962C8B-B14F-4D97-AF65-F5344CB8AC3E}">
-        <p14:creationId xmlns:p14="http://schemas.microsoft.com/office/powerpoint/2010/main" val="3541498608"/>
+        <p14:creationId xmlns:p14="http://schemas.microsoft.com/office/powerpoint/2010/main" val="1287093099"/>
       </p:ext>
     </p:extLst>
   </p:cSld>
   <p:clrMapOvr>
     <a:masterClrMapping/>
   </p:clrMapOvr>
-  <mc:AlternateContent xmlns:mc="http://schemas.openxmlformats.org/markup-compatibility/2006" xmlns:p159="http://schemas.microsoft.com/office/powerpoint/2015/09/main">
-    <mc:Choice Requires="p159">
+  <mc:AlternateContent xmlns:mc="http://schemas.openxmlformats.org/markup-compatibility/2006">
+    <mc:Choice xmlns:p159="http://schemas.microsoft.com/office/powerpoint/2015/09/main" Requires="p159">
       <p:transition xmlns:p14="http://schemas.microsoft.com/office/powerpoint/2010/main" spd="slow" p14:dur="2000">
         <p159:morph option="byObject"/>
       </p:transition>
     </mc:Choice>
-    <mc:Fallback xmlns="">
+    <mc:Fallback>
       <p:transition spd="slow">
         <p:fade/>
       </p:transition>
@@ -6423,8 +6615,8 @@
         </p:nvSpPr>
         <p:spPr>
           <a:xfrm>
-            <a:off x="7383858" y="2846258"/>
-            <a:ext cx="3056029" cy="523220"/>
+            <a:off x="7251386" y="2846258"/>
+            <a:ext cx="3188501" cy="523220"/>
           </a:xfrm>
           <a:prstGeom prst="rect">
             <a:avLst/>
@@ -6442,8 +6634,17 @@
               <a:rPr lang="en-AT" sz="2800" b="1" dirty="0">
                 <a:cs typeface="Times New Roman" panose="02020603050405020304" pitchFamily="18" charset="0"/>
               </a:rPr>
-              <a:t>Online Vokabelheft</a:t>
-            </a:r>
+              <a:t>Online Vokabel</a:t>
+            </a:r>
+            <a:r>
+              <a:rPr lang="de-DE" sz="2800" b="1" dirty="0" err="1">
+                <a:cs typeface="Times New Roman" panose="02020603050405020304" pitchFamily="18" charset="0"/>
+              </a:rPr>
+              <a:t>duell</a:t>
+            </a:r>
+            <a:endParaRPr lang="en-AT" sz="2800" b="1" dirty="0">
+              <a:cs typeface="Times New Roman" panose="02020603050405020304" pitchFamily="18" charset="0"/>
+            </a:endParaRPr>
           </a:p>
         </p:txBody>
       </p:sp>
@@ -6461,8 +6662,8 @@
         </p:nvSpPr>
         <p:spPr>
           <a:xfrm>
-            <a:off x="8539688" y="3488523"/>
-            <a:ext cx="1900199" cy="523220"/>
+            <a:off x="8512436" y="3488523"/>
+            <a:ext cx="1927451" cy="523220"/>
           </a:xfrm>
           <a:prstGeom prst="rect">
             <a:avLst/>
@@ -6480,67 +6681,24 @@
               <a:rPr lang="en-AT" sz="2800" b="1" dirty="0">
                 <a:cs typeface="Times New Roman" panose="02020603050405020304" pitchFamily="18" charset="0"/>
               </a:rPr>
-              <a:t>Discord Bot</a:t>
-            </a:r>
-          </a:p>
-        </p:txBody>
-      </p:sp>
-      <p:sp>
-        <p:nvSpPr>
-          <p:cNvPr id="9" name="TextBox 8">
-            <a:extLst>
-              <a:ext uri="{FF2B5EF4-FFF2-40B4-BE49-F238E27FC236}">
-                <a16:creationId xmlns:a16="http://schemas.microsoft.com/office/drawing/2014/main" id="{D2C886DF-CBCA-F34F-B479-892C3CA6293D}"/>
-              </a:ext>
-            </a:extLst>
-          </p:cNvPr>
-          <p:cNvSpPr txBox="1"/>
-          <p:nvPr/>
-        </p:nvSpPr>
-        <p:spPr>
-          <a:xfrm>
-            <a:off x="8756413" y="4130788"/>
-            <a:ext cx="1683474" cy="523220"/>
-          </a:xfrm>
-          <a:prstGeom prst="rect">
-            <a:avLst/>
-          </a:prstGeom>
-          <a:noFill/>
-        </p:spPr>
-        <p:txBody>
-          <a:bodyPr wrap="none" rtlCol="0">
-            <a:spAutoFit/>
-          </a:bodyPr>
-          <a:lstStyle/>
-          <a:p>
-            <a:pPr algn="r"/>
+              <a:t>Discord</a:t>
+            </a:r>
             <a:r>
               <a:rPr lang="en-AT" sz="2800" b="1" dirty="0">
+                <a:latin typeface="Times New Roman" panose="02020603050405020304" pitchFamily="18" charset="0"/>
                 <a:cs typeface="Times New Roman" panose="02020603050405020304" pitchFamily="18" charset="0"/>
               </a:rPr>
-              <a:t>N</a:t>
-            </a:r>
-            <a:r>
-              <a:rPr lang="en-GB" sz="2800" b="1" dirty="0">
-                <a:cs typeface="Times New Roman" panose="02020603050405020304" pitchFamily="18" charset="0"/>
-              </a:rPr>
-              <a:t>o</a:t>
-            </a:r>
-            <a:r>
-              <a:rPr lang="en-AT" sz="2800" b="1" dirty="0">
-                <a:cs typeface="Times New Roman" panose="02020603050405020304" pitchFamily="18" charset="0"/>
-              </a:rPr>
-              <a:t>tiz-App</a:t>
+              <a:t> Bot</a:t>
             </a:r>
           </a:p>
         </p:txBody>
       </p:sp>
       <p:pic>
         <p:nvPicPr>
-          <p:cNvPr id="12" name="Picture 11" descr="Icon&#10;&#10;Description automatically generated">
-            <a:extLst>
-              <a:ext uri="{FF2B5EF4-FFF2-40B4-BE49-F238E27FC236}">
-                <a16:creationId xmlns:a16="http://schemas.microsoft.com/office/drawing/2014/main" id="{0EAA7171-2176-744F-B4F1-DB3AF800A248}"/>
+          <p:cNvPr id="10" name="Picture 9" descr="Icon&#10;&#10;Description automatically generated">
+            <a:extLst>
+              <a:ext uri="{FF2B5EF4-FFF2-40B4-BE49-F238E27FC236}">
+                <a16:creationId xmlns:a16="http://schemas.microsoft.com/office/drawing/2014/main" id="{B933CAD5-85E7-3443-8B31-2FF447F5EEE7}"/>
               </a:ext>
             </a:extLst>
           </p:cNvPr>
@@ -6549,16 +6707,17 @@
           </p:cNvPicPr>
           <p:nvPr/>
         </p:nvPicPr>
-        <p:blipFill>
-          <a:blip r:embed="rId4"/>
-          <a:stretch>
-            <a:fillRect/>
-          </a:stretch>
+        <p:blipFill rotWithShape="1">
+          <a:blip r:embed="rId4">
+            <a:alphaModFix/>
+          </a:blip>
+          <a:srcRect l="19399" r="18314"/>
+          <a:stretch/>
         </p:blipFill>
         <p:spPr>
           <a:xfrm>
-            <a:off x="4439937" y="11506701"/>
-            <a:ext cx="3312125" cy="1863070"/>
+            <a:off x="13801059" y="3302231"/>
+            <a:ext cx="1212017" cy="1105200"/>
           </a:xfrm>
           <a:prstGeom prst="rect">
             <a:avLst/>
@@ -6567,10 +6726,10 @@
       </p:pic>
       <p:sp>
         <p:nvSpPr>
-          <p:cNvPr id="16" name="TextBox 15">
-            <a:extLst>
-              <a:ext uri="{FF2B5EF4-FFF2-40B4-BE49-F238E27FC236}">
-                <a16:creationId xmlns:a16="http://schemas.microsoft.com/office/drawing/2014/main" id="{98519AAC-F14B-AE4C-8560-76891E148C93}"/>
+          <p:cNvPr id="11" name="TextBox 10">
+            <a:extLst>
+              <a:ext uri="{FF2B5EF4-FFF2-40B4-BE49-F238E27FC236}">
+                <a16:creationId xmlns:a16="http://schemas.microsoft.com/office/drawing/2014/main" id="{CA25F892-26B7-484E-91E5-466C469CA0B8}"/>
               </a:ext>
             </a:extLst>
           </p:cNvPr>
@@ -6579,8 +6738,8 @@
         </p:nvSpPr>
         <p:spPr>
           <a:xfrm>
-            <a:off x="3514042" y="14030543"/>
-            <a:ext cx="1851789" cy="954107"/>
+            <a:off x="13935623" y="4392398"/>
+            <a:ext cx="942887" cy="523220"/>
           </a:xfrm>
           <a:prstGeom prst="rect">
             <a:avLst/>
@@ -6599,17 +6758,7 @@
                 <a:latin typeface="Times New Roman" panose="02020603050405020304" pitchFamily="18" charset="0"/>
                 <a:cs typeface="Times New Roman" panose="02020603050405020304" pitchFamily="18" charset="0"/>
               </a:rPr>
-              <a:t>künstliche </a:t>
-            </a:r>
-          </a:p>
-          <a:p>
-            <a:pPr algn="ctr"/>
-            <a:r>
-              <a:rPr lang="de-AT" sz="2800" b="1" dirty="0">
-                <a:latin typeface="Times New Roman" panose="02020603050405020304" pitchFamily="18" charset="0"/>
-                <a:cs typeface="Times New Roman" panose="02020603050405020304" pitchFamily="18" charset="0"/>
-              </a:rPr>
-              <a:t>Intelligenz</a:t>
+              <a:t>Spiel</a:t>
             </a:r>
             <a:endParaRPr lang="en-AT" sz="2800" b="1" dirty="0">
               <a:latin typeface="Times New Roman" panose="02020603050405020304" pitchFamily="18" charset="0"/>
@@ -6618,204 +6767,12 @@
           </a:p>
         </p:txBody>
       </p:sp>
-      <p:sp>
-        <p:nvSpPr>
-          <p:cNvPr id="17" name="TextBox 16">
-            <a:extLst>
-              <a:ext uri="{FF2B5EF4-FFF2-40B4-BE49-F238E27FC236}">
-                <a16:creationId xmlns:a16="http://schemas.microsoft.com/office/drawing/2014/main" id="{B734A2FB-BE6A-2349-A53F-BE5E5339026D}"/>
-              </a:ext>
-            </a:extLst>
-          </p:cNvPr>
-          <p:cNvSpPr txBox="1"/>
-          <p:nvPr/>
-        </p:nvSpPr>
-        <p:spPr>
-          <a:xfrm>
-            <a:off x="6826171" y="14030543"/>
-            <a:ext cx="1579278" cy="954107"/>
-          </a:xfrm>
-          <a:prstGeom prst="rect">
-            <a:avLst/>
-          </a:prstGeom>
-          <a:noFill/>
-        </p:spPr>
-        <p:txBody>
-          <a:bodyPr wrap="none" rtlCol="0">
-            <a:spAutoFit/>
-          </a:bodyPr>
-          <a:lstStyle/>
-          <a:p>
-            <a:pPr algn="ctr"/>
-            <a:r>
-              <a:rPr lang="de-AT" sz="2800" b="1" dirty="0">
-                <a:latin typeface="Times New Roman" panose="02020603050405020304" pitchFamily="18" charset="0"/>
-                <a:cs typeface="Times New Roman" panose="02020603050405020304" pitchFamily="18" charset="0"/>
-              </a:rPr>
-              <a:t>Web</a:t>
-            </a:r>
-          </a:p>
-          <a:p>
-            <a:pPr algn="ctr"/>
-            <a:r>
-              <a:rPr lang="de-AT" sz="2800" b="1" dirty="0">
-                <a:latin typeface="Times New Roman" panose="02020603050405020304" pitchFamily="18" charset="0"/>
-                <a:cs typeface="Times New Roman" panose="02020603050405020304" pitchFamily="18" charset="0"/>
-              </a:rPr>
-              <a:t>Interface</a:t>
-            </a:r>
-            <a:endParaRPr lang="en-AT" sz="2800" b="1" dirty="0">
-              <a:latin typeface="Times New Roman" panose="02020603050405020304" pitchFamily="18" charset="0"/>
-              <a:cs typeface="Times New Roman" panose="02020603050405020304" pitchFamily="18" charset="0"/>
-            </a:endParaRPr>
-          </a:p>
-        </p:txBody>
-      </p:sp>
-      <p:sp>
-        <p:nvSpPr>
-          <p:cNvPr id="24" name="TextBox 23">
-            <a:extLst>
-              <a:ext uri="{FF2B5EF4-FFF2-40B4-BE49-F238E27FC236}">
-                <a16:creationId xmlns:a16="http://schemas.microsoft.com/office/drawing/2014/main" id="{A1DD8EBB-2D9F-8C4C-959E-1DBAD8BD4BF0}"/>
-              </a:ext>
-            </a:extLst>
-          </p:cNvPr>
-          <p:cNvSpPr txBox="1"/>
-          <p:nvPr/>
-        </p:nvSpPr>
-        <p:spPr>
-          <a:xfrm>
-            <a:off x="1669187" y="10077152"/>
-            <a:ext cx="1922321" cy="954107"/>
-          </a:xfrm>
-          <a:prstGeom prst="rect">
-            <a:avLst/>
-          </a:prstGeom>
-          <a:noFill/>
-        </p:spPr>
-        <p:txBody>
-          <a:bodyPr wrap="none" rtlCol="0">
-            <a:spAutoFit/>
-          </a:bodyPr>
-          <a:lstStyle/>
-          <a:p>
-            <a:pPr algn="ctr"/>
-            <a:r>
-              <a:rPr lang="de-AT" sz="2800" b="1" dirty="0">
-                <a:latin typeface="Times New Roman" panose="02020603050405020304" pitchFamily="18" charset="0"/>
-                <a:cs typeface="Times New Roman" panose="02020603050405020304" pitchFamily="18" charset="0"/>
-              </a:rPr>
-              <a:t>Foto</a:t>
-            </a:r>
-          </a:p>
-          <a:p>
-            <a:pPr algn="ctr"/>
-            <a:r>
-              <a:rPr lang="de-AT" sz="2800" b="1" dirty="0">
-                <a:latin typeface="Times New Roman" panose="02020603050405020304" pitchFamily="18" charset="0"/>
-                <a:cs typeface="Times New Roman" panose="02020603050405020304" pitchFamily="18" charset="0"/>
-              </a:rPr>
-              <a:t>Erkennung</a:t>
-            </a:r>
-            <a:endParaRPr lang="en-AT" sz="2800" b="1" dirty="0">
-              <a:latin typeface="Times New Roman" panose="02020603050405020304" pitchFamily="18" charset="0"/>
-              <a:cs typeface="Times New Roman" panose="02020603050405020304" pitchFamily="18" charset="0"/>
-            </a:endParaRPr>
-          </a:p>
-        </p:txBody>
-      </p:sp>
-      <p:sp>
-        <p:nvSpPr>
-          <p:cNvPr id="25" name="TextBox 24">
-            <a:extLst>
-              <a:ext uri="{FF2B5EF4-FFF2-40B4-BE49-F238E27FC236}">
-                <a16:creationId xmlns:a16="http://schemas.microsoft.com/office/drawing/2014/main" id="{6F4F1C22-DE81-C54E-847C-9FF31312D374}"/>
-              </a:ext>
-            </a:extLst>
-          </p:cNvPr>
-          <p:cNvSpPr txBox="1"/>
-          <p:nvPr/>
-        </p:nvSpPr>
-        <p:spPr>
-          <a:xfrm>
-            <a:off x="5093307" y="10267196"/>
-            <a:ext cx="2005387" cy="523220"/>
-          </a:xfrm>
-          <a:prstGeom prst="rect">
-            <a:avLst/>
-          </a:prstGeom>
-          <a:noFill/>
-        </p:spPr>
-        <p:txBody>
-          <a:bodyPr wrap="square" rtlCol="0">
-            <a:spAutoFit/>
-          </a:bodyPr>
-          <a:lstStyle/>
-          <a:p>
-            <a:pPr algn="ctr"/>
-            <a:r>
-              <a:rPr lang="de-AT" sz="2800" b="1" dirty="0">
-                <a:latin typeface="Times New Roman" panose="02020603050405020304" pitchFamily="18" charset="0"/>
-                <a:cs typeface="Times New Roman" panose="02020603050405020304" pitchFamily="18" charset="0"/>
-              </a:rPr>
-              <a:t>Touchpad</a:t>
-            </a:r>
-            <a:endParaRPr lang="en-AT" sz="2800" b="1" dirty="0">
-              <a:latin typeface="Times New Roman" panose="02020603050405020304" pitchFamily="18" charset="0"/>
-              <a:cs typeface="Times New Roman" panose="02020603050405020304" pitchFamily="18" charset="0"/>
-            </a:endParaRPr>
-          </a:p>
-        </p:txBody>
-      </p:sp>
-      <p:sp>
-        <p:nvSpPr>
-          <p:cNvPr id="26" name="TextBox 25">
-            <a:extLst>
-              <a:ext uri="{FF2B5EF4-FFF2-40B4-BE49-F238E27FC236}">
-                <a16:creationId xmlns:a16="http://schemas.microsoft.com/office/drawing/2014/main" id="{53CF698A-ECC5-9C41-BBAB-FF5FC7A52907}"/>
-              </a:ext>
-            </a:extLst>
-          </p:cNvPr>
-          <p:cNvSpPr txBox="1"/>
-          <p:nvPr/>
-        </p:nvSpPr>
-        <p:spPr>
-          <a:xfrm>
-            <a:off x="8600493" y="10292595"/>
-            <a:ext cx="2211558" cy="523220"/>
-          </a:xfrm>
-          <a:prstGeom prst="rect">
-            <a:avLst/>
-          </a:prstGeom>
-          <a:noFill/>
-        </p:spPr>
-        <p:txBody>
-          <a:bodyPr wrap="square" rtlCol="0">
-            <a:spAutoFit/>
-          </a:bodyPr>
-          <a:lstStyle/>
-          <a:p>
-            <a:pPr algn="ctr"/>
-            <a:r>
-              <a:rPr lang="de-AT" sz="2800" b="1" dirty="0">
-                <a:latin typeface="Times New Roman" panose="02020603050405020304" pitchFamily="18" charset="0"/>
-                <a:cs typeface="Times New Roman" panose="02020603050405020304" pitchFamily="18" charset="0"/>
-              </a:rPr>
-              <a:t>Schul-Guide</a:t>
-            </a:r>
-            <a:endParaRPr lang="en-AT" sz="2800" b="1" dirty="0">
-              <a:latin typeface="Times New Roman" panose="02020603050405020304" pitchFamily="18" charset="0"/>
-              <a:cs typeface="Times New Roman" panose="02020603050405020304" pitchFamily="18" charset="0"/>
-            </a:endParaRPr>
-          </a:p>
-        </p:txBody>
-      </p:sp>
       <p:pic>
         <p:nvPicPr>
-          <p:cNvPr id="27" name="Picture 26" descr="A picture containing text, electronics&#10;&#10;Description automatically generated">
-            <a:extLst>
-              <a:ext uri="{FF2B5EF4-FFF2-40B4-BE49-F238E27FC236}">
-                <a16:creationId xmlns:a16="http://schemas.microsoft.com/office/drawing/2014/main" id="{222EB064-2ECA-DA48-8BC8-263D3CA4BF46}"/>
+          <p:cNvPr id="14" name="Picture 13" descr="Shape&#10;&#10;Description automatically generated with low confidence">
+            <a:extLst>
+              <a:ext uri="{FF2B5EF4-FFF2-40B4-BE49-F238E27FC236}">
+                <a16:creationId xmlns:a16="http://schemas.microsoft.com/office/drawing/2014/main" id="{FADF2F4E-C362-114A-B8B0-727E07124F4C}"/>
               </a:ext>
             </a:extLst>
           </p:cNvPr>
@@ -6832,20 +6789,63 @@
         </p:blipFill>
         <p:spPr>
           <a:xfrm>
-            <a:off x="4990221" y="8081037"/>
-            <a:ext cx="2211558" cy="2211558"/>
+            <a:off x="15990070" y="3248822"/>
+            <a:ext cx="1212017" cy="1212017"/>
           </a:xfrm>
           <a:prstGeom prst="rect">
             <a:avLst/>
           </a:prstGeom>
         </p:spPr>
       </p:pic>
+      <p:sp>
+        <p:nvSpPr>
+          <p:cNvPr id="15" name="TextBox 14">
+            <a:extLst>
+              <a:ext uri="{FF2B5EF4-FFF2-40B4-BE49-F238E27FC236}">
+                <a16:creationId xmlns:a16="http://schemas.microsoft.com/office/drawing/2014/main" id="{A980A061-9F2D-7B45-A17D-33F67B2B81E7}"/>
+              </a:ext>
+            </a:extLst>
+          </p:cNvPr>
+          <p:cNvSpPr txBox="1"/>
+          <p:nvPr/>
+        </p:nvSpPr>
+        <p:spPr>
+          <a:xfrm>
+            <a:off x="16094980" y="4460839"/>
+            <a:ext cx="1002197" cy="523220"/>
+          </a:xfrm>
+          <a:prstGeom prst="rect">
+            <a:avLst/>
+          </a:prstGeom>
+          <a:noFill/>
+        </p:spPr>
+        <p:txBody>
+          <a:bodyPr wrap="none" rtlCol="0">
+            <a:spAutoFit/>
+          </a:bodyPr>
+          <a:lstStyle/>
+          <a:p>
+            <a:pPr algn="ctr"/>
+            <a:r>
+              <a:rPr lang="de-AT" sz="2800" b="1" dirty="0">
+                <a:latin typeface="Times New Roman" panose="02020603050405020304" pitchFamily="18" charset="0"/>
+                <a:cs typeface="Times New Roman" panose="02020603050405020304" pitchFamily="18" charset="0"/>
+              </a:rPr>
+              <a:t>Duell</a:t>
+            </a:r>
+            <a:endParaRPr lang="en-AT" sz="2800" b="1" dirty="0">
+              <a:latin typeface="Times New Roman" panose="02020603050405020304" pitchFamily="18" charset="0"/>
+              <a:cs typeface="Times New Roman" panose="02020603050405020304" pitchFamily="18" charset="0"/>
+            </a:endParaRPr>
+          </a:p>
+        </p:txBody>
+      </p:sp>
       <p:pic>
         <p:nvPicPr>
-          <p:cNvPr id="28" name="Picture 27" descr="A picture containing text, sign&#10;&#10;Description automatically generated">
-            <a:extLst>
-              <a:ext uri="{FF2B5EF4-FFF2-40B4-BE49-F238E27FC236}">
-                <a16:creationId xmlns:a16="http://schemas.microsoft.com/office/drawing/2014/main" id="{A376108C-7E1F-264E-9E75-DBA77520FAA0}"/>
+          <p:cNvPr id="12" name="Picture 11" descr="Icon&#10;&#10;Description automatically generated">
+            <a:extLst>
+              <a:ext uri="{FF2B5EF4-FFF2-40B4-BE49-F238E27FC236}">
+                <a16:creationId xmlns:a16="http://schemas.microsoft.com/office/drawing/2014/main" id="{0EAA7171-2176-744F-B4F1-DB3AF800A248}"/>
               </a:ext>
             </a:extLst>
           </p:cNvPr>
@@ -6862,48 +6862,124 @@
         </p:blipFill>
         <p:spPr>
           <a:xfrm>
-            <a:off x="1524568" y="8055638"/>
-            <a:ext cx="2211558" cy="2211558"/>
+            <a:off x="4439937" y="7346232"/>
+            <a:ext cx="3312125" cy="1863070"/>
           </a:xfrm>
           <a:prstGeom prst="rect">
             <a:avLst/>
           </a:prstGeom>
         </p:spPr>
       </p:pic>
-      <p:pic>
-        <p:nvPicPr>
-          <p:cNvPr id="29" name="Picture 28" descr="Icon&#10;&#10;Description automatically generated">
-            <a:extLst>
-              <a:ext uri="{FF2B5EF4-FFF2-40B4-BE49-F238E27FC236}">
-                <a16:creationId xmlns:a16="http://schemas.microsoft.com/office/drawing/2014/main" id="{5C53C29E-1810-7C41-B7C3-CAEC603795E8}"/>
-              </a:ext>
-            </a:extLst>
-          </p:cNvPr>
-          <p:cNvPicPr>
-            <a:picLocks noChangeAspect="1"/>
-          </p:cNvPicPr>
+      <p:sp>
+        <p:nvSpPr>
+          <p:cNvPr id="16" name="TextBox 15">
+            <a:extLst>
+              <a:ext uri="{FF2B5EF4-FFF2-40B4-BE49-F238E27FC236}">
+                <a16:creationId xmlns:a16="http://schemas.microsoft.com/office/drawing/2014/main" id="{98519AAC-F14B-AE4C-8560-76891E148C93}"/>
+              </a:ext>
+            </a:extLst>
+          </p:cNvPr>
+          <p:cNvSpPr txBox="1"/>
           <p:nvPr/>
-        </p:nvPicPr>
-        <p:blipFill>
-          <a:blip r:embed="rId7"/>
-          <a:stretch>
-            <a:fillRect/>
-          </a:stretch>
-        </p:blipFill>
-        <p:spPr>
-          <a:xfrm>
-            <a:off x="9098943" y="7947341"/>
-            <a:ext cx="1214658" cy="2129811"/>
-          </a:xfrm>
-          <a:prstGeom prst="rect">
-            <a:avLst/>
-          </a:prstGeom>
-        </p:spPr>
-      </p:pic>
+        </p:nvSpPr>
+        <p:spPr>
+          <a:xfrm>
+            <a:off x="3514042" y="9870074"/>
+            <a:ext cx="1851789" cy="954107"/>
+          </a:xfrm>
+          <a:prstGeom prst="rect">
+            <a:avLst/>
+          </a:prstGeom>
+          <a:noFill/>
+        </p:spPr>
+        <p:txBody>
+          <a:bodyPr wrap="none" rtlCol="0">
+            <a:spAutoFit/>
+          </a:bodyPr>
+          <a:lstStyle/>
+          <a:p>
+            <a:pPr algn="ctr"/>
+            <a:r>
+              <a:rPr lang="de-AT" sz="2800" b="1" dirty="0">
+                <a:latin typeface="Times New Roman" panose="02020603050405020304" pitchFamily="18" charset="0"/>
+                <a:cs typeface="Times New Roman" panose="02020603050405020304" pitchFamily="18" charset="0"/>
+              </a:rPr>
+              <a:t>künstliche </a:t>
+            </a:r>
+          </a:p>
+          <a:p>
+            <a:pPr algn="ctr"/>
+            <a:r>
+              <a:rPr lang="de-AT" sz="2800" b="1" dirty="0">
+                <a:latin typeface="Times New Roman" panose="02020603050405020304" pitchFamily="18" charset="0"/>
+                <a:cs typeface="Times New Roman" panose="02020603050405020304" pitchFamily="18" charset="0"/>
+              </a:rPr>
+              <a:t>Intelligenz</a:t>
+            </a:r>
+            <a:endParaRPr lang="en-AT" sz="2800" b="1" dirty="0">
+              <a:latin typeface="Times New Roman" panose="02020603050405020304" pitchFamily="18" charset="0"/>
+              <a:cs typeface="Times New Roman" panose="02020603050405020304" pitchFamily="18" charset="0"/>
+            </a:endParaRPr>
+          </a:p>
+        </p:txBody>
+      </p:sp>
+      <p:sp>
+        <p:nvSpPr>
+          <p:cNvPr id="17" name="TextBox 16">
+            <a:extLst>
+              <a:ext uri="{FF2B5EF4-FFF2-40B4-BE49-F238E27FC236}">
+                <a16:creationId xmlns:a16="http://schemas.microsoft.com/office/drawing/2014/main" id="{B734A2FB-BE6A-2349-A53F-BE5E5339026D}"/>
+              </a:ext>
+            </a:extLst>
+          </p:cNvPr>
+          <p:cNvSpPr txBox="1"/>
+          <p:nvPr/>
+        </p:nvSpPr>
+        <p:spPr>
+          <a:xfrm>
+            <a:off x="6826171" y="9870074"/>
+            <a:ext cx="1579278" cy="954107"/>
+          </a:xfrm>
+          <a:prstGeom prst="rect">
+            <a:avLst/>
+          </a:prstGeom>
+          <a:noFill/>
+        </p:spPr>
+        <p:txBody>
+          <a:bodyPr wrap="none" rtlCol="0">
+            <a:spAutoFit/>
+          </a:bodyPr>
+          <a:lstStyle/>
+          <a:p>
+            <a:pPr algn="ctr"/>
+            <a:r>
+              <a:rPr lang="de-AT" sz="2800" b="1" dirty="0">
+                <a:latin typeface="Times New Roman" panose="02020603050405020304" pitchFamily="18" charset="0"/>
+                <a:cs typeface="Times New Roman" panose="02020603050405020304" pitchFamily="18" charset="0"/>
+              </a:rPr>
+              <a:t>Web</a:t>
+            </a:r>
+          </a:p>
+          <a:p>
+            <a:pPr algn="ctr"/>
+            <a:r>
+              <a:rPr lang="de-AT" sz="2800" b="1" dirty="0">
+                <a:latin typeface="Times New Roman" panose="02020603050405020304" pitchFamily="18" charset="0"/>
+                <a:cs typeface="Times New Roman" panose="02020603050405020304" pitchFamily="18" charset="0"/>
+              </a:rPr>
+              <a:t>Interface</a:t>
+            </a:r>
+            <a:endParaRPr lang="en-AT" sz="2800" b="1" dirty="0">
+              <a:latin typeface="Times New Roman" panose="02020603050405020304" pitchFamily="18" charset="0"/>
+              <a:cs typeface="Times New Roman" panose="02020603050405020304" pitchFamily="18" charset="0"/>
+            </a:endParaRPr>
+          </a:p>
+        </p:txBody>
+      </p:sp>
     </p:spTree>
     <p:extLst>
       <p:ext uri="{BB962C8B-B14F-4D97-AF65-F5344CB8AC3E}">
-        <p14:creationId xmlns:p14="http://schemas.microsoft.com/office/powerpoint/2010/main" val="1394419694"/>
+        <p14:creationId xmlns:p14="http://schemas.microsoft.com/office/powerpoint/2010/main" val="2312244658"/>
       </p:ext>
     </p:extLst>
   </p:cSld>
@@ -6942,41 +7018,12 @@
           <a:chExt cx="0" cy="0"/>
         </a:xfrm>
       </p:grpSpPr>
-      <p:pic>
-        <p:nvPicPr>
-          <p:cNvPr id="3" name="Picture 2" descr="Icon&#10;&#10;Description automatically generated">
-            <a:extLst>
-              <a:ext uri="{FF2B5EF4-FFF2-40B4-BE49-F238E27FC236}">
-                <a16:creationId xmlns:a16="http://schemas.microsoft.com/office/drawing/2014/main" id="{39DCAA1E-35FC-AB44-B9D5-06B910A835ED}"/>
-              </a:ext>
-            </a:extLst>
-          </p:cNvPr>
-          <p:cNvPicPr>
-            <a:picLocks noChangeAspect="1"/>
-          </p:cNvPicPr>
-          <p:nvPr/>
-        </p:nvPicPr>
-        <p:blipFill rotWithShape="1">
-          <a:blip r:embed="rId3"/>
-          <a:srcRect l="26218" r="27384"/>
-          <a:stretch/>
-        </p:blipFill>
-        <p:spPr>
-          <a:xfrm>
-            <a:off x="-7802413" y="346084"/>
-            <a:ext cx="4343887" cy="5685844"/>
-          </a:xfrm>
-          <a:prstGeom prst="rect">
-            <a:avLst/>
-          </a:prstGeom>
-        </p:spPr>
-      </p:pic>
-      <p:sp>
-        <p:nvSpPr>
-          <p:cNvPr id="7" name="TextBox 6">
-            <a:extLst>
-              <a:ext uri="{FF2B5EF4-FFF2-40B4-BE49-F238E27FC236}">
-                <a16:creationId xmlns:a16="http://schemas.microsoft.com/office/drawing/2014/main" id="{BC135631-9D7B-B14B-97EF-151C8EB42A32}"/>
+      <p:sp>
+        <p:nvSpPr>
+          <p:cNvPr id="2" name="Textfeld 1">
+            <a:extLst>
+              <a:ext uri="{FF2B5EF4-FFF2-40B4-BE49-F238E27FC236}">
+                <a16:creationId xmlns:a16="http://schemas.microsoft.com/office/drawing/2014/main" id="{1A75ABD8-BFB5-4B83-8BA6-E8C7798D471D}"/>
               </a:ext>
             </a:extLst>
           </p:cNvPr>
@@ -6985,8 +7032,8 @@
         </p:nvSpPr>
         <p:spPr>
           <a:xfrm>
-            <a:off x="7694838" y="-3874080"/>
-            <a:ext cx="3100687" cy="1446550"/>
+            <a:off x="4389748" y="633374"/>
+            <a:ext cx="3412504" cy="769441"/>
           </a:xfrm>
           <a:prstGeom prst="rect">
             <a:avLst/>
@@ -6999,29 +7046,20 @@
           </a:bodyPr>
           <a:lstStyle/>
           <a:p>
-            <a:pPr algn="r"/>
-            <a:r>
-              <a:rPr lang="en-AT" sz="8800" b="1" dirty="0">
-                <a:solidFill>
-                  <a:schemeClr val="accent4">
-                    <a:lumMod val="60000"/>
-                    <a:lumOff val="40000"/>
-                  </a:schemeClr>
-                </a:solidFill>
-                <a:latin typeface="Times New Roman" panose="02020603050405020304" pitchFamily="18" charset="0"/>
-                <a:cs typeface="Times New Roman" panose="02020603050405020304" pitchFamily="18" charset="0"/>
-              </a:rPr>
-              <a:t>Ideen</a:t>
-            </a:r>
-          </a:p>
-        </p:txBody>
-      </p:sp>
-      <p:sp>
-        <p:nvSpPr>
-          <p:cNvPr id="5" name="TextBox 4">
-            <a:extLst>
-              <a:ext uri="{FF2B5EF4-FFF2-40B4-BE49-F238E27FC236}">
-                <a16:creationId xmlns:a16="http://schemas.microsoft.com/office/drawing/2014/main" id="{8E58916B-B327-4B47-BF21-93F1AF0BAFF1}"/>
+            <a:r>
+              <a:rPr lang="de-DE" sz="4400" b="1" dirty="0"/>
+              <a:t>Hintergrund</a:t>
+            </a:r>
+            <a:endParaRPr lang="de-AT" b="1" dirty="0"/>
+          </a:p>
+        </p:txBody>
+      </p:sp>
+      <p:sp>
+        <p:nvSpPr>
+          <p:cNvPr id="3" name="Textfeld 2">
+            <a:extLst>
+              <a:ext uri="{FF2B5EF4-FFF2-40B4-BE49-F238E27FC236}">
+                <a16:creationId xmlns:a16="http://schemas.microsoft.com/office/drawing/2014/main" id="{A08C1AE8-0921-4794-BC40-CDC8E40DF68E}"/>
               </a:ext>
             </a:extLst>
           </p:cNvPr>
@@ -7030,174 +7068,8 @@
         </p:nvSpPr>
         <p:spPr>
           <a:xfrm>
-            <a:off x="4719662" y="506973"/>
-            <a:ext cx="2752677" cy="830997"/>
-          </a:xfrm>
-          <a:prstGeom prst="rect">
-            <a:avLst/>
-          </a:prstGeom>
-          <a:noFill/>
-        </p:spPr>
-        <p:txBody>
-          <a:bodyPr wrap="none" rtlCol="0">
-            <a:spAutoFit/>
-          </a:bodyPr>
-          <a:lstStyle/>
-          <a:p>
-            <a:pPr algn="ctr"/>
-            <a:r>
-              <a:rPr lang="en-AT" sz="4800" b="1" dirty="0">
-                <a:cs typeface="Times New Roman" panose="02020603050405020304" pitchFamily="18" charset="0"/>
-              </a:rPr>
-              <a:t>Notiz-App</a:t>
-            </a:r>
-          </a:p>
-        </p:txBody>
-      </p:sp>
-      <p:sp>
-        <p:nvSpPr>
-          <p:cNvPr id="11" name="TextBox 10">
-            <a:extLst>
-              <a:ext uri="{FF2B5EF4-FFF2-40B4-BE49-F238E27FC236}">
-                <a16:creationId xmlns:a16="http://schemas.microsoft.com/office/drawing/2014/main" id="{F69FE31B-03BE-154C-8EE4-FA79D57516EE}"/>
-              </a:ext>
-            </a:extLst>
-          </p:cNvPr>
-          <p:cNvSpPr txBox="1"/>
-          <p:nvPr/>
-        </p:nvSpPr>
-        <p:spPr>
-          <a:xfrm>
-            <a:off x="7556497" y="-2308485"/>
-            <a:ext cx="3239028" cy="523220"/>
-          </a:xfrm>
-          <a:prstGeom prst="rect">
-            <a:avLst/>
-          </a:prstGeom>
-          <a:noFill/>
-        </p:spPr>
-        <p:txBody>
-          <a:bodyPr wrap="none" rtlCol="0">
-            <a:spAutoFit/>
-          </a:bodyPr>
-          <a:lstStyle/>
-          <a:p>
-            <a:pPr algn="r"/>
-            <a:r>
-              <a:rPr lang="en-AT" sz="2800" b="1" dirty="0">
-                <a:latin typeface="Times New Roman" panose="02020603050405020304" pitchFamily="18" charset="0"/>
-                <a:cs typeface="Times New Roman" panose="02020603050405020304" pitchFamily="18" charset="0"/>
-              </a:rPr>
-              <a:t>Online Vokabelheft</a:t>
-            </a:r>
-          </a:p>
-        </p:txBody>
-      </p:sp>
-      <p:sp>
-        <p:nvSpPr>
-          <p:cNvPr id="13" name="TextBox 12">
-            <a:extLst>
-              <a:ext uri="{FF2B5EF4-FFF2-40B4-BE49-F238E27FC236}">
-                <a16:creationId xmlns:a16="http://schemas.microsoft.com/office/drawing/2014/main" id="{EBE6D5BD-58AB-4643-ABA2-39E0FFE3CFD6}"/>
-              </a:ext>
-            </a:extLst>
-          </p:cNvPr>
-          <p:cNvSpPr txBox="1"/>
-          <p:nvPr/>
-        </p:nvSpPr>
-        <p:spPr>
-          <a:xfrm>
-            <a:off x="8786642" y="-1666220"/>
-            <a:ext cx="2008883" cy="523220"/>
-          </a:xfrm>
-          <a:prstGeom prst="rect">
-            <a:avLst/>
-          </a:prstGeom>
-          <a:noFill/>
-        </p:spPr>
-        <p:txBody>
-          <a:bodyPr wrap="none" rtlCol="0">
-            <a:spAutoFit/>
-          </a:bodyPr>
-          <a:lstStyle/>
-          <a:p>
-            <a:pPr algn="r"/>
-            <a:r>
-              <a:rPr lang="en-AT" sz="2800" b="1" dirty="0">
-                <a:latin typeface="Times New Roman" panose="02020603050405020304" pitchFamily="18" charset="0"/>
-                <a:cs typeface="Times New Roman" panose="02020603050405020304" pitchFamily="18" charset="0"/>
-              </a:rPr>
-              <a:t>Discord Bot</a:t>
-            </a:r>
-          </a:p>
-        </p:txBody>
-      </p:sp>
-      <p:sp>
-        <p:nvSpPr>
-          <p:cNvPr id="15" name="TextBox 14">
-            <a:extLst>
-              <a:ext uri="{FF2B5EF4-FFF2-40B4-BE49-F238E27FC236}">
-                <a16:creationId xmlns:a16="http://schemas.microsoft.com/office/drawing/2014/main" id="{0D5B516C-1279-8C42-8DF6-C89BE9C1148E}"/>
-              </a:ext>
-            </a:extLst>
-          </p:cNvPr>
-          <p:cNvSpPr txBox="1"/>
-          <p:nvPr/>
-        </p:nvSpPr>
-        <p:spPr>
-          <a:xfrm>
-            <a:off x="1743539" y="4344735"/>
-            <a:ext cx="1771447" cy="954107"/>
-          </a:xfrm>
-          <a:prstGeom prst="rect">
-            <a:avLst/>
-          </a:prstGeom>
-          <a:noFill/>
-        </p:spPr>
-        <p:txBody>
-          <a:bodyPr wrap="none" rtlCol="0">
-            <a:spAutoFit/>
-          </a:bodyPr>
-          <a:lstStyle/>
-          <a:p>
-            <a:pPr algn="ctr"/>
-            <a:r>
-              <a:rPr lang="de-AT" sz="2800" b="1" dirty="0">
-                <a:cs typeface="Times New Roman" panose="02020603050405020304" pitchFamily="18" charset="0"/>
-              </a:rPr>
-              <a:t>Foto</a:t>
-            </a:r>
-          </a:p>
-          <a:p>
-            <a:pPr algn="ctr"/>
-            <a:r>
-              <a:rPr lang="de-AT" sz="2800" b="1" dirty="0">
-                <a:cs typeface="Times New Roman" panose="02020603050405020304" pitchFamily="18" charset="0"/>
-              </a:rPr>
-              <a:t>Erkennung</a:t>
-            </a:r>
-            <a:endParaRPr lang="en-AT" sz="2800" b="1" dirty="0">
-              <a:cs typeface="Times New Roman" panose="02020603050405020304" pitchFamily="18" charset="0"/>
-            </a:endParaRPr>
-          </a:p>
-        </p:txBody>
-      </p:sp>
-      <p:sp>
-        <p:nvSpPr>
-          <p:cNvPr id="17" name="TextBox 16">
-            <a:extLst>
-              <a:ext uri="{FF2B5EF4-FFF2-40B4-BE49-F238E27FC236}">
-                <a16:creationId xmlns:a16="http://schemas.microsoft.com/office/drawing/2014/main" id="{F7F39702-9F8E-AD49-99C5-13B89BDA93A1}"/>
-              </a:ext>
-            </a:extLst>
-          </p:cNvPr>
-          <p:cNvSpPr txBox="1"/>
-          <p:nvPr/>
-        </p:nvSpPr>
-        <p:spPr>
-          <a:xfrm>
-            <a:off x="5092222" y="4534779"/>
-            <a:ext cx="2005387" cy="523220"/>
+            <a:off x="1253765" y="2366129"/>
+            <a:ext cx="6372520" cy="523220"/>
           </a:xfrm>
           <a:prstGeom prst="rect">
             <a:avLst/>
@@ -7210,25 +7082,24 @@
           </a:bodyPr>
           <a:lstStyle/>
           <a:p>
-            <a:pPr algn="ctr"/>
-            <a:r>
-              <a:rPr lang="de-AT" sz="2800" b="1" dirty="0">
-                <a:cs typeface="Times New Roman" panose="02020603050405020304" pitchFamily="18" charset="0"/>
-              </a:rPr>
-              <a:t>Touchpad</a:t>
-            </a:r>
-            <a:endParaRPr lang="en-AT" sz="2800" b="1" dirty="0">
-              <a:cs typeface="Times New Roman" panose="02020603050405020304" pitchFamily="18" charset="0"/>
-            </a:endParaRPr>
-          </a:p>
-        </p:txBody>
-      </p:sp>
-      <p:sp>
-        <p:nvSpPr>
-          <p:cNvPr id="20" name="TextBox 19">
-            <a:extLst>
-              <a:ext uri="{FF2B5EF4-FFF2-40B4-BE49-F238E27FC236}">
-                <a16:creationId xmlns:a16="http://schemas.microsoft.com/office/drawing/2014/main" id="{BBB2EF3A-2FF3-3B4C-B0C5-ADDDFCDBF090}"/>
+            <a:r>
+              <a:rPr lang="de-DE" sz="2800" dirty="0"/>
+              <a:t>Kein schulischer Assistent auf </a:t>
+            </a:r>
+            <a:r>
+              <a:rPr lang="de-DE" sz="2800" dirty="0" err="1"/>
+              <a:t>Discord</a:t>
+            </a:r>
+            <a:endParaRPr lang="de-AT" sz="2800" dirty="0"/>
+          </a:p>
+        </p:txBody>
+      </p:sp>
+      <p:sp>
+        <p:nvSpPr>
+          <p:cNvPr id="4" name="Textfeld 3">
+            <a:extLst>
+              <a:ext uri="{FF2B5EF4-FFF2-40B4-BE49-F238E27FC236}">
+                <a16:creationId xmlns:a16="http://schemas.microsoft.com/office/drawing/2014/main" id="{258C67A8-8E30-4D82-9E08-8FF4E3382A09}"/>
               </a:ext>
             </a:extLst>
           </p:cNvPr>
@@ -7237,8 +7108,8 @@
         </p:nvSpPr>
         <p:spPr>
           <a:xfrm>
-            <a:off x="8599408" y="4560178"/>
-            <a:ext cx="2211558" cy="523220"/>
+            <a:off x="1253764" y="4322594"/>
+            <a:ext cx="3502115" cy="523220"/>
           </a:xfrm>
           <a:prstGeom prst="rect">
             <a:avLst/>
@@ -7251,126 +7122,67 @@
           </a:bodyPr>
           <a:lstStyle/>
           <a:p>
-            <a:pPr algn="ctr"/>
-            <a:r>
-              <a:rPr lang="de-AT" sz="2800" b="1" dirty="0">
-                <a:cs typeface="Times New Roman" panose="02020603050405020304" pitchFamily="18" charset="0"/>
-              </a:rPr>
-              <a:t>Schul-Guide</a:t>
-            </a:r>
-            <a:endParaRPr lang="en-AT" sz="2800" b="1" dirty="0">
-              <a:cs typeface="Times New Roman" panose="02020603050405020304" pitchFamily="18" charset="0"/>
-            </a:endParaRPr>
-          </a:p>
-        </p:txBody>
-      </p:sp>
-      <p:pic>
-        <p:nvPicPr>
-          <p:cNvPr id="4" name="Picture 3" descr="A picture containing text, electronics&#10;&#10;Description automatically generated">
-            <a:extLst>
-              <a:ext uri="{FF2B5EF4-FFF2-40B4-BE49-F238E27FC236}">
-                <a16:creationId xmlns:a16="http://schemas.microsoft.com/office/drawing/2014/main" id="{E956A3A9-E60E-0A4B-948F-AEE1BA5E0232}"/>
-              </a:ext>
-            </a:extLst>
-          </p:cNvPr>
-          <p:cNvPicPr>
-            <a:picLocks noChangeAspect="1"/>
-          </p:cNvPicPr>
+            <a:r>
+              <a:rPr lang="de-DE" sz="2800" dirty="0"/>
+              <a:t>Lernhilfe auf Servern</a:t>
+            </a:r>
+            <a:endParaRPr lang="de-AT" sz="2800" dirty="0"/>
+          </a:p>
+        </p:txBody>
+      </p:sp>
+      <p:sp>
+        <p:nvSpPr>
+          <p:cNvPr id="5" name="Textfeld 4">
+            <a:extLst>
+              <a:ext uri="{FF2B5EF4-FFF2-40B4-BE49-F238E27FC236}">
+                <a16:creationId xmlns:a16="http://schemas.microsoft.com/office/drawing/2014/main" id="{7B32FFDD-40E7-4208-98FF-7FE3DC9EC648}"/>
+              </a:ext>
+            </a:extLst>
+          </p:cNvPr>
+          <p:cNvSpPr txBox="1"/>
           <p:nvPr/>
-        </p:nvPicPr>
-        <p:blipFill>
-          <a:blip r:embed="rId4"/>
-          <a:stretch>
-            <a:fillRect/>
-          </a:stretch>
-        </p:blipFill>
-        <p:spPr>
-          <a:xfrm>
-            <a:off x="4989136" y="2348620"/>
-            <a:ext cx="2211558" cy="2211558"/>
-          </a:xfrm>
-          <a:prstGeom prst="rect">
-            <a:avLst/>
-          </a:prstGeom>
-        </p:spPr>
-      </p:pic>
-      <p:pic>
-        <p:nvPicPr>
-          <p:cNvPr id="21" name="Picture 20" descr="A picture containing text, sign&#10;&#10;Description automatically generated">
-            <a:extLst>
-              <a:ext uri="{FF2B5EF4-FFF2-40B4-BE49-F238E27FC236}">
-                <a16:creationId xmlns:a16="http://schemas.microsoft.com/office/drawing/2014/main" id="{2EB41935-C4E4-224D-9B2E-149CEFE514CE}"/>
-              </a:ext>
-            </a:extLst>
-          </p:cNvPr>
-          <p:cNvPicPr>
-            <a:picLocks noChangeAspect="1"/>
-          </p:cNvPicPr>
-          <p:nvPr/>
-        </p:nvPicPr>
-        <p:blipFill>
-          <a:blip r:embed="rId5"/>
-          <a:stretch>
-            <a:fillRect/>
-          </a:stretch>
-        </p:blipFill>
-        <p:spPr>
-          <a:xfrm>
-            <a:off x="1523483" y="2323221"/>
-            <a:ext cx="2211558" cy="2211558"/>
-          </a:xfrm>
-          <a:prstGeom prst="rect">
-            <a:avLst/>
-          </a:prstGeom>
-        </p:spPr>
-      </p:pic>
-      <p:pic>
-        <p:nvPicPr>
-          <p:cNvPr id="23" name="Picture 22" descr="Icon&#10;&#10;Description automatically generated">
-            <a:extLst>
-              <a:ext uri="{FF2B5EF4-FFF2-40B4-BE49-F238E27FC236}">
-                <a16:creationId xmlns:a16="http://schemas.microsoft.com/office/drawing/2014/main" id="{D5CC45FE-6250-1A4F-A42E-DE3F3B3EEAAD}"/>
-              </a:ext>
-            </a:extLst>
-          </p:cNvPr>
-          <p:cNvPicPr>
-            <a:picLocks noChangeAspect="1"/>
-          </p:cNvPicPr>
-          <p:nvPr/>
-        </p:nvPicPr>
-        <p:blipFill>
-          <a:blip r:embed="rId6"/>
-          <a:stretch>
-            <a:fillRect/>
-          </a:stretch>
-        </p:blipFill>
-        <p:spPr>
-          <a:xfrm>
-            <a:off x="9097858" y="2214924"/>
-            <a:ext cx="1214658" cy="2129811"/>
-          </a:xfrm>
-          <a:prstGeom prst="rect">
-            <a:avLst/>
-          </a:prstGeom>
-        </p:spPr>
-      </p:pic>
+        </p:nvSpPr>
+        <p:spPr>
+          <a:xfrm>
+            <a:off x="6740165" y="3483331"/>
+            <a:ext cx="4072380" cy="523220"/>
+          </a:xfrm>
+          <a:prstGeom prst="rect">
+            <a:avLst/>
+          </a:prstGeom>
+          <a:noFill/>
+        </p:spPr>
+        <p:txBody>
+          <a:bodyPr wrap="square" rtlCol="0">
+            <a:spAutoFit/>
+          </a:bodyPr>
+          <a:lstStyle/>
+          <a:p>
+            <a:r>
+              <a:rPr lang="de-DE" sz="2800" dirty="0"/>
+              <a:t>Hausübungs-Manager</a:t>
+            </a:r>
+            <a:endParaRPr lang="de-AT" sz="2800" dirty="0"/>
+          </a:p>
+        </p:txBody>
+      </p:sp>
     </p:spTree>
     <p:extLst>
       <p:ext uri="{BB962C8B-B14F-4D97-AF65-F5344CB8AC3E}">
-        <p14:creationId xmlns:p14="http://schemas.microsoft.com/office/powerpoint/2010/main" val="781138951"/>
+        <p14:creationId xmlns:p14="http://schemas.microsoft.com/office/powerpoint/2010/main" val="4242481001"/>
       </p:ext>
     </p:extLst>
   </p:cSld>
   <p:clrMapOvr>
     <a:masterClrMapping/>
   </p:clrMapOvr>
-  <mc:AlternateContent xmlns:mc="http://schemas.openxmlformats.org/markup-compatibility/2006" xmlns:p159="http://schemas.microsoft.com/office/powerpoint/2015/09/main">
-    <mc:Choice Requires="p159">
+  <mc:AlternateContent xmlns:mc="http://schemas.openxmlformats.org/markup-compatibility/2006">
+    <mc:Choice xmlns:p159="http://schemas.microsoft.com/office/powerpoint/2015/09/main" Requires="p159">
       <p:transition xmlns:p14="http://schemas.microsoft.com/office/powerpoint/2010/main" spd="slow" p14:dur="2000">
         <p159:morph option="byObject"/>
       </p:transition>
     </mc:Choice>
-    <mc:Fallback xmlns="">
+    <mc:Fallback>
       <p:transition spd="slow">
         <p:fade/>
       </p:transition>
@@ -7382,14 +7194,6 @@
 <file path=ppt/slides/slide8.xml><?xml version="1.0" encoding="utf-8"?>
 <p:sld xmlns:a="http://schemas.openxmlformats.org/drawingml/2006/main" xmlns:r="http://schemas.openxmlformats.org/officeDocument/2006/relationships" xmlns:p="http://schemas.openxmlformats.org/presentationml/2006/main">
   <p:cSld>
-    <p:bg>
-      <p:bgPr>
-        <a:solidFill>
-          <a:srgbClr val="F6F6F6"/>
-        </a:solidFill>
-        <a:effectLst/>
-      </p:bgPr>
-    </p:bg>
     <p:spTree>
       <p:nvGrpSpPr>
         <p:cNvPr id="1" name=""/>
@@ -7406,6 +7210,36 @@
       </p:grpSpPr>
       <p:pic>
         <p:nvPicPr>
+          <p:cNvPr id="4" name="Picture 3" descr="Icon&#10;&#10;Description automatically generated">
+            <a:extLst>
+              <a:ext uri="{FF2B5EF4-FFF2-40B4-BE49-F238E27FC236}">
+                <a16:creationId xmlns:a16="http://schemas.microsoft.com/office/drawing/2014/main" id="{66C7FB32-8660-C54E-85D8-CC5B5CDF036E}"/>
+              </a:ext>
+            </a:extLst>
+          </p:cNvPr>
+          <p:cNvPicPr>
+            <a:picLocks noChangeAspect="1"/>
+          </p:cNvPicPr>
+          <p:nvPr/>
+        </p:nvPicPr>
+        <p:blipFill>
+          <a:blip r:embed="rId3"/>
+          <a:stretch>
+            <a:fillRect/>
+          </a:stretch>
+        </p:blipFill>
+        <p:spPr>
+          <a:xfrm>
+            <a:off x="2825833" y="1589531"/>
+            <a:ext cx="6540334" cy="3678938"/>
+          </a:xfrm>
+          <a:prstGeom prst="rect">
+            <a:avLst/>
+          </a:prstGeom>
+        </p:spPr>
+      </p:pic>
+      <p:pic>
+        <p:nvPicPr>
           <p:cNvPr id="3" name="Picture 2" descr="Icon&#10;&#10;Description automatically generated">
             <a:extLst>
               <a:ext uri="{FF2B5EF4-FFF2-40B4-BE49-F238E27FC236}">
@@ -7419,13 +7253,13 @@
           <p:nvPr/>
         </p:nvPicPr>
         <p:blipFill rotWithShape="1">
-          <a:blip r:embed="rId3"/>
+          <a:blip r:embed="rId4"/>
           <a:srcRect l="26218" r="27384"/>
           <a:stretch/>
         </p:blipFill>
         <p:spPr>
           <a:xfrm>
-            <a:off x="1752113" y="586078"/>
+            <a:off x="-7802413" y="346084"/>
             <a:ext cx="4343887" cy="5685844"/>
           </a:xfrm>
           <a:prstGeom prst="rect">
@@ -7447,7 +7281,7 @@
         </p:nvSpPr>
         <p:spPr>
           <a:xfrm>
-            <a:off x="7339200" y="1399708"/>
+            <a:off x="-3100687" y="-2411750"/>
             <a:ext cx="3100687" cy="1446550"/>
           </a:xfrm>
           <a:prstGeom prst="rect">
@@ -7470,6 +7304,7 @@
                     <a:lumOff val="40000"/>
                   </a:schemeClr>
                 </a:solidFill>
+                <a:latin typeface="Times New Roman" panose="02020603050405020304" pitchFamily="18" charset="0"/>
                 <a:cs typeface="Times New Roman" panose="02020603050405020304" pitchFamily="18" charset="0"/>
               </a:rPr>
               <a:t>Ideen</a:t>
@@ -7491,8 +7326,8 @@
         </p:nvSpPr>
         <p:spPr>
           <a:xfrm>
-            <a:off x="7383858" y="2846258"/>
-            <a:ext cx="3056029" cy="523220"/>
+            <a:off x="4534163" y="506973"/>
+            <a:ext cx="3123676" cy="830997"/>
           </a:xfrm>
           <a:prstGeom prst="rect">
             <a:avLst/>
@@ -7505,9 +7340,101 @@
           </a:bodyPr>
           <a:lstStyle/>
           <a:p>
+            <a:pPr algn="ctr"/>
+            <a:r>
+              <a:rPr lang="en-AT" sz="4800" b="1" dirty="0">
+                <a:cs typeface="Times New Roman" panose="02020603050405020304" pitchFamily="18" charset="0"/>
+              </a:rPr>
+              <a:t>Discord Bot</a:t>
+            </a:r>
+          </a:p>
+        </p:txBody>
+      </p:sp>
+      <p:sp>
+        <p:nvSpPr>
+          <p:cNvPr id="9" name="TextBox 8">
+            <a:extLst>
+              <a:ext uri="{FF2B5EF4-FFF2-40B4-BE49-F238E27FC236}">
+                <a16:creationId xmlns:a16="http://schemas.microsoft.com/office/drawing/2014/main" id="{D2C886DF-CBCA-F34F-B479-892C3CA6293D}"/>
+              </a:ext>
+            </a:extLst>
+          </p:cNvPr>
+          <p:cNvSpPr txBox="1"/>
+          <p:nvPr/>
+        </p:nvSpPr>
+        <p:spPr>
+          <a:xfrm>
+            <a:off x="12750800" y="8305800"/>
+            <a:ext cx="1782860" cy="523220"/>
+          </a:xfrm>
+          <a:prstGeom prst="rect">
+            <a:avLst/>
+          </a:prstGeom>
+          <a:noFill/>
+        </p:spPr>
+        <p:txBody>
+          <a:bodyPr wrap="none" rtlCol="0">
+            <a:spAutoFit/>
+          </a:bodyPr>
+          <a:lstStyle/>
+          <a:p>
             <a:pPr algn="r"/>
             <a:r>
               <a:rPr lang="en-AT" sz="2800" b="1" dirty="0">
+                <a:latin typeface="Times New Roman" panose="02020603050405020304" pitchFamily="18" charset="0"/>
+                <a:cs typeface="Times New Roman" panose="02020603050405020304" pitchFamily="18" charset="0"/>
+              </a:rPr>
+              <a:t>N</a:t>
+            </a:r>
+            <a:r>
+              <a:rPr lang="en-GB" sz="2800" b="1" dirty="0">
+                <a:latin typeface="Times New Roman" panose="02020603050405020304" pitchFamily="18" charset="0"/>
+                <a:cs typeface="Times New Roman" panose="02020603050405020304" pitchFamily="18" charset="0"/>
+              </a:rPr>
+              <a:t>o</a:t>
+            </a:r>
+            <a:r>
+              <a:rPr lang="en-AT" sz="2800" b="1" dirty="0">
+                <a:latin typeface="Times New Roman" panose="02020603050405020304" pitchFamily="18" charset="0"/>
+                <a:cs typeface="Times New Roman" panose="02020603050405020304" pitchFamily="18" charset="0"/>
+              </a:rPr>
+              <a:t>tiz-App</a:t>
+            </a:r>
+          </a:p>
+        </p:txBody>
+      </p:sp>
+      <p:sp>
+        <p:nvSpPr>
+          <p:cNvPr id="11" name="TextBox 10">
+            <a:extLst>
+              <a:ext uri="{FF2B5EF4-FFF2-40B4-BE49-F238E27FC236}">
+                <a16:creationId xmlns:a16="http://schemas.microsoft.com/office/drawing/2014/main" id="{72C80FF4-BB34-EC48-A993-06009B12BFC4}"/>
+              </a:ext>
+            </a:extLst>
+          </p:cNvPr>
+          <p:cNvSpPr txBox="1"/>
+          <p:nvPr/>
+        </p:nvSpPr>
+        <p:spPr>
+          <a:xfrm>
+            <a:off x="-3239028" y="-965200"/>
+            <a:ext cx="3239028" cy="523220"/>
+          </a:xfrm>
+          <a:prstGeom prst="rect">
+            <a:avLst/>
+          </a:prstGeom>
+          <a:noFill/>
+        </p:spPr>
+        <p:txBody>
+          <a:bodyPr wrap="none" rtlCol="0">
+            <a:spAutoFit/>
+          </a:bodyPr>
+          <a:lstStyle/>
+          <a:p>
+            <a:pPr algn="r"/>
+            <a:r>
+              <a:rPr lang="en-AT" sz="2800" b="1" dirty="0">
+                <a:latin typeface="Times New Roman" panose="02020603050405020304" pitchFamily="18" charset="0"/>
                 <a:cs typeface="Times New Roman" panose="02020603050405020304" pitchFamily="18" charset="0"/>
               </a:rPr>
               <a:t>Online Vokabelheft</a:t>
@@ -7517,10 +7444,10 @@
       </p:sp>
       <p:sp>
         <p:nvSpPr>
-          <p:cNvPr id="8" name="TextBox 7">
-            <a:extLst>
-              <a:ext uri="{FF2B5EF4-FFF2-40B4-BE49-F238E27FC236}">
-                <a16:creationId xmlns:a16="http://schemas.microsoft.com/office/drawing/2014/main" id="{6FB478D6-92A7-C44E-97D7-71B63EB20D8C}"/>
+          <p:cNvPr id="15" name="TextBox 14">
+            <a:extLst>
+              <a:ext uri="{FF2B5EF4-FFF2-40B4-BE49-F238E27FC236}">
+                <a16:creationId xmlns:a16="http://schemas.microsoft.com/office/drawing/2014/main" id="{421B60CA-B84D-9B42-9E29-12FB0B9A5BB3}"/>
               </a:ext>
             </a:extLst>
           </p:cNvPr>
@@ -7529,8 +7456,56 @@
         </p:nvSpPr>
         <p:spPr>
           <a:xfrm>
-            <a:off x="8539688" y="3488523"/>
-            <a:ext cx="1900199" cy="523220"/>
+            <a:off x="1073444" y="2890391"/>
+            <a:ext cx="2158789" cy="1077218"/>
+          </a:xfrm>
+          <a:prstGeom prst="rect">
+            <a:avLst/>
+          </a:prstGeom>
+          <a:noFill/>
+        </p:spPr>
+        <p:txBody>
+          <a:bodyPr wrap="square" rtlCol="0">
+            <a:spAutoFit/>
+          </a:bodyPr>
+          <a:lstStyle/>
+          <a:p>
+            <a:r>
+              <a:rPr lang="de-AT" sz="3200" b="1" dirty="0">
+                <a:cs typeface="Times New Roman" panose="02020603050405020304" pitchFamily="18" charset="0"/>
+              </a:rPr>
+              <a:t>künstliche </a:t>
+            </a:r>
+          </a:p>
+          <a:p>
+            <a:r>
+              <a:rPr lang="de-AT" sz="3200" b="1" dirty="0">
+                <a:cs typeface="Times New Roman" panose="02020603050405020304" pitchFamily="18" charset="0"/>
+              </a:rPr>
+              <a:t>Intelligenz</a:t>
+            </a:r>
+            <a:endParaRPr lang="en-AT" sz="3200" b="1" dirty="0">
+              <a:cs typeface="Times New Roman" panose="02020603050405020304" pitchFamily="18" charset="0"/>
+            </a:endParaRPr>
+          </a:p>
+        </p:txBody>
+      </p:sp>
+      <p:sp>
+        <p:nvSpPr>
+          <p:cNvPr id="16" name="TextBox 15">
+            <a:extLst>
+              <a:ext uri="{FF2B5EF4-FFF2-40B4-BE49-F238E27FC236}">
+                <a16:creationId xmlns:a16="http://schemas.microsoft.com/office/drawing/2014/main" id="{6B5C0CB3-3B54-4D42-AA47-AFB2F29D1DA7}"/>
+              </a:ext>
+            </a:extLst>
+          </p:cNvPr>
+          <p:cNvSpPr txBox="1"/>
+          <p:nvPr/>
+        </p:nvSpPr>
+        <p:spPr>
+          <a:xfrm>
+            <a:off x="9037676" y="2890391"/>
+            <a:ext cx="1703350" cy="1077218"/>
           </a:xfrm>
           <a:prstGeom prst="rect">
             <a:avLst/>
@@ -7545,346 +7520,30 @@
           <a:p>
             <a:pPr algn="r"/>
             <a:r>
-              <a:rPr lang="en-AT" sz="2800" b="1" dirty="0">
+              <a:rPr lang="de-AT" sz="3200" b="1" dirty="0">
                 <a:cs typeface="Times New Roman" panose="02020603050405020304" pitchFamily="18" charset="0"/>
               </a:rPr>
-              <a:t>Discord Bot</a:t>
-            </a:r>
-          </a:p>
-        </p:txBody>
-      </p:sp>
-      <p:sp>
-        <p:nvSpPr>
-          <p:cNvPr id="9" name="TextBox 8">
-            <a:extLst>
-              <a:ext uri="{FF2B5EF4-FFF2-40B4-BE49-F238E27FC236}">
-                <a16:creationId xmlns:a16="http://schemas.microsoft.com/office/drawing/2014/main" id="{D2C886DF-CBCA-F34F-B479-892C3CA6293D}"/>
-              </a:ext>
-            </a:extLst>
-          </p:cNvPr>
-          <p:cNvSpPr txBox="1"/>
-          <p:nvPr/>
-        </p:nvSpPr>
-        <p:spPr>
-          <a:xfrm>
-            <a:off x="8756413" y="4130788"/>
-            <a:ext cx="1683474" cy="523220"/>
-          </a:xfrm>
-          <a:prstGeom prst="rect">
-            <a:avLst/>
-          </a:prstGeom>
-          <a:noFill/>
-        </p:spPr>
-        <p:txBody>
-          <a:bodyPr wrap="none" rtlCol="0">
-            <a:spAutoFit/>
-          </a:bodyPr>
-          <a:lstStyle/>
+              <a:t>Web</a:t>
+            </a:r>
+          </a:p>
           <a:p>
             <a:pPr algn="r"/>
             <a:r>
-              <a:rPr lang="en-AT" sz="2800" b="1" dirty="0">
+              <a:rPr lang="de-AT" sz="3200" b="1" dirty="0">
                 <a:cs typeface="Times New Roman" panose="02020603050405020304" pitchFamily="18" charset="0"/>
               </a:rPr>
-              <a:t>N</a:t>
-            </a:r>
-            <a:r>
-              <a:rPr lang="en-GB" sz="2800" b="1" dirty="0">
-                <a:cs typeface="Times New Roman" panose="02020603050405020304" pitchFamily="18" charset="0"/>
-              </a:rPr>
-              <a:t>o</a:t>
-            </a:r>
-            <a:r>
-              <a:rPr lang="en-AT" sz="2800" b="1" dirty="0">
-                <a:cs typeface="Times New Roman" panose="02020603050405020304" pitchFamily="18" charset="0"/>
-              </a:rPr>
-              <a:t>tiz-App</a:t>
-            </a:r>
-          </a:p>
-        </p:txBody>
-      </p:sp>
-      <p:sp>
-        <p:nvSpPr>
-          <p:cNvPr id="24" name="TextBox 23">
-            <a:extLst>
-              <a:ext uri="{FF2B5EF4-FFF2-40B4-BE49-F238E27FC236}">
-                <a16:creationId xmlns:a16="http://schemas.microsoft.com/office/drawing/2014/main" id="{A1DD8EBB-2D9F-8C4C-959E-1DBAD8BD4BF0}"/>
-              </a:ext>
-            </a:extLst>
-          </p:cNvPr>
-          <p:cNvSpPr txBox="1"/>
-          <p:nvPr/>
-        </p:nvSpPr>
-        <p:spPr>
-          <a:xfrm>
-            <a:off x="1669187" y="10077152"/>
-            <a:ext cx="1922321" cy="954107"/>
-          </a:xfrm>
-          <a:prstGeom prst="rect">
-            <a:avLst/>
-          </a:prstGeom>
-          <a:noFill/>
-        </p:spPr>
-        <p:txBody>
-          <a:bodyPr wrap="none" rtlCol="0">
-            <a:spAutoFit/>
-          </a:bodyPr>
-          <a:lstStyle/>
-          <a:p>
-            <a:pPr algn="ctr"/>
-            <a:r>
-              <a:rPr lang="de-AT" sz="2800" b="1" dirty="0">
-                <a:latin typeface="Times New Roman" panose="02020603050405020304" pitchFamily="18" charset="0"/>
-                <a:cs typeface="Times New Roman" panose="02020603050405020304" pitchFamily="18" charset="0"/>
-              </a:rPr>
-              <a:t>Foto</a:t>
-            </a:r>
-          </a:p>
-          <a:p>
-            <a:pPr algn="ctr"/>
-            <a:r>
-              <a:rPr lang="de-AT" sz="2800" b="1" dirty="0">
-                <a:latin typeface="Times New Roman" panose="02020603050405020304" pitchFamily="18" charset="0"/>
-                <a:cs typeface="Times New Roman" panose="02020603050405020304" pitchFamily="18" charset="0"/>
-              </a:rPr>
-              <a:t>Erkennung</a:t>
-            </a:r>
-            <a:endParaRPr lang="en-AT" sz="2800" b="1" dirty="0">
-              <a:latin typeface="Times New Roman" panose="02020603050405020304" pitchFamily="18" charset="0"/>
+              <a:t>Interface</a:t>
+            </a:r>
+            <a:endParaRPr lang="en-AT" sz="3200" b="1" dirty="0">
               <a:cs typeface="Times New Roman" panose="02020603050405020304" pitchFamily="18" charset="0"/>
             </a:endParaRPr>
-          </a:p>
-        </p:txBody>
-      </p:sp>
-      <p:sp>
-        <p:nvSpPr>
-          <p:cNvPr id="25" name="TextBox 24">
-            <a:extLst>
-              <a:ext uri="{FF2B5EF4-FFF2-40B4-BE49-F238E27FC236}">
-                <a16:creationId xmlns:a16="http://schemas.microsoft.com/office/drawing/2014/main" id="{6F4F1C22-DE81-C54E-847C-9FF31312D374}"/>
-              </a:ext>
-            </a:extLst>
-          </p:cNvPr>
-          <p:cNvSpPr txBox="1"/>
-          <p:nvPr/>
-        </p:nvSpPr>
-        <p:spPr>
-          <a:xfrm>
-            <a:off x="5093307" y="10267196"/>
-            <a:ext cx="2005387" cy="523220"/>
-          </a:xfrm>
-          <a:prstGeom prst="rect">
-            <a:avLst/>
-          </a:prstGeom>
-          <a:noFill/>
-        </p:spPr>
-        <p:txBody>
-          <a:bodyPr wrap="square" rtlCol="0">
-            <a:spAutoFit/>
-          </a:bodyPr>
-          <a:lstStyle/>
-          <a:p>
-            <a:pPr algn="ctr"/>
-            <a:r>
-              <a:rPr lang="de-AT" sz="2800" b="1" dirty="0">
-                <a:latin typeface="Times New Roman" panose="02020603050405020304" pitchFamily="18" charset="0"/>
-                <a:cs typeface="Times New Roman" panose="02020603050405020304" pitchFamily="18" charset="0"/>
-              </a:rPr>
-              <a:t>Touchpad</a:t>
-            </a:r>
-            <a:endParaRPr lang="en-AT" sz="2800" b="1" dirty="0">
-              <a:latin typeface="Times New Roman" panose="02020603050405020304" pitchFamily="18" charset="0"/>
-              <a:cs typeface="Times New Roman" panose="02020603050405020304" pitchFamily="18" charset="0"/>
-            </a:endParaRPr>
-          </a:p>
-        </p:txBody>
-      </p:sp>
-      <p:sp>
-        <p:nvSpPr>
-          <p:cNvPr id="26" name="TextBox 25">
-            <a:extLst>
-              <a:ext uri="{FF2B5EF4-FFF2-40B4-BE49-F238E27FC236}">
-                <a16:creationId xmlns:a16="http://schemas.microsoft.com/office/drawing/2014/main" id="{53CF698A-ECC5-9C41-BBAB-FF5FC7A52907}"/>
-              </a:ext>
-            </a:extLst>
-          </p:cNvPr>
-          <p:cNvSpPr txBox="1"/>
-          <p:nvPr/>
-        </p:nvSpPr>
-        <p:spPr>
-          <a:xfrm>
-            <a:off x="8600493" y="10292595"/>
-            <a:ext cx="2211558" cy="523220"/>
-          </a:xfrm>
-          <a:prstGeom prst="rect">
-            <a:avLst/>
-          </a:prstGeom>
-          <a:noFill/>
-        </p:spPr>
-        <p:txBody>
-          <a:bodyPr wrap="square" rtlCol="0">
-            <a:spAutoFit/>
-          </a:bodyPr>
-          <a:lstStyle/>
-          <a:p>
-            <a:pPr algn="ctr"/>
-            <a:r>
-              <a:rPr lang="de-AT" sz="2800" b="1" dirty="0">
-                <a:latin typeface="Times New Roman" panose="02020603050405020304" pitchFamily="18" charset="0"/>
-                <a:cs typeface="Times New Roman" panose="02020603050405020304" pitchFamily="18" charset="0"/>
-              </a:rPr>
-              <a:t>Schul-Guide</a:t>
-            </a:r>
-            <a:endParaRPr lang="en-AT" sz="2800" b="1" dirty="0">
-              <a:latin typeface="Times New Roman" panose="02020603050405020304" pitchFamily="18" charset="0"/>
-              <a:cs typeface="Times New Roman" panose="02020603050405020304" pitchFamily="18" charset="0"/>
-            </a:endParaRPr>
-          </a:p>
-        </p:txBody>
-      </p:sp>
-      <p:pic>
-        <p:nvPicPr>
-          <p:cNvPr id="27" name="Picture 26" descr="A picture containing text, electronics&#10;&#10;Description automatically generated">
-            <a:extLst>
-              <a:ext uri="{FF2B5EF4-FFF2-40B4-BE49-F238E27FC236}">
-                <a16:creationId xmlns:a16="http://schemas.microsoft.com/office/drawing/2014/main" id="{222EB064-2ECA-DA48-8BC8-263D3CA4BF46}"/>
-              </a:ext>
-            </a:extLst>
-          </p:cNvPr>
-          <p:cNvPicPr>
-            <a:picLocks noChangeAspect="1"/>
-          </p:cNvPicPr>
-          <p:nvPr/>
-        </p:nvPicPr>
-        <p:blipFill>
-          <a:blip r:embed="rId4"/>
-          <a:stretch>
-            <a:fillRect/>
-          </a:stretch>
-        </p:blipFill>
-        <p:spPr>
-          <a:xfrm>
-            <a:off x="4990221" y="8081037"/>
-            <a:ext cx="2211558" cy="2211558"/>
-          </a:xfrm>
-          <a:prstGeom prst="rect">
-            <a:avLst/>
-          </a:prstGeom>
-        </p:spPr>
-      </p:pic>
-      <p:pic>
-        <p:nvPicPr>
-          <p:cNvPr id="28" name="Picture 27" descr="A picture containing text, sign&#10;&#10;Description automatically generated">
-            <a:extLst>
-              <a:ext uri="{FF2B5EF4-FFF2-40B4-BE49-F238E27FC236}">
-                <a16:creationId xmlns:a16="http://schemas.microsoft.com/office/drawing/2014/main" id="{A376108C-7E1F-264E-9E75-DBA77520FAA0}"/>
-              </a:ext>
-            </a:extLst>
-          </p:cNvPr>
-          <p:cNvPicPr>
-            <a:picLocks noChangeAspect="1"/>
-          </p:cNvPicPr>
-          <p:nvPr/>
-        </p:nvPicPr>
-        <p:blipFill>
-          <a:blip r:embed="rId5"/>
-          <a:stretch>
-            <a:fillRect/>
-          </a:stretch>
-        </p:blipFill>
-        <p:spPr>
-          <a:xfrm>
-            <a:off x="1524568" y="8055638"/>
-            <a:ext cx="2211558" cy="2211558"/>
-          </a:xfrm>
-          <a:prstGeom prst="rect">
-            <a:avLst/>
-          </a:prstGeom>
-        </p:spPr>
-      </p:pic>
-      <p:pic>
-        <p:nvPicPr>
-          <p:cNvPr id="29" name="Picture 28" descr="Icon&#10;&#10;Description automatically generated">
-            <a:extLst>
-              <a:ext uri="{FF2B5EF4-FFF2-40B4-BE49-F238E27FC236}">
-                <a16:creationId xmlns:a16="http://schemas.microsoft.com/office/drawing/2014/main" id="{5C53C29E-1810-7C41-B7C3-CAEC603795E8}"/>
-              </a:ext>
-            </a:extLst>
-          </p:cNvPr>
-          <p:cNvPicPr>
-            <a:picLocks noChangeAspect="1"/>
-          </p:cNvPicPr>
-          <p:nvPr/>
-        </p:nvPicPr>
-        <p:blipFill>
-          <a:blip r:embed="rId6"/>
-          <a:stretch>
-            <a:fillRect/>
-          </a:stretch>
-        </p:blipFill>
-        <p:spPr>
-          <a:xfrm>
-            <a:off x="9098943" y="7947341"/>
-            <a:ext cx="1214658" cy="2129811"/>
-          </a:xfrm>
-          <a:prstGeom prst="rect">
-            <a:avLst/>
-          </a:prstGeom>
-        </p:spPr>
-      </p:pic>
-      <p:sp>
-        <p:nvSpPr>
-          <p:cNvPr id="18" name="TextBox 17">
-            <a:extLst>
-              <a:ext uri="{FF2B5EF4-FFF2-40B4-BE49-F238E27FC236}">
-                <a16:creationId xmlns:a16="http://schemas.microsoft.com/office/drawing/2014/main" id="{5C63B347-A8D2-7446-8816-F35E83EA026C}"/>
-              </a:ext>
-            </a:extLst>
-          </p:cNvPr>
-          <p:cNvSpPr txBox="1"/>
-          <p:nvPr/>
-        </p:nvSpPr>
-        <p:spPr>
-          <a:xfrm>
-            <a:off x="3680986" y="11031259"/>
-            <a:ext cx="4750018" cy="1200329"/>
-          </a:xfrm>
-          <a:prstGeom prst="rect">
-            <a:avLst/>
-          </a:prstGeom>
-          <a:noFill/>
-        </p:spPr>
-        <p:txBody>
-          <a:bodyPr wrap="none" rtlCol="0">
-            <a:spAutoFit/>
-          </a:bodyPr>
-          <a:lstStyle/>
-          <a:p>
-            <a:pPr algn="ctr"/>
-            <a:r>
-              <a:rPr lang="en-AT" sz="3600" b="1" dirty="0">
-                <a:latin typeface="Times New Roman" panose="02020603050405020304" pitchFamily="18" charset="0"/>
-                <a:cs typeface="Times New Roman" panose="02020603050405020304" pitchFamily="18" charset="0"/>
-              </a:rPr>
-              <a:t>DANKE FÜR EURE </a:t>
-            </a:r>
-          </a:p>
-          <a:p>
-            <a:pPr algn="ctr"/>
-            <a:r>
-              <a:rPr lang="en-AT" sz="3600" b="1" dirty="0">
-                <a:latin typeface="Times New Roman" panose="02020603050405020304" pitchFamily="18" charset="0"/>
-                <a:cs typeface="Times New Roman" panose="02020603050405020304" pitchFamily="18" charset="0"/>
-              </a:rPr>
-              <a:t>AUFMERKSAMKEIT</a:t>
-            </a:r>
           </a:p>
         </p:txBody>
       </p:sp>
     </p:spTree>
     <p:extLst>
       <p:ext uri="{BB962C8B-B14F-4D97-AF65-F5344CB8AC3E}">
-        <p14:creationId xmlns:p14="http://schemas.microsoft.com/office/powerpoint/2010/main" val="539638358"/>
+        <p14:creationId xmlns:p14="http://schemas.microsoft.com/office/powerpoint/2010/main" val="3541498608"/>
       </p:ext>
     </p:extLst>
   </p:cSld>
@@ -7909,14 +7568,6 @@
 <file path=ppt/slides/slide9.xml><?xml version="1.0" encoding="utf-8"?>
 <p:sld xmlns:a="http://schemas.openxmlformats.org/drawingml/2006/main" xmlns:r="http://schemas.openxmlformats.org/officeDocument/2006/relationships" xmlns:p="http://schemas.openxmlformats.org/presentationml/2006/main">
   <p:cSld>
-    <p:bg>
-      <p:bgPr>
-        <a:solidFill>
-          <a:srgbClr val="F6F6F6"/>
-        </a:solidFill>
-        <a:effectLst/>
-      </p:bgPr>
-    </p:bg>
     <p:spTree>
       <p:nvGrpSpPr>
         <p:cNvPr id="1" name=""/>
@@ -7931,42 +7582,12 @@
           <a:chExt cx="0" cy="0"/>
         </a:xfrm>
       </p:grpSpPr>
-      <p:pic>
-        <p:nvPicPr>
-          <p:cNvPr id="6" name="Picture 5" descr="Icon&#10;&#10;Description automatically generated">
-            <a:extLst>
-              <a:ext uri="{FF2B5EF4-FFF2-40B4-BE49-F238E27FC236}">
-                <a16:creationId xmlns:a16="http://schemas.microsoft.com/office/drawing/2014/main" id="{E5D14A97-7143-8148-9714-3E7F4F5C82C6}"/>
-              </a:ext>
-            </a:extLst>
-          </p:cNvPr>
-          <p:cNvPicPr>
-            <a:picLocks noChangeAspect="1"/>
-          </p:cNvPicPr>
-          <p:nvPr/>
-        </p:nvPicPr>
-        <p:blipFill>
-          <a:blip r:embed="rId2"/>
-          <a:stretch>
-            <a:fillRect/>
-          </a:stretch>
-        </p:blipFill>
-        <p:spPr>
-          <a:xfrm>
-            <a:off x="3210494" y="1157010"/>
-            <a:ext cx="5771007" cy="3504832"/>
-          </a:xfrm>
-          <a:prstGeom prst="rect">
-            <a:avLst/>
-          </a:prstGeom>
-        </p:spPr>
-      </p:pic>
-      <p:sp>
-        <p:nvSpPr>
-          <p:cNvPr id="8" name="TextBox 7">
-            <a:extLst>
-              <a:ext uri="{FF2B5EF4-FFF2-40B4-BE49-F238E27FC236}">
-                <a16:creationId xmlns:a16="http://schemas.microsoft.com/office/drawing/2014/main" id="{4996F1BB-DE9E-0448-B735-430133447BD2}"/>
+      <p:sp>
+        <p:nvSpPr>
+          <p:cNvPr id="2" name="Textfeld 1">
+            <a:extLst>
+              <a:ext uri="{FF2B5EF4-FFF2-40B4-BE49-F238E27FC236}">
+                <a16:creationId xmlns:a16="http://schemas.microsoft.com/office/drawing/2014/main" id="{DE6B7B27-4093-4170-8081-D848C9B5CC42}"/>
               </a:ext>
             </a:extLst>
           </p:cNvPr>
@@ -7975,8 +7596,8 @@
         </p:nvSpPr>
         <p:spPr>
           <a:xfrm>
-            <a:off x="12192000" y="-1200329"/>
-            <a:ext cx="2390398" cy="1200329"/>
+            <a:off x="3635604" y="574316"/>
+            <a:ext cx="4920792" cy="769441"/>
           </a:xfrm>
           <a:prstGeom prst="rect">
             <a:avLst/>
@@ -7984,27 +7605,33 @@
           <a:noFill/>
         </p:spPr>
         <p:txBody>
-          <a:bodyPr wrap="none" rtlCol="0">
+          <a:bodyPr wrap="square" rtlCol="0">
             <a:spAutoFit/>
           </a:bodyPr>
           <a:lstStyle/>
           <a:p>
             <a:r>
-              <a:rPr lang="en-AT" sz="7200" b="1" dirty="0">
-                <a:latin typeface="Times New Roman" panose="02020603050405020304" pitchFamily="18" charset="0"/>
-                <a:cs typeface="Times New Roman" panose="02020603050405020304" pitchFamily="18" charset="0"/>
-              </a:rPr>
-              <a:t>Ideen</a:t>
-            </a:r>
-          </a:p>
-        </p:txBody>
-      </p:sp>
-      <p:sp>
-        <p:nvSpPr>
-          <p:cNvPr id="5" name="TextBox 4">
-            <a:extLst>
-              <a:ext uri="{FF2B5EF4-FFF2-40B4-BE49-F238E27FC236}">
-                <a16:creationId xmlns:a16="http://schemas.microsoft.com/office/drawing/2014/main" id="{23AD3BC7-7DEC-7344-B70C-6D5B1D5D7800}"/>
+              <a:rPr lang="de-DE" sz="4400" b="1" dirty="0"/>
+              <a:t>Technischer</a:t>
+            </a:r>
+            <a:r>
+              <a:rPr lang="de-DE" sz="2800" b="1" dirty="0"/>
+              <a:t> </a:t>
+            </a:r>
+            <a:r>
+              <a:rPr lang="de-DE" sz="4400" b="1" dirty="0"/>
+              <a:t>Ansatz</a:t>
+            </a:r>
+            <a:endParaRPr lang="de-AT" sz="2800" b="1" dirty="0"/>
+          </a:p>
+        </p:txBody>
+      </p:sp>
+      <p:sp>
+        <p:nvSpPr>
+          <p:cNvPr id="3" name="Textfeld 2">
+            <a:extLst>
+              <a:ext uri="{FF2B5EF4-FFF2-40B4-BE49-F238E27FC236}">
+                <a16:creationId xmlns:a16="http://schemas.microsoft.com/office/drawing/2014/main" id="{D7A9784B-1853-4ADB-B861-E43BF77A4AA9}"/>
               </a:ext>
             </a:extLst>
           </p:cNvPr>
@@ -8013,8 +7640,8 @@
         </p:nvSpPr>
         <p:spPr>
           <a:xfrm>
-            <a:off x="12192000" y="6858000"/>
-            <a:ext cx="3239028" cy="523220"/>
+            <a:off x="1989056" y="2290713"/>
+            <a:ext cx="2806044" cy="523220"/>
           </a:xfrm>
           <a:prstGeom prst="rect">
             <a:avLst/>
@@ -8022,28 +7649,25 @@
           <a:noFill/>
         </p:spPr>
         <p:txBody>
-          <a:bodyPr wrap="none" rtlCol="0">
+          <a:bodyPr wrap="square" rtlCol="0">
             <a:spAutoFit/>
           </a:bodyPr>
           <a:lstStyle/>
           <a:p>
-            <a:pPr algn="r"/>
-            <a:r>
-              <a:rPr lang="en-AT" sz="2800" b="1" dirty="0">
-                <a:latin typeface="Times New Roman" panose="02020603050405020304" pitchFamily="18" charset="0"/>
-                <a:cs typeface="Times New Roman" panose="02020603050405020304" pitchFamily="18" charset="0"/>
-              </a:rPr>
-              <a:t>Online Vokabelheft </a:t>
-            </a:r>
-          </a:p>
-        </p:txBody>
-      </p:sp>
-      <p:sp>
-        <p:nvSpPr>
-          <p:cNvPr id="7" name="TextBox 6">
-            <a:extLst>
-              <a:ext uri="{FF2B5EF4-FFF2-40B4-BE49-F238E27FC236}">
-                <a16:creationId xmlns:a16="http://schemas.microsoft.com/office/drawing/2014/main" id="{78962F9D-C754-8B4D-9B28-D8D4066E6CAD}"/>
+            <a:r>
+              <a:rPr lang="de-DE" sz="2800" dirty="0"/>
+              <a:t>SQL Datenbank</a:t>
+            </a:r>
+            <a:endParaRPr lang="de-AT" sz="2800" dirty="0"/>
+          </a:p>
+        </p:txBody>
+      </p:sp>
+      <p:sp>
+        <p:nvSpPr>
+          <p:cNvPr id="4" name="Textfeld 3">
+            <a:extLst>
+              <a:ext uri="{FF2B5EF4-FFF2-40B4-BE49-F238E27FC236}">
+                <a16:creationId xmlns:a16="http://schemas.microsoft.com/office/drawing/2014/main" id="{389DBC39-2CC9-4BF3-AAB0-282CD776E0A3}"/>
               </a:ext>
             </a:extLst>
           </p:cNvPr>
@@ -8051,9 +7675,9 @@
           <p:nvPr/>
         </p:nvSpPr>
         <p:spPr>
-          <a:xfrm>
-            <a:off x="13422145" y="7500265"/>
-            <a:ext cx="2008883" cy="523220"/>
+          <a:xfrm flipH="1">
+            <a:off x="5988929" y="3063711"/>
+            <a:ext cx="3994055" cy="523220"/>
           </a:xfrm>
           <a:prstGeom prst="rect">
             <a:avLst/>
@@ -8061,28 +7685,25 @@
           <a:noFill/>
         </p:spPr>
         <p:txBody>
-          <a:bodyPr wrap="none" rtlCol="0">
+          <a:bodyPr wrap="square" rtlCol="0">
             <a:spAutoFit/>
           </a:bodyPr>
           <a:lstStyle/>
           <a:p>
-            <a:pPr algn="r"/>
-            <a:r>
-              <a:rPr lang="en-AT" sz="2800" b="1" dirty="0">
-                <a:latin typeface="Times New Roman" panose="02020603050405020304" pitchFamily="18" charset="0"/>
-                <a:cs typeface="Times New Roman" panose="02020603050405020304" pitchFamily="18" charset="0"/>
-              </a:rPr>
-              <a:t>Discord Bot</a:t>
-            </a:r>
-          </a:p>
-        </p:txBody>
-      </p:sp>
-      <p:sp>
-        <p:nvSpPr>
-          <p:cNvPr id="9" name="TextBox 8">
-            <a:extLst>
-              <a:ext uri="{FF2B5EF4-FFF2-40B4-BE49-F238E27FC236}">
-                <a16:creationId xmlns:a16="http://schemas.microsoft.com/office/drawing/2014/main" id="{893CA51C-55AC-DD40-A99D-6D2B83EFCBD1}"/>
+            <a:r>
+              <a:rPr lang="de-DE" sz="2800" dirty="0"/>
+              <a:t>NODE.JS / HTML / CSS </a:t>
+            </a:r>
+            <a:endParaRPr lang="de-AT" sz="2800" dirty="0"/>
+          </a:p>
+        </p:txBody>
+      </p:sp>
+      <p:sp>
+        <p:nvSpPr>
+          <p:cNvPr id="5" name="Textfeld 4">
+            <a:extLst>
+              <a:ext uri="{FF2B5EF4-FFF2-40B4-BE49-F238E27FC236}">
+                <a16:creationId xmlns:a16="http://schemas.microsoft.com/office/drawing/2014/main" id="{817EB4D2-C58C-458E-8E90-B5FF58027A68}"/>
               </a:ext>
             </a:extLst>
           </p:cNvPr>
@@ -8091,8 +7712,8 @@
         </p:nvSpPr>
         <p:spPr>
           <a:xfrm>
-            <a:off x="13648168" y="8142530"/>
-            <a:ext cx="1782860" cy="523220"/>
+            <a:off x="2188365" y="4105623"/>
+            <a:ext cx="1657772" cy="523220"/>
           </a:xfrm>
           <a:prstGeom prst="rect">
             <a:avLst/>
@@ -8100,42 +7721,25 @@
           <a:noFill/>
         </p:spPr>
         <p:txBody>
-          <a:bodyPr wrap="none" rtlCol="0">
+          <a:bodyPr wrap="square" rtlCol="0">
             <a:spAutoFit/>
           </a:bodyPr>
           <a:lstStyle/>
           <a:p>
-            <a:pPr algn="r"/>
-            <a:r>
-              <a:rPr lang="en-AT" sz="2800" b="1" dirty="0">
-                <a:latin typeface="Times New Roman" panose="02020603050405020304" pitchFamily="18" charset="0"/>
-                <a:cs typeface="Times New Roman" panose="02020603050405020304" pitchFamily="18" charset="0"/>
-              </a:rPr>
-              <a:t>N</a:t>
-            </a:r>
-            <a:r>
-              <a:rPr lang="en-GB" sz="2800" b="1" dirty="0">
-                <a:latin typeface="Times New Roman" panose="02020603050405020304" pitchFamily="18" charset="0"/>
-                <a:cs typeface="Times New Roman" panose="02020603050405020304" pitchFamily="18" charset="0"/>
-              </a:rPr>
-              <a:t>o</a:t>
-            </a:r>
-            <a:r>
-              <a:rPr lang="en-AT" sz="2800" b="1" dirty="0">
-                <a:latin typeface="Times New Roman" panose="02020603050405020304" pitchFamily="18" charset="0"/>
-                <a:cs typeface="Times New Roman" panose="02020603050405020304" pitchFamily="18" charset="0"/>
-              </a:rPr>
-              <a:t>tiz-App</a:t>
-            </a:r>
-          </a:p>
-        </p:txBody>
-      </p:sp>
-      <p:sp>
-        <p:nvSpPr>
-          <p:cNvPr id="2" name="TextBox 1">
-            <a:extLst>
-              <a:ext uri="{FF2B5EF4-FFF2-40B4-BE49-F238E27FC236}">
-                <a16:creationId xmlns:a16="http://schemas.microsoft.com/office/drawing/2014/main" id="{26139D3C-28C3-854E-8E94-2BD04AB8F30D}"/>
+            <a:r>
+              <a:rPr lang="de-DE" sz="2800" dirty="0"/>
+              <a:t>Python</a:t>
+            </a:r>
+            <a:endParaRPr lang="de-AT" sz="2800" dirty="0"/>
+          </a:p>
+        </p:txBody>
+      </p:sp>
+      <p:sp>
+        <p:nvSpPr>
+          <p:cNvPr id="6" name="Textfeld 5">
+            <a:extLst>
+              <a:ext uri="{FF2B5EF4-FFF2-40B4-BE49-F238E27FC236}">
+                <a16:creationId xmlns:a16="http://schemas.microsoft.com/office/drawing/2014/main" id="{4BB6EFC4-787D-45BB-9C26-316569C0C3F2}"/>
               </a:ext>
             </a:extLst>
           </p:cNvPr>
@@ -8144,8 +7748,8 @@
         </p:nvSpPr>
         <p:spPr>
           <a:xfrm>
-            <a:off x="4178293" y="4661842"/>
-            <a:ext cx="3835410" cy="1200329"/>
+            <a:off x="6026549" y="4674008"/>
+            <a:ext cx="3777328" cy="523220"/>
           </a:xfrm>
           <a:prstGeom prst="rect">
             <a:avLst/>
@@ -8153,47 +7757,36 @@
           <a:noFill/>
         </p:spPr>
         <p:txBody>
-          <a:bodyPr wrap="none" rtlCol="0">
+          <a:bodyPr wrap="square" rtlCol="0">
             <a:spAutoFit/>
           </a:bodyPr>
           <a:lstStyle/>
           <a:p>
-            <a:pPr algn="ctr"/>
-            <a:r>
-              <a:rPr lang="en-AT" sz="3600" b="1" dirty="0">
-                <a:cs typeface="Times New Roman" panose="02020603050405020304" pitchFamily="18" charset="0"/>
-              </a:rPr>
-              <a:t>DANKE FÜR EURE </a:t>
-            </a:r>
-          </a:p>
-          <a:p>
-            <a:pPr algn="ctr"/>
-            <a:r>
-              <a:rPr lang="en-AT" sz="3600" b="1" dirty="0">
-                <a:cs typeface="Times New Roman" panose="02020603050405020304" pitchFamily="18" charset="0"/>
-              </a:rPr>
-              <a:t>AUFMERKSAMKEIT</a:t>
-            </a:r>
+            <a:r>
+              <a:rPr lang="de-DE" sz="2800" dirty="0"/>
+              <a:t>Webservice ASP.NET</a:t>
+            </a:r>
+            <a:endParaRPr lang="de-AT" sz="2800" dirty="0"/>
           </a:p>
         </p:txBody>
       </p:sp>
     </p:spTree>
     <p:extLst>
       <p:ext uri="{BB962C8B-B14F-4D97-AF65-F5344CB8AC3E}">
-        <p14:creationId xmlns:p14="http://schemas.microsoft.com/office/powerpoint/2010/main" val="2260651113"/>
+        <p14:creationId xmlns:p14="http://schemas.microsoft.com/office/powerpoint/2010/main" val="2003077070"/>
       </p:ext>
     </p:extLst>
   </p:cSld>
   <p:clrMapOvr>
     <a:masterClrMapping/>
   </p:clrMapOvr>
-  <mc:AlternateContent xmlns:mc="http://schemas.openxmlformats.org/markup-compatibility/2006" xmlns:p159="http://schemas.microsoft.com/office/powerpoint/2015/09/main">
-    <mc:Choice Requires="p159">
+  <mc:AlternateContent xmlns:mc="http://schemas.openxmlformats.org/markup-compatibility/2006">
+    <mc:Choice xmlns:p159="http://schemas.microsoft.com/office/powerpoint/2015/09/main" Requires="p159">
       <p:transition xmlns:p14="http://schemas.microsoft.com/office/powerpoint/2010/main" spd="slow" p14:dur="2000">
         <p159:morph option="byObject"/>
       </p:transition>
     </mc:Choice>
-    <mc:Fallback xmlns="">
+    <mc:Fallback>
       <p:transition spd="slow">
         <p:fade/>
       </p:transition>

--- a/Präsentation/Syp-Projekt-Ideen.pptx
+++ b/Präsentation/Syp-Projekt-Ideen.pptx
@@ -207,7 +207,7 @@
           <a:p>
             <a:fld id="{4CCADED4-F81C-DE4E-AAED-B7FD031B488B}" type="datetimeFigureOut">
               <a:rPr lang="en-AT" smtClean="0"/>
-              <a:t>10/01/2021</a:t>
+              <a:t>01.10.21</a:t>
             </a:fld>
             <a:endParaRPr lang="en-AT"/>
           </a:p>
@@ -366,7 +366,7 @@
           <a:p>
             <a:fld id="{553C3E85-E8BE-7542-A8D8-4F0AEBC4074D}" type="slidenum">
               <a:rPr lang="en-AT" smtClean="0"/>
-              <a:t>‹Nr.›</a:t>
+              <a:t>‹#›</a:t>
             </a:fld>
             <a:endParaRPr lang="en-AT"/>
           </a:p>
@@ -1044,7 +1044,7 @@
           <a:p>
             <a:fld id="{B2820DA7-63D1-EC42-9A7D-9F0F901057CA}" type="datetimeFigureOut">
               <a:rPr lang="en-AT" smtClean="0"/>
-              <a:t>10/01/2021</a:t>
+              <a:t>01.10.21</a:t>
             </a:fld>
             <a:endParaRPr lang="en-AT"/>
           </a:p>
@@ -1098,7 +1098,7 @@
           <a:p>
             <a:fld id="{D52D774A-D523-1049-AF40-B96A0B621DD8}" type="slidenum">
               <a:rPr lang="en-AT" smtClean="0"/>
-              <a:t>‹Nr.›</a:t>
+              <a:t>‹#›</a:t>
             </a:fld>
             <a:endParaRPr lang="en-AT"/>
           </a:p>
@@ -1244,7 +1244,7 @@
           <a:p>
             <a:fld id="{B2820DA7-63D1-EC42-9A7D-9F0F901057CA}" type="datetimeFigureOut">
               <a:rPr lang="en-AT" smtClean="0"/>
-              <a:t>10/01/2021</a:t>
+              <a:t>01.10.21</a:t>
             </a:fld>
             <a:endParaRPr lang="en-AT"/>
           </a:p>
@@ -1298,7 +1298,7 @@
           <a:p>
             <a:fld id="{D52D774A-D523-1049-AF40-B96A0B621DD8}" type="slidenum">
               <a:rPr lang="en-AT" smtClean="0"/>
-              <a:t>‹Nr.›</a:t>
+              <a:t>‹#›</a:t>
             </a:fld>
             <a:endParaRPr lang="en-AT"/>
           </a:p>
@@ -1454,7 +1454,7 @@
           <a:p>
             <a:fld id="{B2820DA7-63D1-EC42-9A7D-9F0F901057CA}" type="datetimeFigureOut">
               <a:rPr lang="en-AT" smtClean="0"/>
-              <a:t>10/01/2021</a:t>
+              <a:t>01.10.21</a:t>
             </a:fld>
             <a:endParaRPr lang="en-AT"/>
           </a:p>
@@ -1508,7 +1508,7 @@
           <a:p>
             <a:fld id="{D52D774A-D523-1049-AF40-B96A0B621DD8}" type="slidenum">
               <a:rPr lang="en-AT" smtClean="0"/>
-              <a:t>‹Nr.›</a:t>
+              <a:t>‹#›</a:t>
             </a:fld>
             <a:endParaRPr lang="en-AT"/>
           </a:p>
@@ -1654,7 +1654,7 @@
           <a:p>
             <a:fld id="{B2820DA7-63D1-EC42-9A7D-9F0F901057CA}" type="datetimeFigureOut">
               <a:rPr lang="en-AT" smtClean="0"/>
-              <a:t>10/01/2021</a:t>
+              <a:t>01.10.21</a:t>
             </a:fld>
             <a:endParaRPr lang="en-AT"/>
           </a:p>
@@ -1708,7 +1708,7 @@
           <a:p>
             <a:fld id="{D52D774A-D523-1049-AF40-B96A0B621DD8}" type="slidenum">
               <a:rPr lang="en-AT" smtClean="0"/>
-              <a:t>‹Nr.›</a:t>
+              <a:t>‹#›</a:t>
             </a:fld>
             <a:endParaRPr lang="en-AT"/>
           </a:p>
@@ -1930,7 +1930,7 @@
           <a:p>
             <a:fld id="{B2820DA7-63D1-EC42-9A7D-9F0F901057CA}" type="datetimeFigureOut">
               <a:rPr lang="en-AT" smtClean="0"/>
-              <a:t>10/01/2021</a:t>
+              <a:t>01.10.21</a:t>
             </a:fld>
             <a:endParaRPr lang="en-AT"/>
           </a:p>
@@ -1984,7 +1984,7 @@
           <a:p>
             <a:fld id="{D52D774A-D523-1049-AF40-B96A0B621DD8}" type="slidenum">
               <a:rPr lang="en-AT" smtClean="0"/>
-              <a:t>‹Nr.›</a:t>
+              <a:t>‹#›</a:t>
             </a:fld>
             <a:endParaRPr lang="en-AT"/>
           </a:p>
@@ -2198,7 +2198,7 @@
           <a:p>
             <a:fld id="{B2820DA7-63D1-EC42-9A7D-9F0F901057CA}" type="datetimeFigureOut">
               <a:rPr lang="en-AT" smtClean="0"/>
-              <a:t>10/01/2021</a:t>
+              <a:t>01.10.21</a:t>
             </a:fld>
             <a:endParaRPr lang="en-AT"/>
           </a:p>
@@ -2252,7 +2252,7 @@
           <a:p>
             <a:fld id="{D52D774A-D523-1049-AF40-B96A0B621DD8}" type="slidenum">
               <a:rPr lang="en-AT" smtClean="0"/>
-              <a:t>‹Nr.›</a:t>
+              <a:t>‹#›</a:t>
             </a:fld>
             <a:endParaRPr lang="en-AT"/>
           </a:p>
@@ -2613,7 +2613,7 @@
           <a:p>
             <a:fld id="{B2820DA7-63D1-EC42-9A7D-9F0F901057CA}" type="datetimeFigureOut">
               <a:rPr lang="en-AT" smtClean="0"/>
-              <a:t>10/01/2021</a:t>
+              <a:t>01.10.21</a:t>
             </a:fld>
             <a:endParaRPr lang="en-AT"/>
           </a:p>
@@ -2667,7 +2667,7 @@
           <a:p>
             <a:fld id="{D52D774A-D523-1049-AF40-B96A0B621DD8}" type="slidenum">
               <a:rPr lang="en-AT" smtClean="0"/>
-              <a:t>‹Nr.›</a:t>
+              <a:t>‹#›</a:t>
             </a:fld>
             <a:endParaRPr lang="en-AT"/>
           </a:p>
@@ -2755,7 +2755,7 @@
           <a:p>
             <a:fld id="{B2820DA7-63D1-EC42-9A7D-9F0F901057CA}" type="datetimeFigureOut">
               <a:rPr lang="en-AT" smtClean="0"/>
-              <a:t>10/01/2021</a:t>
+              <a:t>01.10.21</a:t>
             </a:fld>
             <a:endParaRPr lang="en-AT"/>
           </a:p>
@@ -2809,7 +2809,7 @@
           <a:p>
             <a:fld id="{D52D774A-D523-1049-AF40-B96A0B621DD8}" type="slidenum">
               <a:rPr lang="en-AT" smtClean="0"/>
-              <a:t>‹Nr.›</a:t>
+              <a:t>‹#›</a:t>
             </a:fld>
             <a:endParaRPr lang="en-AT"/>
           </a:p>
@@ -2868,7 +2868,7 @@
           <a:p>
             <a:fld id="{B2820DA7-63D1-EC42-9A7D-9F0F901057CA}" type="datetimeFigureOut">
               <a:rPr lang="en-AT" smtClean="0"/>
-              <a:t>10/01/2021</a:t>
+              <a:t>01.10.21</a:t>
             </a:fld>
             <a:endParaRPr lang="en-AT"/>
           </a:p>
@@ -2922,7 +2922,7 @@
           <a:p>
             <a:fld id="{D52D774A-D523-1049-AF40-B96A0B621DD8}" type="slidenum">
               <a:rPr lang="en-AT" smtClean="0"/>
-              <a:t>‹Nr.›</a:t>
+              <a:t>‹#›</a:t>
             </a:fld>
             <a:endParaRPr lang="en-AT"/>
           </a:p>
@@ -3181,7 +3181,7 @@
           <a:p>
             <a:fld id="{B2820DA7-63D1-EC42-9A7D-9F0F901057CA}" type="datetimeFigureOut">
               <a:rPr lang="en-AT" smtClean="0"/>
-              <a:t>10/01/2021</a:t>
+              <a:t>01.10.21</a:t>
             </a:fld>
             <a:endParaRPr lang="en-AT"/>
           </a:p>
@@ -3235,7 +3235,7 @@
           <a:p>
             <a:fld id="{D52D774A-D523-1049-AF40-B96A0B621DD8}" type="slidenum">
               <a:rPr lang="en-AT" smtClean="0"/>
-              <a:t>‹Nr.›</a:t>
+              <a:t>‹#›</a:t>
             </a:fld>
             <a:endParaRPr lang="en-AT"/>
           </a:p>
@@ -3470,7 +3470,7 @@
           <a:p>
             <a:fld id="{B2820DA7-63D1-EC42-9A7D-9F0F901057CA}" type="datetimeFigureOut">
               <a:rPr lang="en-AT" smtClean="0"/>
-              <a:t>10/01/2021</a:t>
+              <a:t>01.10.21</a:t>
             </a:fld>
             <a:endParaRPr lang="en-AT"/>
           </a:p>
@@ -3524,7 +3524,7 @@
           <a:p>
             <a:fld id="{D52D774A-D523-1049-AF40-B96A0B621DD8}" type="slidenum">
               <a:rPr lang="en-AT" smtClean="0"/>
-              <a:t>‹Nr.›</a:t>
+              <a:t>‹#›</a:t>
             </a:fld>
             <a:endParaRPr lang="en-AT"/>
           </a:p>
@@ -3713,7 +3713,7 @@
           <a:p>
             <a:fld id="{B2820DA7-63D1-EC42-9A7D-9F0F901057CA}" type="datetimeFigureOut">
               <a:rPr lang="en-AT" smtClean="0"/>
-              <a:t>10/01/2021</a:t>
+              <a:t>01.10.21</a:t>
             </a:fld>
             <a:endParaRPr lang="en-AT"/>
           </a:p>
@@ -3803,7 +3803,7 @@
           <a:p>
             <a:fld id="{D52D774A-D523-1049-AF40-B96A0B621DD8}" type="slidenum">
               <a:rPr lang="en-AT" smtClean="0"/>
-              <a:t>‹Nr.›</a:t>
+              <a:t>‹#›</a:t>
             </a:fld>
             <a:endParaRPr lang="en-AT"/>
           </a:p>
@@ -4207,45 +4207,6 @@
       </p:sp>
       <p:sp>
         <p:nvSpPr>
-          <p:cNvPr id="5" name="TextBox 4">
-            <a:extLst>
-              <a:ext uri="{FF2B5EF4-FFF2-40B4-BE49-F238E27FC236}">
-                <a16:creationId xmlns:a16="http://schemas.microsoft.com/office/drawing/2014/main" id="{23AD3BC7-7DEC-7344-B70C-6D5B1D5D7800}"/>
-              </a:ext>
-            </a:extLst>
-          </p:cNvPr>
-          <p:cNvSpPr txBox="1"/>
-          <p:nvPr/>
-        </p:nvSpPr>
-        <p:spPr>
-          <a:xfrm>
-            <a:off x="12192000" y="6858000"/>
-            <a:ext cx="3239028" cy="523220"/>
-          </a:xfrm>
-          <a:prstGeom prst="rect">
-            <a:avLst/>
-          </a:prstGeom>
-          <a:noFill/>
-        </p:spPr>
-        <p:txBody>
-          <a:bodyPr wrap="none" rtlCol="0">
-            <a:spAutoFit/>
-          </a:bodyPr>
-          <a:lstStyle/>
-          <a:p>
-            <a:pPr algn="r"/>
-            <a:r>
-              <a:rPr lang="en-AT" sz="2800" b="1" dirty="0">
-                <a:latin typeface="Times New Roman" panose="02020603050405020304" pitchFamily="18" charset="0"/>
-                <a:cs typeface="Times New Roman" panose="02020603050405020304" pitchFamily="18" charset="0"/>
-              </a:rPr>
-              <a:t>Online Vokabelheft </a:t>
-            </a:r>
-          </a:p>
-        </p:txBody>
-      </p:sp>
-      <p:sp>
-        <p:nvSpPr>
           <p:cNvPr id="7" name="TextBox 6">
             <a:extLst>
               <a:ext uri="{FF2B5EF4-FFF2-40B4-BE49-F238E27FC236}">
@@ -4285,10 +4246,10 @@
       </p:sp>
       <p:sp>
         <p:nvSpPr>
-          <p:cNvPr id="9" name="TextBox 8">
-            <a:extLst>
-              <a:ext uri="{FF2B5EF4-FFF2-40B4-BE49-F238E27FC236}">
-                <a16:creationId xmlns:a16="http://schemas.microsoft.com/office/drawing/2014/main" id="{893CA51C-55AC-DD40-A99D-6D2B83EFCBD1}"/>
+          <p:cNvPr id="2" name="Textfeld 1">
+            <a:extLst>
+              <a:ext uri="{FF2B5EF4-FFF2-40B4-BE49-F238E27FC236}">
+                <a16:creationId xmlns:a16="http://schemas.microsoft.com/office/drawing/2014/main" id="{C5CF03E9-D722-4A02-A7D3-64F93D5E68C2}"/>
               </a:ext>
             </a:extLst>
           </p:cNvPr>
@@ -4297,8 +4258,8 @@
         </p:nvSpPr>
         <p:spPr>
           <a:xfrm>
-            <a:off x="13648168" y="8142530"/>
-            <a:ext cx="1782860" cy="523220"/>
+            <a:off x="1820950" y="5558828"/>
+            <a:ext cx="8550098" cy="400110"/>
           </a:xfrm>
           <a:prstGeom prst="rect">
             <a:avLst/>
@@ -4311,37 +4272,28 @@
           </a:bodyPr>
           <a:lstStyle/>
           <a:p>
-            <a:pPr algn="r"/>
-            <a:r>
-              <a:rPr lang="en-AT" sz="2800" b="1" dirty="0">
-                <a:latin typeface="Times New Roman" panose="02020603050405020304" pitchFamily="18" charset="0"/>
-                <a:cs typeface="Times New Roman" panose="02020603050405020304" pitchFamily="18" charset="0"/>
-              </a:rPr>
-              <a:t>N</a:t>
-            </a:r>
-            <a:r>
-              <a:rPr lang="en-GB" sz="2800" b="1" dirty="0">
-                <a:latin typeface="Times New Roman" panose="02020603050405020304" pitchFamily="18" charset="0"/>
-                <a:cs typeface="Times New Roman" panose="02020603050405020304" pitchFamily="18" charset="0"/>
-              </a:rPr>
-              <a:t>o</a:t>
-            </a:r>
-            <a:r>
-              <a:rPr lang="en-AT" sz="2800" b="1" dirty="0">
-                <a:latin typeface="Times New Roman" panose="02020603050405020304" pitchFamily="18" charset="0"/>
-                <a:cs typeface="Times New Roman" panose="02020603050405020304" pitchFamily="18" charset="0"/>
-              </a:rPr>
-              <a:t>tiz-App</a:t>
-            </a:r>
-          </a:p>
-        </p:txBody>
-      </p:sp>
-      <p:sp>
-        <p:nvSpPr>
-          <p:cNvPr id="2" name="Textfeld 1">
-            <a:extLst>
-              <a:ext uri="{FF2B5EF4-FFF2-40B4-BE49-F238E27FC236}">
-                <a16:creationId xmlns:a16="http://schemas.microsoft.com/office/drawing/2014/main" id="{C5CF03E9-D722-4A02-A7D3-64F93D5E68C2}"/>
+            <a:r>
+              <a:rPr lang="de-DE" sz="2000" dirty="0"/>
+              <a:t>Eine Präsentation von Patrick Kristen, Fabian Hohn, Franz </a:t>
+            </a:r>
+            <a:r>
+              <a:rPr lang="de-DE" sz="2000" dirty="0" err="1"/>
+              <a:t>Aguero</a:t>
+            </a:r>
+            <a:r>
+              <a:rPr lang="de-DE" sz="2000" dirty="0"/>
+              <a:t>, Adis Jakupovic</a:t>
+            </a:r>
+            <a:endParaRPr lang="de-AT" sz="2000" dirty="0"/>
+          </a:p>
+        </p:txBody>
+      </p:sp>
+      <p:sp>
+        <p:nvSpPr>
+          <p:cNvPr id="3" name="Textfeld 2">
+            <a:extLst>
+              <a:ext uri="{FF2B5EF4-FFF2-40B4-BE49-F238E27FC236}">
+                <a16:creationId xmlns:a16="http://schemas.microsoft.com/office/drawing/2014/main" id="{3677383C-E9F2-4208-9008-02389CBA3809}"/>
               </a:ext>
             </a:extLst>
           </p:cNvPr>
@@ -4349,9 +4301,44 @@
           <p:nvPr/>
         </p:nvSpPr>
         <p:spPr>
-          <a:xfrm>
-            <a:off x="1820950" y="5558828"/>
-            <a:ext cx="8550098" cy="400110"/>
+          <a:xfrm flipH="1">
+            <a:off x="3945096" y="787651"/>
+            <a:ext cx="4301805" cy="707886"/>
+          </a:xfrm>
+          <a:prstGeom prst="rect">
+            <a:avLst/>
+          </a:prstGeom>
+          <a:noFill/>
+        </p:spPr>
+        <p:txBody>
+          <a:bodyPr wrap="square" rtlCol="0">
+            <a:spAutoFit/>
+          </a:bodyPr>
+          <a:lstStyle/>
+          <a:p>
+            <a:r>
+              <a:rPr lang="de-DE" sz="4000" b="1" dirty="0"/>
+              <a:t>Ideen-Präsentation</a:t>
+            </a:r>
+          </a:p>
+        </p:txBody>
+      </p:sp>
+      <p:sp>
+        <p:nvSpPr>
+          <p:cNvPr id="10" name="TextBox 9">
+            <a:extLst>
+              <a:ext uri="{FF2B5EF4-FFF2-40B4-BE49-F238E27FC236}">
+                <a16:creationId xmlns:a16="http://schemas.microsoft.com/office/drawing/2014/main" id="{75241416-F9C5-8F43-818D-0DADCD46765A}"/>
+              </a:ext>
+            </a:extLst>
+          </p:cNvPr>
+          <p:cNvSpPr txBox="1"/>
+          <p:nvPr/>
+        </p:nvSpPr>
+        <p:spPr>
+          <a:xfrm>
+            <a:off x="12242526" y="6977045"/>
+            <a:ext cx="3188502" cy="523220"/>
           </a:xfrm>
           <a:prstGeom prst="rect">
             <a:avLst/>
@@ -4364,54 +4351,22 @@
           </a:bodyPr>
           <a:lstStyle/>
           <a:p>
-            <a:r>
-              <a:rPr lang="de-DE" sz="2000" dirty="0"/>
-              <a:t>Eine Präsentation von Patrick Kristen, Fabian Hohn, Franz </a:t>
-            </a:r>
-            <a:r>
-              <a:rPr lang="de-DE" sz="2000" dirty="0" err="1"/>
-              <a:t>Aguero</a:t>
-            </a:r>
-            <a:r>
-              <a:rPr lang="de-DE" sz="2000" dirty="0"/>
-              <a:t>, Adis Jakupovic</a:t>
-            </a:r>
-            <a:endParaRPr lang="de-AT" sz="2000" dirty="0"/>
-          </a:p>
-        </p:txBody>
-      </p:sp>
-      <p:sp>
-        <p:nvSpPr>
-          <p:cNvPr id="3" name="Textfeld 2">
-            <a:extLst>
-              <a:ext uri="{FF2B5EF4-FFF2-40B4-BE49-F238E27FC236}">
-                <a16:creationId xmlns:a16="http://schemas.microsoft.com/office/drawing/2014/main" id="{3677383C-E9F2-4208-9008-02389CBA3809}"/>
-              </a:ext>
-            </a:extLst>
-          </p:cNvPr>
-          <p:cNvSpPr txBox="1"/>
-          <p:nvPr/>
-        </p:nvSpPr>
-        <p:spPr>
-          <a:xfrm flipH="1">
-            <a:off x="3945096" y="787651"/>
-            <a:ext cx="4301805" cy="707886"/>
-          </a:xfrm>
-          <a:prstGeom prst="rect">
-            <a:avLst/>
-          </a:prstGeom>
-          <a:noFill/>
-        </p:spPr>
-        <p:txBody>
-          <a:bodyPr wrap="square" rtlCol="0">
-            <a:spAutoFit/>
-          </a:bodyPr>
-          <a:lstStyle/>
-          <a:p>
-            <a:r>
-              <a:rPr lang="de-DE" sz="4000" b="1" dirty="0"/>
-              <a:t>Ideen-Präsentation</a:t>
-            </a:r>
+            <a:pPr algn="r"/>
+            <a:r>
+              <a:rPr lang="en-AT" sz="2800" b="1" dirty="0">
+                <a:cs typeface="Times New Roman" panose="02020603050405020304" pitchFamily="18" charset="0"/>
+              </a:rPr>
+              <a:t>Online Vokabel</a:t>
+            </a:r>
+            <a:r>
+              <a:rPr lang="de-DE" sz="2800" b="1" dirty="0" err="1">
+                <a:cs typeface="Times New Roman" panose="02020603050405020304" pitchFamily="18" charset="0"/>
+              </a:rPr>
+              <a:t>duell</a:t>
+            </a:r>
+            <a:endParaRPr lang="en-AT" sz="2800" b="1" dirty="0">
+              <a:cs typeface="Times New Roman" panose="02020603050405020304" pitchFamily="18" charset="0"/>
+            </a:endParaRPr>
           </a:p>
         </p:txBody>
       </p:sp>
@@ -4623,42 +4578,12 @@
           </a:p>
         </p:txBody>
       </p:sp>
-      <p:pic>
-        <p:nvPicPr>
-          <p:cNvPr id="12" name="Picture 11" descr="Icon&#10;&#10;Description automatically generated">
-            <a:extLst>
-              <a:ext uri="{FF2B5EF4-FFF2-40B4-BE49-F238E27FC236}">
-                <a16:creationId xmlns:a16="http://schemas.microsoft.com/office/drawing/2014/main" id="{0EAA7171-2176-744F-B4F1-DB3AF800A248}"/>
-              </a:ext>
-            </a:extLst>
-          </p:cNvPr>
-          <p:cNvPicPr>
-            <a:picLocks noChangeAspect="1"/>
-          </p:cNvPicPr>
-          <p:nvPr/>
-        </p:nvPicPr>
-        <p:blipFill>
-          <a:blip r:embed="rId4"/>
-          <a:stretch>
-            <a:fillRect/>
-          </a:stretch>
-        </p:blipFill>
-        <p:spPr>
-          <a:xfrm>
-            <a:off x="4439937" y="11506701"/>
-            <a:ext cx="3312125" cy="1863070"/>
-          </a:xfrm>
-          <a:prstGeom prst="rect">
-            <a:avLst/>
-          </a:prstGeom>
-        </p:spPr>
-      </p:pic>
-      <p:sp>
-        <p:nvSpPr>
-          <p:cNvPr id="16" name="TextBox 15">
-            <a:extLst>
-              <a:ext uri="{FF2B5EF4-FFF2-40B4-BE49-F238E27FC236}">
-                <a16:creationId xmlns:a16="http://schemas.microsoft.com/office/drawing/2014/main" id="{98519AAC-F14B-AE4C-8560-76891E148C93}"/>
+      <p:sp>
+        <p:nvSpPr>
+          <p:cNvPr id="15" name="Textfeld 1">
+            <a:extLst>
+              <a:ext uri="{FF2B5EF4-FFF2-40B4-BE49-F238E27FC236}">
+                <a16:creationId xmlns:a16="http://schemas.microsoft.com/office/drawing/2014/main" id="{F52A50D6-8446-9247-81AC-F596632BF326}"/>
               </a:ext>
             </a:extLst>
           </p:cNvPr>
@@ -4667,167 +4592,8 @@
         </p:nvSpPr>
         <p:spPr>
           <a:xfrm>
-            <a:off x="3514042" y="14030543"/>
-            <a:ext cx="1851789" cy="954107"/>
-          </a:xfrm>
-          <a:prstGeom prst="rect">
-            <a:avLst/>
-          </a:prstGeom>
-          <a:noFill/>
-        </p:spPr>
-        <p:txBody>
-          <a:bodyPr wrap="none" rtlCol="0">
-            <a:spAutoFit/>
-          </a:bodyPr>
-          <a:lstStyle/>
-          <a:p>
-            <a:pPr algn="ctr"/>
-            <a:r>
-              <a:rPr lang="de-AT" sz="2800" b="1" dirty="0">
-                <a:latin typeface="Times New Roman" panose="02020603050405020304" pitchFamily="18" charset="0"/>
-                <a:cs typeface="Times New Roman" panose="02020603050405020304" pitchFamily="18" charset="0"/>
-              </a:rPr>
-              <a:t>künstliche </a:t>
-            </a:r>
-          </a:p>
-          <a:p>
-            <a:pPr algn="ctr"/>
-            <a:r>
-              <a:rPr lang="de-AT" sz="2800" b="1" dirty="0">
-                <a:latin typeface="Times New Roman" panose="02020603050405020304" pitchFamily="18" charset="0"/>
-                <a:cs typeface="Times New Roman" panose="02020603050405020304" pitchFamily="18" charset="0"/>
-              </a:rPr>
-              <a:t>Intelligenz</a:t>
-            </a:r>
-            <a:endParaRPr lang="en-AT" sz="2800" b="1" dirty="0">
-              <a:latin typeface="Times New Roman" panose="02020603050405020304" pitchFamily="18" charset="0"/>
-              <a:cs typeface="Times New Roman" panose="02020603050405020304" pitchFamily="18" charset="0"/>
-            </a:endParaRPr>
-          </a:p>
-        </p:txBody>
-      </p:sp>
-      <p:sp>
-        <p:nvSpPr>
-          <p:cNvPr id="17" name="TextBox 16">
-            <a:extLst>
-              <a:ext uri="{FF2B5EF4-FFF2-40B4-BE49-F238E27FC236}">
-                <a16:creationId xmlns:a16="http://schemas.microsoft.com/office/drawing/2014/main" id="{B734A2FB-BE6A-2349-A53F-BE5E5339026D}"/>
-              </a:ext>
-            </a:extLst>
-          </p:cNvPr>
-          <p:cNvSpPr txBox="1"/>
-          <p:nvPr/>
-        </p:nvSpPr>
-        <p:spPr>
-          <a:xfrm>
-            <a:off x="6826171" y="14030543"/>
-            <a:ext cx="1579278" cy="954107"/>
-          </a:xfrm>
-          <a:prstGeom prst="rect">
-            <a:avLst/>
-          </a:prstGeom>
-          <a:noFill/>
-        </p:spPr>
-        <p:txBody>
-          <a:bodyPr wrap="none" rtlCol="0">
-            <a:spAutoFit/>
-          </a:bodyPr>
-          <a:lstStyle/>
-          <a:p>
-            <a:pPr algn="ctr"/>
-            <a:r>
-              <a:rPr lang="de-AT" sz="2800" b="1" dirty="0">
-                <a:latin typeface="Times New Roman" panose="02020603050405020304" pitchFamily="18" charset="0"/>
-                <a:cs typeface="Times New Roman" panose="02020603050405020304" pitchFamily="18" charset="0"/>
-              </a:rPr>
-              <a:t>Web</a:t>
-            </a:r>
-          </a:p>
-          <a:p>
-            <a:pPr algn="ctr"/>
-            <a:r>
-              <a:rPr lang="de-AT" sz="2800" b="1" dirty="0">
-                <a:latin typeface="Times New Roman" panose="02020603050405020304" pitchFamily="18" charset="0"/>
-                <a:cs typeface="Times New Roman" panose="02020603050405020304" pitchFamily="18" charset="0"/>
-              </a:rPr>
-              <a:t>Interface</a:t>
-            </a:r>
-            <a:endParaRPr lang="en-AT" sz="2800" b="1" dirty="0">
-              <a:latin typeface="Times New Roman" panose="02020603050405020304" pitchFamily="18" charset="0"/>
-              <a:cs typeface="Times New Roman" panose="02020603050405020304" pitchFamily="18" charset="0"/>
-            </a:endParaRPr>
-          </a:p>
-        </p:txBody>
-      </p:sp>
-      <p:sp>
-        <p:nvSpPr>
-          <p:cNvPr id="24" name="TextBox 23">
-            <a:extLst>
-              <a:ext uri="{FF2B5EF4-FFF2-40B4-BE49-F238E27FC236}">
-                <a16:creationId xmlns:a16="http://schemas.microsoft.com/office/drawing/2014/main" id="{A1DD8EBB-2D9F-8C4C-959E-1DBAD8BD4BF0}"/>
-              </a:ext>
-            </a:extLst>
-          </p:cNvPr>
-          <p:cNvSpPr txBox="1"/>
-          <p:nvPr/>
-        </p:nvSpPr>
-        <p:spPr>
-          <a:xfrm>
-            <a:off x="1669187" y="10077152"/>
-            <a:ext cx="1922321" cy="954107"/>
-          </a:xfrm>
-          <a:prstGeom prst="rect">
-            <a:avLst/>
-          </a:prstGeom>
-          <a:noFill/>
-        </p:spPr>
-        <p:txBody>
-          <a:bodyPr wrap="none" rtlCol="0">
-            <a:spAutoFit/>
-          </a:bodyPr>
-          <a:lstStyle/>
-          <a:p>
-            <a:pPr algn="ctr"/>
-            <a:r>
-              <a:rPr lang="de-AT" sz="2800" b="1" dirty="0">
-                <a:latin typeface="Times New Roman" panose="02020603050405020304" pitchFamily="18" charset="0"/>
-                <a:cs typeface="Times New Roman" panose="02020603050405020304" pitchFamily="18" charset="0"/>
-              </a:rPr>
-              <a:t>Foto</a:t>
-            </a:r>
-          </a:p>
-          <a:p>
-            <a:pPr algn="ctr"/>
-            <a:r>
-              <a:rPr lang="de-AT" sz="2800" b="1" dirty="0">
-                <a:latin typeface="Times New Roman" panose="02020603050405020304" pitchFamily="18" charset="0"/>
-                <a:cs typeface="Times New Roman" panose="02020603050405020304" pitchFamily="18" charset="0"/>
-              </a:rPr>
-              <a:t>Erkennung</a:t>
-            </a:r>
-            <a:endParaRPr lang="en-AT" sz="2800" b="1" dirty="0">
-              <a:latin typeface="Times New Roman" panose="02020603050405020304" pitchFamily="18" charset="0"/>
-              <a:cs typeface="Times New Roman" panose="02020603050405020304" pitchFamily="18" charset="0"/>
-            </a:endParaRPr>
-          </a:p>
-        </p:txBody>
-      </p:sp>
-      <p:sp>
-        <p:nvSpPr>
-          <p:cNvPr id="25" name="TextBox 24">
-            <a:extLst>
-              <a:ext uri="{FF2B5EF4-FFF2-40B4-BE49-F238E27FC236}">
-                <a16:creationId xmlns:a16="http://schemas.microsoft.com/office/drawing/2014/main" id="{6F4F1C22-DE81-C54E-847C-9FF31312D374}"/>
-              </a:ext>
-            </a:extLst>
-          </p:cNvPr>
-          <p:cNvSpPr txBox="1"/>
-          <p:nvPr/>
-        </p:nvSpPr>
-        <p:spPr>
-          <a:xfrm>
-            <a:off x="5093307" y="10267196"/>
-            <a:ext cx="2005387" cy="523220"/>
+            <a:off x="3618896" y="-5801482"/>
+            <a:ext cx="4920792" cy="769441"/>
           </a:xfrm>
           <a:prstGeom prst="rect">
             <a:avLst/>
@@ -4840,27 +4606,28 @@
           </a:bodyPr>
           <a:lstStyle/>
           <a:p>
-            <a:pPr algn="ctr"/>
-            <a:r>
-              <a:rPr lang="de-AT" sz="2800" b="1" dirty="0">
-                <a:latin typeface="Times New Roman" panose="02020603050405020304" pitchFamily="18" charset="0"/>
-                <a:cs typeface="Times New Roman" panose="02020603050405020304" pitchFamily="18" charset="0"/>
-              </a:rPr>
-              <a:t>Touchpad</a:t>
-            </a:r>
-            <a:endParaRPr lang="en-AT" sz="2800" b="1" dirty="0">
-              <a:latin typeface="Times New Roman" panose="02020603050405020304" pitchFamily="18" charset="0"/>
-              <a:cs typeface="Times New Roman" panose="02020603050405020304" pitchFamily="18" charset="0"/>
-            </a:endParaRPr>
-          </a:p>
-        </p:txBody>
-      </p:sp>
-      <p:sp>
-        <p:nvSpPr>
-          <p:cNvPr id="26" name="TextBox 25">
-            <a:extLst>
-              <a:ext uri="{FF2B5EF4-FFF2-40B4-BE49-F238E27FC236}">
-                <a16:creationId xmlns:a16="http://schemas.microsoft.com/office/drawing/2014/main" id="{53CF698A-ECC5-9C41-BBAB-FF5FC7A52907}"/>
+            <a:r>
+              <a:rPr lang="de-DE" sz="4400" b="1" dirty="0"/>
+              <a:t>Technischer</a:t>
+            </a:r>
+            <a:r>
+              <a:rPr lang="de-DE" sz="2800" b="1" dirty="0"/>
+              <a:t> </a:t>
+            </a:r>
+            <a:r>
+              <a:rPr lang="de-DE" sz="4400" b="1" dirty="0"/>
+              <a:t>Ansatz</a:t>
+            </a:r>
+            <a:endParaRPr lang="de-AT" sz="2800" b="1" dirty="0"/>
+          </a:p>
+        </p:txBody>
+      </p:sp>
+      <p:sp>
+        <p:nvSpPr>
+          <p:cNvPr id="18" name="Textfeld 2">
+            <a:extLst>
+              <a:ext uri="{FF2B5EF4-FFF2-40B4-BE49-F238E27FC236}">
+                <a16:creationId xmlns:a16="http://schemas.microsoft.com/office/drawing/2014/main" id="{7D54337D-6CC9-B24E-B6AF-352F0A734445}"/>
               </a:ext>
             </a:extLst>
           </p:cNvPr>
@@ -4869,8 +4636,8 @@
         </p:nvSpPr>
         <p:spPr>
           <a:xfrm>
-            <a:off x="8600493" y="10292595"/>
-            <a:ext cx="2211558" cy="523220"/>
+            <a:off x="1972348" y="-4085085"/>
+            <a:ext cx="2806044" cy="523220"/>
           </a:xfrm>
           <a:prstGeom prst="rect">
             <a:avLst/>
@@ -4883,111 +4650,122 @@
           </a:bodyPr>
           <a:lstStyle/>
           <a:p>
-            <a:pPr algn="ctr"/>
-            <a:r>
-              <a:rPr lang="de-AT" sz="2800" b="1" dirty="0">
-                <a:latin typeface="Times New Roman" panose="02020603050405020304" pitchFamily="18" charset="0"/>
-                <a:cs typeface="Times New Roman" panose="02020603050405020304" pitchFamily="18" charset="0"/>
-              </a:rPr>
-              <a:t>Schul-Guide</a:t>
-            </a:r>
-            <a:endParaRPr lang="en-AT" sz="2800" b="1" dirty="0">
-              <a:latin typeface="Times New Roman" panose="02020603050405020304" pitchFamily="18" charset="0"/>
-              <a:cs typeface="Times New Roman" panose="02020603050405020304" pitchFamily="18" charset="0"/>
-            </a:endParaRPr>
-          </a:p>
-        </p:txBody>
-      </p:sp>
-      <p:pic>
-        <p:nvPicPr>
-          <p:cNvPr id="27" name="Picture 26" descr="A picture containing text, electronics&#10;&#10;Description automatically generated">
-            <a:extLst>
-              <a:ext uri="{FF2B5EF4-FFF2-40B4-BE49-F238E27FC236}">
-                <a16:creationId xmlns:a16="http://schemas.microsoft.com/office/drawing/2014/main" id="{222EB064-2ECA-DA48-8BC8-263D3CA4BF46}"/>
-              </a:ext>
-            </a:extLst>
-          </p:cNvPr>
-          <p:cNvPicPr>
-            <a:picLocks noChangeAspect="1"/>
-          </p:cNvPicPr>
-          <p:nvPr/>
-        </p:nvPicPr>
-        <p:blipFill>
-          <a:blip r:embed="rId5"/>
-          <a:stretch>
-            <a:fillRect/>
-          </a:stretch>
-        </p:blipFill>
-        <p:spPr>
-          <a:xfrm>
-            <a:off x="4990221" y="8081037"/>
-            <a:ext cx="2211558" cy="2211558"/>
-          </a:xfrm>
-          <a:prstGeom prst="rect">
-            <a:avLst/>
-          </a:prstGeom>
-        </p:spPr>
-      </p:pic>
-      <p:pic>
-        <p:nvPicPr>
-          <p:cNvPr id="28" name="Picture 27" descr="A picture containing text, sign&#10;&#10;Description automatically generated">
-            <a:extLst>
-              <a:ext uri="{FF2B5EF4-FFF2-40B4-BE49-F238E27FC236}">
-                <a16:creationId xmlns:a16="http://schemas.microsoft.com/office/drawing/2014/main" id="{A376108C-7E1F-264E-9E75-DBA77520FAA0}"/>
-              </a:ext>
-            </a:extLst>
-          </p:cNvPr>
-          <p:cNvPicPr>
-            <a:picLocks noChangeAspect="1"/>
-          </p:cNvPicPr>
-          <p:nvPr/>
-        </p:nvPicPr>
-        <p:blipFill>
-          <a:blip r:embed="rId6"/>
-          <a:stretch>
-            <a:fillRect/>
-          </a:stretch>
-        </p:blipFill>
-        <p:spPr>
-          <a:xfrm>
-            <a:off x="1524568" y="8055638"/>
-            <a:ext cx="2211558" cy="2211558"/>
-          </a:xfrm>
-          <a:prstGeom prst="rect">
-            <a:avLst/>
-          </a:prstGeom>
-        </p:spPr>
-      </p:pic>
-      <p:pic>
-        <p:nvPicPr>
-          <p:cNvPr id="29" name="Picture 28" descr="Icon&#10;&#10;Description automatically generated">
-            <a:extLst>
-              <a:ext uri="{FF2B5EF4-FFF2-40B4-BE49-F238E27FC236}">
-                <a16:creationId xmlns:a16="http://schemas.microsoft.com/office/drawing/2014/main" id="{5C53C29E-1810-7C41-B7C3-CAEC603795E8}"/>
-              </a:ext>
-            </a:extLst>
-          </p:cNvPr>
-          <p:cNvPicPr>
-            <a:picLocks noChangeAspect="1"/>
-          </p:cNvPicPr>
-          <p:nvPr/>
-        </p:nvPicPr>
-        <p:blipFill>
-          <a:blip r:embed="rId7"/>
-          <a:stretch>
-            <a:fillRect/>
-          </a:stretch>
-        </p:blipFill>
-        <p:spPr>
-          <a:xfrm>
-            <a:off x="9098943" y="7947341"/>
-            <a:ext cx="1214658" cy="2129811"/>
-          </a:xfrm>
-          <a:prstGeom prst="rect">
-            <a:avLst/>
-          </a:prstGeom>
-        </p:spPr>
-      </p:pic>
+            <a:r>
+              <a:rPr lang="de-DE" sz="2800" dirty="0"/>
+              <a:t>SQL Datenbank</a:t>
+            </a:r>
+            <a:endParaRPr lang="de-AT" sz="2800" dirty="0"/>
+          </a:p>
+        </p:txBody>
+      </p:sp>
+      <p:sp>
+        <p:nvSpPr>
+          <p:cNvPr id="19" name="Textfeld 3">
+            <a:extLst>
+              <a:ext uri="{FF2B5EF4-FFF2-40B4-BE49-F238E27FC236}">
+                <a16:creationId xmlns:a16="http://schemas.microsoft.com/office/drawing/2014/main" id="{19AC254C-60BD-C445-A01A-5C3BCF9B34FF}"/>
+              </a:ext>
+            </a:extLst>
+          </p:cNvPr>
+          <p:cNvSpPr txBox="1"/>
+          <p:nvPr/>
+        </p:nvSpPr>
+        <p:spPr>
+          <a:xfrm flipH="1">
+            <a:off x="5972221" y="-3312087"/>
+            <a:ext cx="3994055" cy="523220"/>
+          </a:xfrm>
+          <a:prstGeom prst="rect">
+            <a:avLst/>
+          </a:prstGeom>
+          <a:noFill/>
+        </p:spPr>
+        <p:txBody>
+          <a:bodyPr wrap="square" rtlCol="0">
+            <a:spAutoFit/>
+          </a:bodyPr>
+          <a:lstStyle/>
+          <a:p>
+            <a:r>
+              <a:rPr lang="de-DE" sz="2800" dirty="0"/>
+              <a:t>NODE.JS / HTML / CSS </a:t>
+            </a:r>
+            <a:endParaRPr lang="de-AT" sz="2800" dirty="0"/>
+          </a:p>
+        </p:txBody>
+      </p:sp>
+      <p:sp>
+        <p:nvSpPr>
+          <p:cNvPr id="20" name="Textfeld 4">
+            <a:extLst>
+              <a:ext uri="{FF2B5EF4-FFF2-40B4-BE49-F238E27FC236}">
+                <a16:creationId xmlns:a16="http://schemas.microsoft.com/office/drawing/2014/main" id="{68C206B1-1BC5-0243-AE26-4195E9F7C7C6}"/>
+              </a:ext>
+            </a:extLst>
+          </p:cNvPr>
+          <p:cNvSpPr txBox="1"/>
+          <p:nvPr/>
+        </p:nvSpPr>
+        <p:spPr>
+          <a:xfrm>
+            <a:off x="2171657" y="-2270175"/>
+            <a:ext cx="1657772" cy="523220"/>
+          </a:xfrm>
+          <a:prstGeom prst="rect">
+            <a:avLst/>
+          </a:prstGeom>
+          <a:noFill/>
+        </p:spPr>
+        <p:txBody>
+          <a:bodyPr wrap="square" rtlCol="0">
+            <a:spAutoFit/>
+          </a:bodyPr>
+          <a:lstStyle/>
+          <a:p>
+            <a:r>
+              <a:rPr lang="de-DE" sz="2800" dirty="0"/>
+              <a:t>Python</a:t>
+            </a:r>
+            <a:endParaRPr lang="de-AT" sz="2800" dirty="0"/>
+          </a:p>
+        </p:txBody>
+      </p:sp>
+      <p:sp>
+        <p:nvSpPr>
+          <p:cNvPr id="21" name="Textfeld 5">
+            <a:extLst>
+              <a:ext uri="{FF2B5EF4-FFF2-40B4-BE49-F238E27FC236}">
+                <a16:creationId xmlns:a16="http://schemas.microsoft.com/office/drawing/2014/main" id="{96A0505E-D63A-B045-9870-6E0A88D28689}"/>
+              </a:ext>
+            </a:extLst>
+          </p:cNvPr>
+          <p:cNvSpPr txBox="1"/>
+          <p:nvPr/>
+        </p:nvSpPr>
+        <p:spPr>
+          <a:xfrm>
+            <a:off x="6009841" y="-1701790"/>
+            <a:ext cx="3777328" cy="523220"/>
+          </a:xfrm>
+          <a:prstGeom prst="rect">
+            <a:avLst/>
+          </a:prstGeom>
+          <a:noFill/>
+        </p:spPr>
+        <p:txBody>
+          <a:bodyPr wrap="square" rtlCol="0">
+            <a:spAutoFit/>
+          </a:bodyPr>
+          <a:lstStyle/>
+          <a:p>
+            <a:r>
+              <a:rPr lang="de-DE" sz="2800" dirty="0"/>
+              <a:t>Webservice ASP.NET</a:t>
+            </a:r>
+            <a:endParaRPr lang="de-AT" sz="2800" dirty="0"/>
+          </a:p>
+        </p:txBody>
+      </p:sp>
     </p:spTree>
     <p:extLst>
       <p:ext uri="{BB962C8B-B14F-4D97-AF65-F5344CB8AC3E}">
@@ -5070,83 +4848,6 @@
       </p:pic>
       <p:sp>
         <p:nvSpPr>
-          <p:cNvPr id="8" name="TextBox 7">
-            <a:extLst>
-              <a:ext uri="{FF2B5EF4-FFF2-40B4-BE49-F238E27FC236}">
-                <a16:creationId xmlns:a16="http://schemas.microsoft.com/office/drawing/2014/main" id="{4996F1BB-DE9E-0448-B735-430133447BD2}"/>
-              </a:ext>
-            </a:extLst>
-          </p:cNvPr>
-          <p:cNvSpPr txBox="1"/>
-          <p:nvPr/>
-        </p:nvSpPr>
-        <p:spPr>
-          <a:xfrm>
-            <a:off x="12192000" y="-1200329"/>
-            <a:ext cx="2390398" cy="1200329"/>
-          </a:xfrm>
-          <a:prstGeom prst="rect">
-            <a:avLst/>
-          </a:prstGeom>
-          <a:noFill/>
-        </p:spPr>
-        <p:txBody>
-          <a:bodyPr wrap="none" rtlCol="0">
-            <a:spAutoFit/>
-          </a:bodyPr>
-          <a:lstStyle/>
-          <a:p>
-            <a:r>
-              <a:rPr lang="en-AT" sz="7200" b="1" dirty="0">
-                <a:latin typeface="Times New Roman" panose="02020603050405020304" pitchFamily="18" charset="0"/>
-                <a:cs typeface="Times New Roman" panose="02020603050405020304" pitchFamily="18" charset="0"/>
-              </a:rPr>
-              <a:t>Ideen</a:t>
-            </a:r>
-          </a:p>
-        </p:txBody>
-      </p:sp>
-      <p:sp>
-        <p:nvSpPr>
-          <p:cNvPr id="5" name="TextBox 4">
-            <a:extLst>
-              <a:ext uri="{FF2B5EF4-FFF2-40B4-BE49-F238E27FC236}">
-                <a16:creationId xmlns:a16="http://schemas.microsoft.com/office/drawing/2014/main" id="{23AD3BC7-7DEC-7344-B70C-6D5B1D5D7800}"/>
-              </a:ext>
-            </a:extLst>
-          </p:cNvPr>
-          <p:cNvSpPr txBox="1"/>
-          <p:nvPr/>
-        </p:nvSpPr>
-        <p:spPr>
-          <a:xfrm>
-            <a:off x="12192000" y="6858000"/>
-            <a:ext cx="3239028" cy="523220"/>
-          </a:xfrm>
-          <a:prstGeom prst="rect">
-            <a:avLst/>
-          </a:prstGeom>
-          <a:noFill/>
-        </p:spPr>
-        <p:txBody>
-          <a:bodyPr wrap="none" rtlCol="0">
-            <a:spAutoFit/>
-          </a:bodyPr>
-          <a:lstStyle/>
-          <a:p>
-            <a:pPr algn="r"/>
-            <a:r>
-              <a:rPr lang="en-AT" sz="2800" b="1" dirty="0">
-                <a:latin typeface="Times New Roman" panose="02020603050405020304" pitchFamily="18" charset="0"/>
-                <a:cs typeface="Times New Roman" panose="02020603050405020304" pitchFamily="18" charset="0"/>
-              </a:rPr>
-              <a:t>Online Vokabelheft </a:t>
-            </a:r>
-          </a:p>
-        </p:txBody>
-      </p:sp>
-      <p:sp>
-        <p:nvSpPr>
           <p:cNvPr id="7" name="TextBox 6">
             <a:extLst>
               <a:ext uri="{FF2B5EF4-FFF2-40B4-BE49-F238E27FC236}">
@@ -5186,59 +4887,6 @@
       </p:sp>
       <p:sp>
         <p:nvSpPr>
-          <p:cNvPr id="9" name="TextBox 8">
-            <a:extLst>
-              <a:ext uri="{FF2B5EF4-FFF2-40B4-BE49-F238E27FC236}">
-                <a16:creationId xmlns:a16="http://schemas.microsoft.com/office/drawing/2014/main" id="{893CA51C-55AC-DD40-A99D-6D2B83EFCBD1}"/>
-              </a:ext>
-            </a:extLst>
-          </p:cNvPr>
-          <p:cNvSpPr txBox="1"/>
-          <p:nvPr/>
-        </p:nvSpPr>
-        <p:spPr>
-          <a:xfrm>
-            <a:off x="13648168" y="8142530"/>
-            <a:ext cx="1782860" cy="523220"/>
-          </a:xfrm>
-          <a:prstGeom prst="rect">
-            <a:avLst/>
-          </a:prstGeom>
-          <a:noFill/>
-        </p:spPr>
-        <p:txBody>
-          <a:bodyPr wrap="none" rtlCol="0">
-            <a:spAutoFit/>
-          </a:bodyPr>
-          <a:lstStyle/>
-          <a:p>
-            <a:pPr algn="r"/>
-            <a:r>
-              <a:rPr lang="en-AT" sz="2800" b="1" dirty="0">
-                <a:latin typeface="Times New Roman" panose="02020603050405020304" pitchFamily="18" charset="0"/>
-                <a:cs typeface="Times New Roman" panose="02020603050405020304" pitchFamily="18" charset="0"/>
-              </a:rPr>
-              <a:t>N</a:t>
-            </a:r>
-            <a:r>
-              <a:rPr lang="en-GB" sz="2800" b="1" dirty="0">
-                <a:latin typeface="Times New Roman" panose="02020603050405020304" pitchFamily="18" charset="0"/>
-                <a:cs typeface="Times New Roman" panose="02020603050405020304" pitchFamily="18" charset="0"/>
-              </a:rPr>
-              <a:t>o</a:t>
-            </a:r>
-            <a:r>
-              <a:rPr lang="en-AT" sz="2800" b="1" dirty="0">
-                <a:latin typeface="Times New Roman" panose="02020603050405020304" pitchFamily="18" charset="0"/>
-                <a:cs typeface="Times New Roman" panose="02020603050405020304" pitchFamily="18" charset="0"/>
-              </a:rPr>
-              <a:t>tiz-App</a:t>
-            </a:r>
-          </a:p>
-        </p:txBody>
-      </p:sp>
-      <p:sp>
-        <p:nvSpPr>
           <p:cNvPr id="2" name="TextBox 1">
             <a:extLst>
               <a:ext uri="{FF2B5EF4-FFF2-40B4-BE49-F238E27FC236}">
@@ -5281,6 +4929,97 @@
               </a:rPr>
               <a:t>AUFMERKSAMKEIT</a:t>
             </a:r>
+          </a:p>
+        </p:txBody>
+      </p:sp>
+      <p:sp>
+        <p:nvSpPr>
+          <p:cNvPr id="10" name="TextBox 9">
+            <a:extLst>
+              <a:ext uri="{FF2B5EF4-FFF2-40B4-BE49-F238E27FC236}">
+                <a16:creationId xmlns:a16="http://schemas.microsoft.com/office/drawing/2014/main" id="{D992992B-495C-A148-9FAA-B7D82FC27A55}"/>
+              </a:ext>
+            </a:extLst>
+          </p:cNvPr>
+          <p:cNvSpPr txBox="1"/>
+          <p:nvPr/>
+        </p:nvSpPr>
+        <p:spPr>
+          <a:xfrm>
+            <a:off x="12192000" y="-1446550"/>
+            <a:ext cx="3100687" cy="1446550"/>
+          </a:xfrm>
+          <a:prstGeom prst="rect">
+            <a:avLst/>
+          </a:prstGeom>
+          <a:noFill/>
+        </p:spPr>
+        <p:txBody>
+          <a:bodyPr wrap="square" rtlCol="0">
+            <a:spAutoFit/>
+          </a:bodyPr>
+          <a:lstStyle/>
+          <a:p>
+            <a:pPr algn="r"/>
+            <a:r>
+              <a:rPr lang="en-AT" sz="8800" b="1" dirty="0">
+                <a:solidFill>
+                  <a:schemeClr val="accent4">
+                    <a:lumMod val="60000"/>
+                    <a:lumOff val="40000"/>
+                  </a:schemeClr>
+                </a:solidFill>
+                <a:cs typeface="Times New Roman" panose="02020603050405020304" pitchFamily="18" charset="0"/>
+              </a:rPr>
+              <a:t>Ideen</a:t>
+            </a:r>
+          </a:p>
+        </p:txBody>
+      </p:sp>
+      <p:sp>
+        <p:nvSpPr>
+          <p:cNvPr id="11" name="TextBox 10">
+            <a:extLst>
+              <a:ext uri="{FF2B5EF4-FFF2-40B4-BE49-F238E27FC236}">
+                <a16:creationId xmlns:a16="http://schemas.microsoft.com/office/drawing/2014/main" id="{3A005E74-83AD-6A43-9CFF-5AEF7857D6B6}"/>
+              </a:ext>
+            </a:extLst>
+          </p:cNvPr>
+          <p:cNvSpPr txBox="1"/>
+          <p:nvPr/>
+        </p:nvSpPr>
+        <p:spPr>
+          <a:xfrm>
+            <a:off x="12104185" y="6977045"/>
+            <a:ext cx="3188502" cy="523220"/>
+          </a:xfrm>
+          <a:prstGeom prst="rect">
+            <a:avLst/>
+          </a:prstGeom>
+          <a:noFill/>
+        </p:spPr>
+        <p:txBody>
+          <a:bodyPr wrap="none" rtlCol="0">
+            <a:spAutoFit/>
+          </a:bodyPr>
+          <a:lstStyle/>
+          <a:p>
+            <a:pPr algn="r"/>
+            <a:r>
+              <a:rPr lang="en-AT" sz="2800" b="1" dirty="0">
+                <a:cs typeface="Times New Roman" panose="02020603050405020304" pitchFamily="18" charset="0"/>
+              </a:rPr>
+              <a:t>Online Vokabel</a:t>
+            </a:r>
+            <a:r>
+              <a:rPr lang="de-DE" sz="2800" b="1" dirty="0" err="1">
+                <a:cs typeface="Times New Roman" panose="02020603050405020304" pitchFamily="18" charset="0"/>
+              </a:rPr>
+              <a:t>duell</a:t>
+            </a:r>
+            <a:endParaRPr lang="en-AT" sz="2800" b="1" dirty="0">
+              <a:cs typeface="Times New Roman" panose="02020603050405020304" pitchFamily="18" charset="0"/>
+            </a:endParaRPr>
           </a:p>
         </p:txBody>
       </p:sp>
@@ -5877,6 +5616,349 @@
           </a:p>
         </p:txBody>
       </p:sp>
+      <p:sp>
+        <p:nvSpPr>
+          <p:cNvPr id="11" name="TextBox 10">
+            <a:extLst>
+              <a:ext uri="{FF2B5EF4-FFF2-40B4-BE49-F238E27FC236}">
+                <a16:creationId xmlns:a16="http://schemas.microsoft.com/office/drawing/2014/main" id="{666B942A-7268-8747-8FC3-B3E59F1DD618}"/>
+              </a:ext>
+            </a:extLst>
+          </p:cNvPr>
+          <p:cNvSpPr txBox="1"/>
+          <p:nvPr/>
+        </p:nvSpPr>
+        <p:spPr>
+          <a:xfrm>
+            <a:off x="3360699" y="-5406768"/>
+            <a:ext cx="5470601" cy="830997"/>
+          </a:xfrm>
+          <a:prstGeom prst="rect">
+            <a:avLst/>
+          </a:prstGeom>
+          <a:noFill/>
+        </p:spPr>
+        <p:txBody>
+          <a:bodyPr wrap="none" rtlCol="0">
+            <a:spAutoFit/>
+          </a:bodyPr>
+          <a:lstStyle/>
+          <a:p>
+            <a:pPr algn="ctr"/>
+            <a:r>
+              <a:rPr lang="en-AT" sz="4800" b="1" dirty="0">
+                <a:cs typeface="Times New Roman" panose="02020603050405020304" pitchFamily="18" charset="0"/>
+              </a:rPr>
+              <a:t>Online Vokabel</a:t>
+            </a:r>
+            <a:r>
+              <a:rPr lang="de-DE" sz="4800" b="1" dirty="0" err="1">
+                <a:cs typeface="Times New Roman" panose="02020603050405020304" pitchFamily="18" charset="0"/>
+              </a:rPr>
+              <a:t>duell</a:t>
+            </a:r>
+            <a:r>
+              <a:rPr lang="en-AT" sz="4800" b="1" dirty="0">
+                <a:cs typeface="Times New Roman" panose="02020603050405020304" pitchFamily="18" charset="0"/>
+              </a:rPr>
+              <a:t> </a:t>
+            </a:r>
+          </a:p>
+        </p:txBody>
+      </p:sp>
+      <p:pic>
+        <p:nvPicPr>
+          <p:cNvPr id="12" name="Picture 11" descr="Icon&#10;&#10;Description automatically generated">
+            <a:extLst>
+              <a:ext uri="{FF2B5EF4-FFF2-40B4-BE49-F238E27FC236}">
+                <a16:creationId xmlns:a16="http://schemas.microsoft.com/office/drawing/2014/main" id="{0149A104-230F-7A4B-98C8-237B2AFED2EB}"/>
+              </a:ext>
+            </a:extLst>
+          </p:cNvPr>
+          <p:cNvPicPr>
+            <a:picLocks noChangeAspect="1"/>
+          </p:cNvPicPr>
+          <p:nvPr/>
+        </p:nvPicPr>
+        <p:blipFill rotWithShape="1">
+          <a:blip r:embed="rId2"/>
+          <a:srcRect l="19399" r="18314"/>
+          <a:stretch/>
+        </p:blipFill>
+        <p:spPr>
+          <a:xfrm>
+            <a:off x="2780918" y="-3400660"/>
+            <a:ext cx="2008883" cy="1831837"/>
+          </a:xfrm>
+          <a:prstGeom prst="rect">
+            <a:avLst/>
+          </a:prstGeom>
+        </p:spPr>
+      </p:pic>
+      <p:sp>
+        <p:nvSpPr>
+          <p:cNvPr id="13" name="TextBox 12">
+            <a:extLst>
+              <a:ext uri="{FF2B5EF4-FFF2-40B4-BE49-F238E27FC236}">
+                <a16:creationId xmlns:a16="http://schemas.microsoft.com/office/drawing/2014/main" id="{7CD83AA3-57F2-C842-AF47-30A0EBD00149}"/>
+              </a:ext>
+            </a:extLst>
+          </p:cNvPr>
+          <p:cNvSpPr txBox="1"/>
+          <p:nvPr/>
+        </p:nvSpPr>
+        <p:spPr>
+          <a:xfrm>
+            <a:off x="3281855" y="-1580866"/>
+            <a:ext cx="1007007" cy="584775"/>
+          </a:xfrm>
+          <a:prstGeom prst="rect">
+            <a:avLst/>
+          </a:prstGeom>
+          <a:noFill/>
+        </p:spPr>
+        <p:txBody>
+          <a:bodyPr wrap="none" rtlCol="0">
+            <a:spAutoFit/>
+          </a:bodyPr>
+          <a:lstStyle/>
+          <a:p>
+            <a:pPr algn="ctr"/>
+            <a:r>
+              <a:rPr lang="de-AT" sz="3200" b="1" dirty="0">
+                <a:cs typeface="Times New Roman" panose="02020603050405020304" pitchFamily="18" charset="0"/>
+              </a:rPr>
+              <a:t>Spiel</a:t>
+            </a:r>
+            <a:endParaRPr lang="en-AT" sz="3200" b="1" dirty="0">
+              <a:cs typeface="Times New Roman" panose="02020603050405020304" pitchFamily="18" charset="0"/>
+            </a:endParaRPr>
+          </a:p>
+        </p:txBody>
+      </p:sp>
+      <p:pic>
+        <p:nvPicPr>
+          <p:cNvPr id="14" name="Picture 13" descr="Shape&#10;&#10;Description automatically generated with low confidence">
+            <a:extLst>
+              <a:ext uri="{FF2B5EF4-FFF2-40B4-BE49-F238E27FC236}">
+                <a16:creationId xmlns:a16="http://schemas.microsoft.com/office/drawing/2014/main" id="{B95D8540-B84C-294F-8C2B-DCFB13A7D115}"/>
+              </a:ext>
+            </a:extLst>
+          </p:cNvPr>
+          <p:cNvPicPr>
+            <a:picLocks noChangeAspect="1"/>
+          </p:cNvPicPr>
+          <p:nvPr/>
+        </p:nvPicPr>
+        <p:blipFill>
+          <a:blip r:embed="rId3"/>
+          <a:stretch>
+            <a:fillRect/>
+          </a:stretch>
+        </p:blipFill>
+        <p:spPr>
+          <a:xfrm>
+            <a:off x="7402197" y="-3400660"/>
+            <a:ext cx="2005387" cy="1832435"/>
+          </a:xfrm>
+          <a:prstGeom prst="rect">
+            <a:avLst/>
+          </a:prstGeom>
+        </p:spPr>
+      </p:pic>
+      <p:sp>
+        <p:nvSpPr>
+          <p:cNvPr id="15" name="TextBox 14">
+            <a:extLst>
+              <a:ext uri="{FF2B5EF4-FFF2-40B4-BE49-F238E27FC236}">
+                <a16:creationId xmlns:a16="http://schemas.microsoft.com/office/drawing/2014/main" id="{09FDCE36-218F-D94B-96AE-084D9DD66DFC}"/>
+              </a:ext>
+            </a:extLst>
+          </p:cNvPr>
+          <p:cNvSpPr txBox="1"/>
+          <p:nvPr/>
+        </p:nvSpPr>
+        <p:spPr>
+          <a:xfrm>
+            <a:off x="7721690" y="-1568823"/>
+            <a:ext cx="1366399" cy="584775"/>
+          </a:xfrm>
+          <a:prstGeom prst="rect">
+            <a:avLst/>
+          </a:prstGeom>
+          <a:noFill/>
+        </p:spPr>
+        <p:txBody>
+          <a:bodyPr wrap="square" rtlCol="0">
+            <a:spAutoFit/>
+          </a:bodyPr>
+          <a:lstStyle/>
+          <a:p>
+            <a:pPr algn="ctr"/>
+            <a:r>
+              <a:rPr lang="de-AT" sz="3200" b="1" dirty="0">
+                <a:cs typeface="Times New Roman" panose="02020603050405020304" pitchFamily="18" charset="0"/>
+              </a:rPr>
+              <a:t>Duell</a:t>
+            </a:r>
+            <a:endParaRPr lang="en-AT" sz="2800" b="1" dirty="0">
+              <a:cs typeface="Times New Roman" panose="02020603050405020304" pitchFamily="18" charset="0"/>
+            </a:endParaRPr>
+          </a:p>
+        </p:txBody>
+      </p:sp>
+      <p:sp>
+        <p:nvSpPr>
+          <p:cNvPr id="16" name="Textfeld 1">
+            <a:extLst>
+              <a:ext uri="{FF2B5EF4-FFF2-40B4-BE49-F238E27FC236}">
+                <a16:creationId xmlns:a16="http://schemas.microsoft.com/office/drawing/2014/main" id="{196A4B7C-9191-6443-A1DC-D4072AA027AA}"/>
+              </a:ext>
+            </a:extLst>
+          </p:cNvPr>
+          <p:cNvSpPr txBox="1"/>
+          <p:nvPr/>
+        </p:nvSpPr>
+        <p:spPr>
+          <a:xfrm>
+            <a:off x="3635604" y="7830951"/>
+            <a:ext cx="4920792" cy="769441"/>
+          </a:xfrm>
+          <a:prstGeom prst="rect">
+            <a:avLst/>
+          </a:prstGeom>
+          <a:noFill/>
+        </p:spPr>
+        <p:txBody>
+          <a:bodyPr wrap="square" rtlCol="0">
+            <a:spAutoFit/>
+          </a:bodyPr>
+          <a:lstStyle/>
+          <a:p>
+            <a:r>
+              <a:rPr lang="de-DE" sz="4400" b="1" dirty="0"/>
+              <a:t>Technischer</a:t>
+            </a:r>
+            <a:r>
+              <a:rPr lang="de-DE" sz="2800" b="1" dirty="0"/>
+              <a:t> </a:t>
+            </a:r>
+            <a:r>
+              <a:rPr lang="de-DE" sz="4400" b="1" dirty="0"/>
+              <a:t>Ansatz</a:t>
+            </a:r>
+            <a:endParaRPr lang="de-AT" sz="2800" b="1" dirty="0"/>
+          </a:p>
+        </p:txBody>
+      </p:sp>
+      <p:sp>
+        <p:nvSpPr>
+          <p:cNvPr id="17" name="Textfeld 2">
+            <a:extLst>
+              <a:ext uri="{FF2B5EF4-FFF2-40B4-BE49-F238E27FC236}">
+                <a16:creationId xmlns:a16="http://schemas.microsoft.com/office/drawing/2014/main" id="{7BFDC9CF-AA65-C34C-8C8F-5DD28526541E}"/>
+              </a:ext>
+            </a:extLst>
+          </p:cNvPr>
+          <p:cNvSpPr txBox="1"/>
+          <p:nvPr/>
+        </p:nvSpPr>
+        <p:spPr>
+          <a:xfrm>
+            <a:off x="2516958" y="9726457"/>
+            <a:ext cx="2824898" cy="523220"/>
+          </a:xfrm>
+          <a:prstGeom prst="rect">
+            <a:avLst/>
+          </a:prstGeom>
+          <a:noFill/>
+        </p:spPr>
+        <p:txBody>
+          <a:bodyPr wrap="square" rtlCol="0">
+            <a:spAutoFit/>
+          </a:bodyPr>
+          <a:lstStyle/>
+          <a:p>
+            <a:r>
+              <a:rPr lang="de-DE" sz="2800" dirty="0"/>
+              <a:t>SQL Datenbank</a:t>
+            </a:r>
+            <a:endParaRPr lang="de-AT" sz="2800" dirty="0"/>
+          </a:p>
+        </p:txBody>
+      </p:sp>
+      <p:sp>
+        <p:nvSpPr>
+          <p:cNvPr id="18" name="Textfeld 3">
+            <a:extLst>
+              <a:ext uri="{FF2B5EF4-FFF2-40B4-BE49-F238E27FC236}">
+                <a16:creationId xmlns:a16="http://schemas.microsoft.com/office/drawing/2014/main" id="{E774855C-45D9-3144-B576-82EA92A84749}"/>
+              </a:ext>
+            </a:extLst>
+          </p:cNvPr>
+          <p:cNvSpPr txBox="1"/>
+          <p:nvPr/>
+        </p:nvSpPr>
+        <p:spPr>
+          <a:xfrm>
+            <a:off x="2124160" y="11618748"/>
+            <a:ext cx="5018217" cy="523220"/>
+          </a:xfrm>
+          <a:prstGeom prst="rect">
+            <a:avLst/>
+          </a:prstGeom>
+          <a:noFill/>
+        </p:spPr>
+        <p:txBody>
+          <a:bodyPr wrap="square" rtlCol="0">
+            <a:spAutoFit/>
+          </a:bodyPr>
+          <a:lstStyle/>
+          <a:p>
+            <a:r>
+              <a:rPr lang="de-DE" sz="2800" dirty="0"/>
+              <a:t>Webservice ASP.NET</a:t>
+            </a:r>
+            <a:endParaRPr lang="de-AT" sz="2800" dirty="0"/>
+          </a:p>
+        </p:txBody>
+      </p:sp>
+      <p:sp>
+        <p:nvSpPr>
+          <p:cNvPr id="19" name="Textfeld 4">
+            <a:extLst>
+              <a:ext uri="{FF2B5EF4-FFF2-40B4-BE49-F238E27FC236}">
+                <a16:creationId xmlns:a16="http://schemas.microsoft.com/office/drawing/2014/main" id="{B486AB96-0968-9347-A6C9-744E42913491}"/>
+              </a:ext>
+            </a:extLst>
+          </p:cNvPr>
+          <p:cNvSpPr txBox="1"/>
+          <p:nvPr/>
+        </p:nvSpPr>
+        <p:spPr>
+          <a:xfrm flipH="1">
+            <a:off x="6508849" y="10499455"/>
+            <a:ext cx="4020891" cy="523220"/>
+          </a:xfrm>
+          <a:prstGeom prst="rect">
+            <a:avLst/>
+          </a:prstGeom>
+          <a:noFill/>
+        </p:spPr>
+        <p:txBody>
+          <a:bodyPr wrap="square" rtlCol="0">
+            <a:spAutoFit/>
+          </a:bodyPr>
+          <a:lstStyle/>
+          <a:p>
+            <a:r>
+              <a:rPr lang="de-DE" sz="2800" dirty="0"/>
+              <a:t>NODE.JS / HTML / CSS </a:t>
+            </a:r>
+            <a:endParaRPr lang="de-AT" sz="2800" dirty="0"/>
+          </a:p>
+        </p:txBody>
+      </p:sp>
     </p:spTree>
     <p:extLst>
       <p:ext uri="{BB962C8B-B14F-4D97-AF65-F5344CB8AC3E}">
@@ -5887,13 +5969,13 @@
   <p:clrMapOvr>
     <a:masterClrMapping/>
   </p:clrMapOvr>
-  <mc:AlternateContent xmlns:mc="http://schemas.openxmlformats.org/markup-compatibility/2006">
-    <mc:Choice xmlns:p159="http://schemas.microsoft.com/office/powerpoint/2015/09/main" Requires="p159">
+  <mc:AlternateContent xmlns:mc="http://schemas.openxmlformats.org/markup-compatibility/2006" xmlns:p159="http://schemas.microsoft.com/office/powerpoint/2015/09/main">
+    <mc:Choice Requires="p159">
       <p:transition xmlns:p14="http://schemas.microsoft.com/office/powerpoint/2010/main" spd="slow" p14:dur="2000">
         <p159:morph option="byObject"/>
       </p:transition>
     </mc:Choice>
-    <mc:Fallback>
+    <mc:Fallback xmlns="">
       <p:transition spd="slow">
         <p:fade/>
       </p:transition>
@@ -5958,10 +6040,10 @@
       </p:pic>
       <p:sp>
         <p:nvSpPr>
-          <p:cNvPr id="7" name="TextBox 6">
-            <a:extLst>
-              <a:ext uri="{FF2B5EF4-FFF2-40B4-BE49-F238E27FC236}">
-                <a16:creationId xmlns:a16="http://schemas.microsoft.com/office/drawing/2014/main" id="{BC135631-9D7B-B14B-97EF-151C8EB42A32}"/>
+          <p:cNvPr id="5" name="TextBox 4">
+            <a:extLst>
+              <a:ext uri="{FF2B5EF4-FFF2-40B4-BE49-F238E27FC236}">
+                <a16:creationId xmlns:a16="http://schemas.microsoft.com/office/drawing/2014/main" id="{8E58916B-B327-4B47-BF21-93F1AF0BAFF1}"/>
               </a:ext>
             </a:extLst>
           </p:cNvPr>
@@ -5970,7 +6052,237 @@
         </p:nvSpPr>
         <p:spPr>
           <a:xfrm>
-            <a:off x="-3102979" y="-1446550"/>
+            <a:off x="3360701" y="506973"/>
+            <a:ext cx="5470601" cy="830997"/>
+          </a:xfrm>
+          <a:prstGeom prst="rect">
+            <a:avLst/>
+          </a:prstGeom>
+          <a:noFill/>
+        </p:spPr>
+        <p:txBody>
+          <a:bodyPr wrap="none" rtlCol="0">
+            <a:spAutoFit/>
+          </a:bodyPr>
+          <a:lstStyle/>
+          <a:p>
+            <a:pPr algn="ctr"/>
+            <a:r>
+              <a:rPr lang="en-AT" sz="4800" b="1" dirty="0">
+                <a:cs typeface="Times New Roman" panose="02020603050405020304" pitchFamily="18" charset="0"/>
+              </a:rPr>
+              <a:t>Online Vokabel</a:t>
+            </a:r>
+            <a:r>
+              <a:rPr lang="de-DE" sz="4800" b="1" dirty="0" err="1">
+                <a:cs typeface="Times New Roman" panose="02020603050405020304" pitchFamily="18" charset="0"/>
+              </a:rPr>
+              <a:t>duell</a:t>
+            </a:r>
+            <a:r>
+              <a:rPr lang="en-AT" sz="4800" b="1" dirty="0">
+                <a:cs typeface="Times New Roman" panose="02020603050405020304" pitchFamily="18" charset="0"/>
+              </a:rPr>
+              <a:t> </a:t>
+            </a:r>
+          </a:p>
+        </p:txBody>
+      </p:sp>
+      <p:sp>
+        <p:nvSpPr>
+          <p:cNvPr id="8" name="TextBox 7">
+            <a:extLst>
+              <a:ext uri="{FF2B5EF4-FFF2-40B4-BE49-F238E27FC236}">
+                <a16:creationId xmlns:a16="http://schemas.microsoft.com/office/drawing/2014/main" id="{6FB478D6-92A7-C44E-97D7-71B63EB20D8C}"/>
+              </a:ext>
+            </a:extLst>
+          </p:cNvPr>
+          <p:cNvSpPr txBox="1"/>
+          <p:nvPr/>
+        </p:nvSpPr>
+        <p:spPr>
+          <a:xfrm>
+            <a:off x="-2670088" y="3429000"/>
+            <a:ext cx="2008883" cy="523220"/>
+          </a:xfrm>
+          <a:prstGeom prst="rect">
+            <a:avLst/>
+          </a:prstGeom>
+          <a:noFill/>
+        </p:spPr>
+        <p:txBody>
+          <a:bodyPr wrap="none" rtlCol="0">
+            <a:spAutoFit/>
+          </a:bodyPr>
+          <a:lstStyle/>
+          <a:p>
+            <a:pPr algn="r"/>
+            <a:r>
+              <a:rPr lang="en-AT" sz="2800" b="1" dirty="0">
+                <a:latin typeface="Times New Roman" panose="02020603050405020304" pitchFamily="18" charset="0"/>
+                <a:cs typeface="Times New Roman" panose="02020603050405020304" pitchFamily="18" charset="0"/>
+              </a:rPr>
+              <a:t>Discord Bot</a:t>
+            </a:r>
+          </a:p>
+        </p:txBody>
+      </p:sp>
+      <p:pic>
+        <p:nvPicPr>
+          <p:cNvPr id="10" name="Picture 9" descr="Icon&#10;&#10;Description automatically generated">
+            <a:extLst>
+              <a:ext uri="{FF2B5EF4-FFF2-40B4-BE49-F238E27FC236}">
+                <a16:creationId xmlns:a16="http://schemas.microsoft.com/office/drawing/2014/main" id="{5B156F24-6EE7-FE40-AD85-0068667450BF}"/>
+              </a:ext>
+            </a:extLst>
+          </p:cNvPr>
+          <p:cNvPicPr>
+            <a:picLocks noChangeAspect="1"/>
+          </p:cNvPicPr>
+          <p:nvPr/>
+        </p:nvPicPr>
+        <p:blipFill rotWithShape="1">
+          <a:blip r:embed="rId4"/>
+          <a:srcRect l="19399" r="18314"/>
+          <a:stretch/>
+        </p:blipFill>
+        <p:spPr>
+          <a:xfrm>
+            <a:off x="2780920" y="2513081"/>
+            <a:ext cx="2008883" cy="1831837"/>
+          </a:xfrm>
+          <a:prstGeom prst="rect">
+            <a:avLst/>
+          </a:prstGeom>
+        </p:spPr>
+      </p:pic>
+      <p:sp>
+        <p:nvSpPr>
+          <p:cNvPr id="12" name="TextBox 11">
+            <a:extLst>
+              <a:ext uri="{FF2B5EF4-FFF2-40B4-BE49-F238E27FC236}">
+                <a16:creationId xmlns:a16="http://schemas.microsoft.com/office/drawing/2014/main" id="{F0DFD124-BE82-2E4E-BE7F-D7E17FC33BCC}"/>
+              </a:ext>
+            </a:extLst>
+          </p:cNvPr>
+          <p:cNvSpPr txBox="1"/>
+          <p:nvPr/>
+        </p:nvSpPr>
+        <p:spPr>
+          <a:xfrm>
+            <a:off x="3281857" y="4332875"/>
+            <a:ext cx="1007007" cy="584775"/>
+          </a:xfrm>
+          <a:prstGeom prst="rect">
+            <a:avLst/>
+          </a:prstGeom>
+          <a:noFill/>
+        </p:spPr>
+        <p:txBody>
+          <a:bodyPr wrap="none" rtlCol="0">
+            <a:spAutoFit/>
+          </a:bodyPr>
+          <a:lstStyle/>
+          <a:p>
+            <a:pPr algn="ctr"/>
+            <a:r>
+              <a:rPr lang="de-AT" sz="3200" b="1" dirty="0">
+                <a:cs typeface="Times New Roman" panose="02020603050405020304" pitchFamily="18" charset="0"/>
+              </a:rPr>
+              <a:t>Spiel</a:t>
+            </a:r>
+            <a:endParaRPr lang="en-AT" sz="3200" b="1" dirty="0">
+              <a:cs typeface="Times New Roman" panose="02020603050405020304" pitchFamily="18" charset="0"/>
+            </a:endParaRPr>
+          </a:p>
+        </p:txBody>
+      </p:sp>
+      <p:pic>
+        <p:nvPicPr>
+          <p:cNvPr id="18" name="Picture 17" descr="Shape&#10;&#10;Description automatically generated with low confidence">
+            <a:extLst>
+              <a:ext uri="{FF2B5EF4-FFF2-40B4-BE49-F238E27FC236}">
+                <a16:creationId xmlns:a16="http://schemas.microsoft.com/office/drawing/2014/main" id="{C1AD7825-CA06-934F-9751-1B99EA699A56}"/>
+              </a:ext>
+            </a:extLst>
+          </p:cNvPr>
+          <p:cNvPicPr>
+            <a:picLocks noChangeAspect="1"/>
+          </p:cNvPicPr>
+          <p:nvPr/>
+        </p:nvPicPr>
+        <p:blipFill>
+          <a:blip r:embed="rId5"/>
+          <a:stretch>
+            <a:fillRect/>
+          </a:stretch>
+        </p:blipFill>
+        <p:spPr>
+          <a:xfrm>
+            <a:off x="7402199" y="2513081"/>
+            <a:ext cx="2005387" cy="1832435"/>
+          </a:xfrm>
+          <a:prstGeom prst="rect">
+            <a:avLst/>
+          </a:prstGeom>
+        </p:spPr>
+      </p:pic>
+      <p:sp>
+        <p:nvSpPr>
+          <p:cNvPr id="19" name="TextBox 18">
+            <a:extLst>
+              <a:ext uri="{FF2B5EF4-FFF2-40B4-BE49-F238E27FC236}">
+                <a16:creationId xmlns:a16="http://schemas.microsoft.com/office/drawing/2014/main" id="{B6BA5743-BA1F-134C-89DB-8433B35D3C5C}"/>
+              </a:ext>
+            </a:extLst>
+          </p:cNvPr>
+          <p:cNvSpPr txBox="1"/>
+          <p:nvPr/>
+        </p:nvSpPr>
+        <p:spPr>
+          <a:xfrm>
+            <a:off x="7721692" y="4344918"/>
+            <a:ext cx="1366399" cy="584775"/>
+          </a:xfrm>
+          <a:prstGeom prst="rect">
+            <a:avLst/>
+          </a:prstGeom>
+          <a:noFill/>
+        </p:spPr>
+        <p:txBody>
+          <a:bodyPr wrap="square" rtlCol="0">
+            <a:spAutoFit/>
+          </a:bodyPr>
+          <a:lstStyle/>
+          <a:p>
+            <a:pPr algn="ctr"/>
+            <a:r>
+              <a:rPr lang="de-AT" sz="3200" b="1" dirty="0">
+                <a:cs typeface="Times New Roman" panose="02020603050405020304" pitchFamily="18" charset="0"/>
+              </a:rPr>
+              <a:t>Duell</a:t>
+            </a:r>
+            <a:endParaRPr lang="en-AT" sz="2800" b="1" dirty="0">
+              <a:cs typeface="Times New Roman" panose="02020603050405020304" pitchFamily="18" charset="0"/>
+            </a:endParaRPr>
+          </a:p>
+        </p:txBody>
+      </p:sp>
+      <p:sp>
+        <p:nvSpPr>
+          <p:cNvPr id="15" name="TextBox 14">
+            <a:extLst>
+              <a:ext uri="{FF2B5EF4-FFF2-40B4-BE49-F238E27FC236}">
+                <a16:creationId xmlns:a16="http://schemas.microsoft.com/office/drawing/2014/main" id="{A4DFEF27-370F-2642-9186-E6355C61356E}"/>
+              </a:ext>
+            </a:extLst>
+          </p:cNvPr>
+          <p:cNvSpPr txBox="1"/>
+          <p:nvPr/>
+        </p:nvSpPr>
+        <p:spPr>
+          <a:xfrm>
+            <a:off x="-3100687" y="-1446550"/>
             <a:ext cx="3100687" cy="1446550"/>
           </a:xfrm>
           <a:prstGeom prst="rect">
@@ -5993,7 +6305,6 @@
                     <a:lumOff val="40000"/>
                   </a:schemeClr>
                 </a:solidFill>
-                <a:latin typeface="Times New Roman" panose="02020603050405020304" pitchFamily="18" charset="0"/>
                 <a:cs typeface="Times New Roman" panose="02020603050405020304" pitchFamily="18" charset="0"/>
               </a:rPr>
               <a:t>Ideen</a:t>
@@ -6003,10 +6314,10 @@
       </p:sp>
       <p:sp>
         <p:nvSpPr>
-          <p:cNvPr id="5" name="TextBox 4">
-            <a:extLst>
-              <a:ext uri="{FF2B5EF4-FFF2-40B4-BE49-F238E27FC236}">
-                <a16:creationId xmlns:a16="http://schemas.microsoft.com/office/drawing/2014/main" id="{8E58916B-B327-4B47-BF21-93F1AF0BAFF1}"/>
+          <p:cNvPr id="28" name="Textfeld 1">
+            <a:extLst>
+              <a:ext uri="{FF2B5EF4-FFF2-40B4-BE49-F238E27FC236}">
+                <a16:creationId xmlns:a16="http://schemas.microsoft.com/office/drawing/2014/main" id="{500294E4-6938-1E45-8DB3-87B9FE202AFB}"/>
               </a:ext>
             </a:extLst>
           </p:cNvPr>
@@ -6015,250 +6326,8 @@
         </p:nvSpPr>
         <p:spPr>
           <a:xfrm>
-            <a:off x="3360701" y="506973"/>
-            <a:ext cx="5470601" cy="830997"/>
-          </a:xfrm>
-          <a:prstGeom prst="rect">
-            <a:avLst/>
-          </a:prstGeom>
-          <a:noFill/>
-        </p:spPr>
-        <p:txBody>
-          <a:bodyPr wrap="none" rtlCol="0">
-            <a:spAutoFit/>
-          </a:bodyPr>
-          <a:lstStyle/>
-          <a:p>
-            <a:pPr algn="ctr"/>
-            <a:r>
-              <a:rPr lang="en-AT" sz="4800" b="1" dirty="0">
-                <a:cs typeface="Times New Roman" panose="02020603050405020304" pitchFamily="18" charset="0"/>
-              </a:rPr>
-              <a:t>Online Vokabel</a:t>
-            </a:r>
-            <a:r>
-              <a:rPr lang="de-DE" sz="4800" b="1" dirty="0" err="1">
-                <a:cs typeface="Times New Roman" panose="02020603050405020304" pitchFamily="18" charset="0"/>
-              </a:rPr>
-              <a:t>duell</a:t>
-            </a:r>
-            <a:r>
-              <a:rPr lang="en-AT" sz="4800" b="1" dirty="0">
-                <a:cs typeface="Times New Roman" panose="02020603050405020304" pitchFamily="18" charset="0"/>
-              </a:rPr>
-              <a:t> </a:t>
-            </a:r>
-          </a:p>
-        </p:txBody>
-      </p:sp>
-      <p:sp>
-        <p:nvSpPr>
-          <p:cNvPr id="8" name="TextBox 7">
-            <a:extLst>
-              <a:ext uri="{FF2B5EF4-FFF2-40B4-BE49-F238E27FC236}">
-                <a16:creationId xmlns:a16="http://schemas.microsoft.com/office/drawing/2014/main" id="{6FB478D6-92A7-C44E-97D7-71B63EB20D8C}"/>
-              </a:ext>
-            </a:extLst>
-          </p:cNvPr>
-          <p:cNvSpPr txBox="1"/>
-          <p:nvPr/>
-        </p:nvSpPr>
-        <p:spPr>
-          <a:xfrm>
-            <a:off x="-2670088" y="3429000"/>
-            <a:ext cx="2008883" cy="523220"/>
-          </a:xfrm>
-          <a:prstGeom prst="rect">
-            <a:avLst/>
-          </a:prstGeom>
-          <a:noFill/>
-        </p:spPr>
-        <p:txBody>
-          <a:bodyPr wrap="none" rtlCol="0">
-            <a:spAutoFit/>
-          </a:bodyPr>
-          <a:lstStyle/>
-          <a:p>
-            <a:pPr algn="r"/>
-            <a:r>
-              <a:rPr lang="en-AT" sz="2800" b="1" dirty="0">
-                <a:latin typeface="Times New Roman" panose="02020603050405020304" pitchFamily="18" charset="0"/>
-                <a:cs typeface="Times New Roman" panose="02020603050405020304" pitchFamily="18" charset="0"/>
-              </a:rPr>
-              <a:t>Discord Bot</a:t>
-            </a:r>
-          </a:p>
-        </p:txBody>
-      </p:sp>
-      <p:sp>
-        <p:nvSpPr>
-          <p:cNvPr id="9" name="TextBox 8">
-            <a:extLst>
-              <a:ext uri="{FF2B5EF4-FFF2-40B4-BE49-F238E27FC236}">
-                <a16:creationId xmlns:a16="http://schemas.microsoft.com/office/drawing/2014/main" id="{D2C886DF-CBCA-F34F-B479-892C3CA6293D}"/>
-              </a:ext>
-            </a:extLst>
-          </p:cNvPr>
-          <p:cNvSpPr txBox="1"/>
-          <p:nvPr/>
-        </p:nvSpPr>
-        <p:spPr>
-          <a:xfrm>
-            <a:off x="-2444065" y="4071265"/>
-            <a:ext cx="1782860" cy="523220"/>
-          </a:xfrm>
-          <a:prstGeom prst="rect">
-            <a:avLst/>
-          </a:prstGeom>
-          <a:noFill/>
-        </p:spPr>
-        <p:txBody>
-          <a:bodyPr wrap="none" rtlCol="0">
-            <a:spAutoFit/>
-          </a:bodyPr>
-          <a:lstStyle/>
-          <a:p>
-            <a:pPr algn="r"/>
-            <a:r>
-              <a:rPr lang="en-AT" sz="2800" b="1" dirty="0">
-                <a:latin typeface="Times New Roman" panose="02020603050405020304" pitchFamily="18" charset="0"/>
-                <a:cs typeface="Times New Roman" panose="02020603050405020304" pitchFamily="18" charset="0"/>
-              </a:rPr>
-              <a:t>N</a:t>
-            </a:r>
-            <a:r>
-              <a:rPr lang="en-GB" sz="2800" b="1" dirty="0">
-                <a:latin typeface="Times New Roman" panose="02020603050405020304" pitchFamily="18" charset="0"/>
-                <a:cs typeface="Times New Roman" panose="02020603050405020304" pitchFamily="18" charset="0"/>
-              </a:rPr>
-              <a:t>o</a:t>
-            </a:r>
-            <a:r>
-              <a:rPr lang="en-AT" sz="2800" b="1" dirty="0">
-                <a:latin typeface="Times New Roman" panose="02020603050405020304" pitchFamily="18" charset="0"/>
-                <a:cs typeface="Times New Roman" panose="02020603050405020304" pitchFamily="18" charset="0"/>
-              </a:rPr>
-              <a:t>tiz-App</a:t>
-            </a:r>
-          </a:p>
-        </p:txBody>
-      </p:sp>
-      <p:pic>
-        <p:nvPicPr>
-          <p:cNvPr id="10" name="Picture 9" descr="Icon&#10;&#10;Description automatically generated">
-            <a:extLst>
-              <a:ext uri="{FF2B5EF4-FFF2-40B4-BE49-F238E27FC236}">
-                <a16:creationId xmlns:a16="http://schemas.microsoft.com/office/drawing/2014/main" id="{5B156F24-6EE7-FE40-AD85-0068667450BF}"/>
-              </a:ext>
-            </a:extLst>
-          </p:cNvPr>
-          <p:cNvPicPr>
-            <a:picLocks noChangeAspect="1"/>
-          </p:cNvPicPr>
-          <p:nvPr/>
-        </p:nvPicPr>
-        <p:blipFill rotWithShape="1">
-          <a:blip r:embed="rId4"/>
-          <a:srcRect l="19399" r="18314"/>
-          <a:stretch/>
-        </p:blipFill>
-        <p:spPr>
-          <a:xfrm>
-            <a:off x="2780920" y="2513081"/>
-            <a:ext cx="2008883" cy="1831837"/>
-          </a:xfrm>
-          <a:prstGeom prst="rect">
-            <a:avLst/>
-          </a:prstGeom>
-        </p:spPr>
-      </p:pic>
-      <p:sp>
-        <p:nvSpPr>
-          <p:cNvPr id="12" name="TextBox 11">
-            <a:extLst>
-              <a:ext uri="{FF2B5EF4-FFF2-40B4-BE49-F238E27FC236}">
-                <a16:creationId xmlns:a16="http://schemas.microsoft.com/office/drawing/2014/main" id="{F0DFD124-BE82-2E4E-BE7F-D7E17FC33BCC}"/>
-              </a:ext>
-            </a:extLst>
-          </p:cNvPr>
-          <p:cNvSpPr txBox="1"/>
-          <p:nvPr/>
-        </p:nvSpPr>
-        <p:spPr>
-          <a:xfrm>
-            <a:off x="3281857" y="4332875"/>
-            <a:ext cx="1007007" cy="584775"/>
-          </a:xfrm>
-          <a:prstGeom prst="rect">
-            <a:avLst/>
-          </a:prstGeom>
-          <a:noFill/>
-        </p:spPr>
-        <p:txBody>
-          <a:bodyPr wrap="none" rtlCol="0">
-            <a:spAutoFit/>
-          </a:bodyPr>
-          <a:lstStyle/>
-          <a:p>
-            <a:pPr algn="ctr"/>
-            <a:r>
-              <a:rPr lang="de-AT" sz="3200" b="1" dirty="0">
-                <a:cs typeface="Times New Roman" panose="02020603050405020304" pitchFamily="18" charset="0"/>
-              </a:rPr>
-              <a:t>Spiel</a:t>
-            </a:r>
-            <a:endParaRPr lang="en-AT" sz="3200" b="1" dirty="0">
-              <a:cs typeface="Times New Roman" panose="02020603050405020304" pitchFamily="18" charset="0"/>
-            </a:endParaRPr>
-          </a:p>
-        </p:txBody>
-      </p:sp>
-      <p:pic>
-        <p:nvPicPr>
-          <p:cNvPr id="18" name="Picture 17" descr="Shape&#10;&#10;Description automatically generated with low confidence">
-            <a:extLst>
-              <a:ext uri="{FF2B5EF4-FFF2-40B4-BE49-F238E27FC236}">
-                <a16:creationId xmlns:a16="http://schemas.microsoft.com/office/drawing/2014/main" id="{C1AD7825-CA06-934F-9751-1B99EA699A56}"/>
-              </a:ext>
-            </a:extLst>
-          </p:cNvPr>
-          <p:cNvPicPr>
-            <a:picLocks noChangeAspect="1"/>
-          </p:cNvPicPr>
-          <p:nvPr/>
-        </p:nvPicPr>
-        <p:blipFill>
-          <a:blip r:embed="rId5"/>
-          <a:stretch>
-            <a:fillRect/>
-          </a:stretch>
-        </p:blipFill>
-        <p:spPr>
-          <a:xfrm>
-            <a:off x="7402199" y="2513081"/>
-            <a:ext cx="2005387" cy="1832435"/>
-          </a:xfrm>
-          <a:prstGeom prst="rect">
-            <a:avLst/>
-          </a:prstGeom>
-        </p:spPr>
-      </p:pic>
-      <p:sp>
-        <p:nvSpPr>
-          <p:cNvPr id="19" name="TextBox 18">
-            <a:extLst>
-              <a:ext uri="{FF2B5EF4-FFF2-40B4-BE49-F238E27FC236}">
-                <a16:creationId xmlns:a16="http://schemas.microsoft.com/office/drawing/2014/main" id="{B6BA5743-BA1F-134C-89DB-8433B35D3C5C}"/>
-              </a:ext>
-            </a:extLst>
-          </p:cNvPr>
-          <p:cNvSpPr txBox="1"/>
-          <p:nvPr/>
-        </p:nvSpPr>
-        <p:spPr>
-          <a:xfrm>
-            <a:off x="7721692" y="4344918"/>
-            <a:ext cx="1366399" cy="584775"/>
+            <a:off x="4309188" y="7183035"/>
+            <a:ext cx="3412504" cy="769441"/>
           </a:xfrm>
           <a:prstGeom prst="rect">
             <a:avLst/>
@@ -6271,16 +6340,171 @@
           </a:bodyPr>
           <a:lstStyle/>
           <a:p>
-            <a:pPr algn="ctr"/>
-            <a:r>
-              <a:rPr lang="de-AT" sz="3200" b="1" dirty="0">
-                <a:cs typeface="Times New Roman" panose="02020603050405020304" pitchFamily="18" charset="0"/>
-              </a:rPr>
-              <a:t>Duell</a:t>
-            </a:r>
-            <a:endParaRPr lang="en-AT" sz="2800" b="1" dirty="0">
-              <a:cs typeface="Times New Roman" panose="02020603050405020304" pitchFamily="18" charset="0"/>
-            </a:endParaRPr>
+            <a:r>
+              <a:rPr lang="de-DE" sz="4400" b="1" dirty="0"/>
+              <a:t>Hintergrund</a:t>
+            </a:r>
+            <a:endParaRPr lang="de-AT" b="1" dirty="0"/>
+          </a:p>
+        </p:txBody>
+      </p:sp>
+      <p:sp>
+        <p:nvSpPr>
+          <p:cNvPr id="29" name="Textfeld 2">
+            <a:extLst>
+              <a:ext uri="{FF2B5EF4-FFF2-40B4-BE49-F238E27FC236}">
+                <a16:creationId xmlns:a16="http://schemas.microsoft.com/office/drawing/2014/main" id="{FD069A06-5EE1-FD4A-88A1-6F38522CC683}"/>
+              </a:ext>
+            </a:extLst>
+          </p:cNvPr>
+          <p:cNvSpPr txBox="1"/>
+          <p:nvPr/>
+        </p:nvSpPr>
+        <p:spPr>
+          <a:xfrm flipH="1">
+            <a:off x="909254" y="8915789"/>
+            <a:ext cx="4901938" cy="523220"/>
+          </a:xfrm>
+          <a:prstGeom prst="rect">
+            <a:avLst/>
+          </a:prstGeom>
+          <a:noFill/>
+        </p:spPr>
+        <p:txBody>
+          <a:bodyPr wrap="square" rtlCol="0">
+            <a:spAutoFit/>
+          </a:bodyPr>
+          <a:lstStyle/>
+          <a:p>
+            <a:r>
+              <a:rPr lang="de-DE" sz="2800" dirty="0"/>
+              <a:t>Klassisches</a:t>
+            </a:r>
+            <a:r>
+              <a:rPr lang="de-DE" sz="2000" dirty="0"/>
+              <a:t> </a:t>
+            </a:r>
+            <a:r>
+              <a:rPr lang="de-DE" sz="2800" dirty="0"/>
+              <a:t>lernen</a:t>
+            </a:r>
+            <a:r>
+              <a:rPr lang="de-DE" sz="2000" dirty="0"/>
+              <a:t> </a:t>
+            </a:r>
+            <a:r>
+              <a:rPr lang="de-DE" sz="2800" dirty="0"/>
+              <a:t>langweilig</a:t>
+            </a:r>
+            <a:endParaRPr lang="de-AT" sz="2000" dirty="0"/>
+          </a:p>
+        </p:txBody>
+      </p:sp>
+      <p:sp>
+        <p:nvSpPr>
+          <p:cNvPr id="30" name="Textfeld 3">
+            <a:extLst>
+              <a:ext uri="{FF2B5EF4-FFF2-40B4-BE49-F238E27FC236}">
+                <a16:creationId xmlns:a16="http://schemas.microsoft.com/office/drawing/2014/main" id="{9D363D96-778D-A442-A22A-2D4988C3E70D}"/>
+              </a:ext>
+            </a:extLst>
+          </p:cNvPr>
+          <p:cNvSpPr txBox="1"/>
+          <p:nvPr/>
+        </p:nvSpPr>
+        <p:spPr>
+          <a:xfrm>
+            <a:off x="958117" y="10248434"/>
+            <a:ext cx="4579697" cy="523220"/>
+          </a:xfrm>
+          <a:prstGeom prst="rect">
+            <a:avLst/>
+          </a:prstGeom>
+          <a:noFill/>
+        </p:spPr>
+        <p:txBody>
+          <a:bodyPr wrap="square" rtlCol="0">
+            <a:spAutoFit/>
+          </a:bodyPr>
+          <a:lstStyle/>
+          <a:p>
+            <a:r>
+              <a:rPr lang="de-DE" sz="2800" dirty="0"/>
+              <a:t>Oft  langwieriger Lernprozess</a:t>
+            </a:r>
+            <a:endParaRPr lang="de-AT" sz="2800" dirty="0"/>
+          </a:p>
+        </p:txBody>
+      </p:sp>
+      <p:sp>
+        <p:nvSpPr>
+          <p:cNvPr id="31" name="Textfeld 4">
+            <a:extLst>
+              <a:ext uri="{FF2B5EF4-FFF2-40B4-BE49-F238E27FC236}">
+                <a16:creationId xmlns:a16="http://schemas.microsoft.com/office/drawing/2014/main" id="{C25D87C8-93AA-534A-B98B-CE7678715235}"/>
+              </a:ext>
+            </a:extLst>
+          </p:cNvPr>
+          <p:cNvSpPr txBox="1"/>
+          <p:nvPr/>
+        </p:nvSpPr>
+        <p:spPr>
+          <a:xfrm flipH="1">
+            <a:off x="5818572" y="9363984"/>
+            <a:ext cx="5101948" cy="523220"/>
+          </a:xfrm>
+          <a:prstGeom prst="rect">
+            <a:avLst/>
+          </a:prstGeom>
+          <a:noFill/>
+        </p:spPr>
+        <p:txBody>
+          <a:bodyPr wrap="square" rtlCol="0">
+            <a:spAutoFit/>
+          </a:bodyPr>
+          <a:lstStyle/>
+          <a:p>
+            <a:r>
+              <a:rPr lang="de-DE" sz="2800" dirty="0"/>
+              <a:t>Schneller Verlust der Motivation</a:t>
+            </a:r>
+            <a:endParaRPr lang="de-AT" sz="2800" dirty="0"/>
+          </a:p>
+        </p:txBody>
+      </p:sp>
+      <p:sp>
+        <p:nvSpPr>
+          <p:cNvPr id="32" name="Textfeld 5">
+            <a:extLst>
+              <a:ext uri="{FF2B5EF4-FFF2-40B4-BE49-F238E27FC236}">
+                <a16:creationId xmlns:a16="http://schemas.microsoft.com/office/drawing/2014/main" id="{4ACA7763-4965-8449-847C-AF1A6200C56E}"/>
+              </a:ext>
+            </a:extLst>
+          </p:cNvPr>
+          <p:cNvSpPr txBox="1"/>
+          <p:nvPr/>
+        </p:nvSpPr>
+        <p:spPr>
+          <a:xfrm>
+            <a:off x="5702313" y="11126498"/>
+            <a:ext cx="5868658" cy="523220"/>
+          </a:xfrm>
+          <a:prstGeom prst="rect">
+            <a:avLst/>
+          </a:prstGeom>
+          <a:noFill/>
+        </p:spPr>
+        <p:txBody>
+          <a:bodyPr wrap="square" rtlCol="0">
+            <a:spAutoFit/>
+          </a:bodyPr>
+          <a:lstStyle/>
+          <a:p>
+            <a:r>
+              <a:rPr lang="de-DE" sz="2800" dirty="0"/>
+              <a:t>Lernfortschritt oft schwer erkennbar</a:t>
+            </a:r>
+            <a:endParaRPr lang="de-AT" sz="2800" dirty="0"/>
           </a:p>
         </p:txBody>
       </p:sp>
@@ -6478,6 +6702,367 @@
           </a:p>
         </p:txBody>
       </p:sp>
+      <p:sp>
+        <p:nvSpPr>
+          <p:cNvPr id="6" name="Textfeld 1">
+            <a:extLst>
+              <a:ext uri="{FF2B5EF4-FFF2-40B4-BE49-F238E27FC236}">
+                <a16:creationId xmlns:a16="http://schemas.microsoft.com/office/drawing/2014/main" id="{E90A8621-F054-A546-8064-D56F56B28C29}"/>
+              </a:ext>
+            </a:extLst>
+          </p:cNvPr>
+          <p:cNvSpPr txBox="1"/>
+          <p:nvPr/>
+        </p:nvSpPr>
+        <p:spPr>
+          <a:xfrm>
+            <a:off x="4389748" y="-5609000"/>
+            <a:ext cx="3412504" cy="769441"/>
+          </a:xfrm>
+          <a:prstGeom prst="rect">
+            <a:avLst/>
+          </a:prstGeom>
+          <a:noFill/>
+        </p:spPr>
+        <p:txBody>
+          <a:bodyPr wrap="square" rtlCol="0">
+            <a:spAutoFit/>
+          </a:bodyPr>
+          <a:lstStyle/>
+          <a:p>
+            <a:r>
+              <a:rPr lang="de-DE" sz="4400" b="1" dirty="0"/>
+              <a:t>Hintergrund</a:t>
+            </a:r>
+            <a:endParaRPr lang="de-AT" b="1" dirty="0"/>
+          </a:p>
+        </p:txBody>
+      </p:sp>
+      <p:sp>
+        <p:nvSpPr>
+          <p:cNvPr id="7" name="Textfeld 2">
+            <a:extLst>
+              <a:ext uri="{FF2B5EF4-FFF2-40B4-BE49-F238E27FC236}">
+                <a16:creationId xmlns:a16="http://schemas.microsoft.com/office/drawing/2014/main" id="{D986E2E5-EFA9-9949-A61D-1F14FAB1F981}"/>
+              </a:ext>
+            </a:extLst>
+          </p:cNvPr>
+          <p:cNvSpPr txBox="1"/>
+          <p:nvPr/>
+        </p:nvSpPr>
+        <p:spPr>
+          <a:xfrm flipH="1">
+            <a:off x="989814" y="-3876246"/>
+            <a:ext cx="4901938" cy="523220"/>
+          </a:xfrm>
+          <a:prstGeom prst="rect">
+            <a:avLst/>
+          </a:prstGeom>
+          <a:noFill/>
+        </p:spPr>
+        <p:txBody>
+          <a:bodyPr wrap="square" rtlCol="0">
+            <a:spAutoFit/>
+          </a:bodyPr>
+          <a:lstStyle/>
+          <a:p>
+            <a:r>
+              <a:rPr lang="de-DE" sz="2800" dirty="0"/>
+              <a:t>Klassisches</a:t>
+            </a:r>
+            <a:r>
+              <a:rPr lang="de-DE" sz="2000" dirty="0"/>
+              <a:t> </a:t>
+            </a:r>
+            <a:r>
+              <a:rPr lang="de-DE" sz="2800" dirty="0"/>
+              <a:t>lernen</a:t>
+            </a:r>
+            <a:r>
+              <a:rPr lang="de-DE" sz="2000" dirty="0"/>
+              <a:t> </a:t>
+            </a:r>
+            <a:r>
+              <a:rPr lang="de-DE" sz="2800" dirty="0"/>
+              <a:t>langweilig</a:t>
+            </a:r>
+            <a:endParaRPr lang="de-AT" sz="2000" dirty="0"/>
+          </a:p>
+        </p:txBody>
+      </p:sp>
+      <p:sp>
+        <p:nvSpPr>
+          <p:cNvPr id="8" name="Textfeld 3">
+            <a:extLst>
+              <a:ext uri="{FF2B5EF4-FFF2-40B4-BE49-F238E27FC236}">
+                <a16:creationId xmlns:a16="http://schemas.microsoft.com/office/drawing/2014/main" id="{9C7EFD3F-5178-BA4D-8D58-908AD398ACA0}"/>
+              </a:ext>
+            </a:extLst>
+          </p:cNvPr>
+          <p:cNvSpPr txBox="1"/>
+          <p:nvPr/>
+        </p:nvSpPr>
+        <p:spPr>
+          <a:xfrm>
+            <a:off x="1038677" y="-2543601"/>
+            <a:ext cx="4579697" cy="523220"/>
+          </a:xfrm>
+          <a:prstGeom prst="rect">
+            <a:avLst/>
+          </a:prstGeom>
+          <a:noFill/>
+        </p:spPr>
+        <p:txBody>
+          <a:bodyPr wrap="square" rtlCol="0">
+            <a:spAutoFit/>
+          </a:bodyPr>
+          <a:lstStyle/>
+          <a:p>
+            <a:r>
+              <a:rPr lang="de-DE" sz="2800" dirty="0"/>
+              <a:t>Oft  langwieriger Lernprozess</a:t>
+            </a:r>
+            <a:endParaRPr lang="de-AT" sz="2800" dirty="0"/>
+          </a:p>
+        </p:txBody>
+      </p:sp>
+      <p:sp>
+        <p:nvSpPr>
+          <p:cNvPr id="9" name="Textfeld 4">
+            <a:extLst>
+              <a:ext uri="{FF2B5EF4-FFF2-40B4-BE49-F238E27FC236}">
+                <a16:creationId xmlns:a16="http://schemas.microsoft.com/office/drawing/2014/main" id="{C5E942E9-F1F6-7E4B-8F05-A21DA6821B41}"/>
+              </a:ext>
+            </a:extLst>
+          </p:cNvPr>
+          <p:cNvSpPr txBox="1"/>
+          <p:nvPr/>
+        </p:nvSpPr>
+        <p:spPr>
+          <a:xfrm flipH="1">
+            <a:off x="5899132" y="-3428051"/>
+            <a:ext cx="5101948" cy="523220"/>
+          </a:xfrm>
+          <a:prstGeom prst="rect">
+            <a:avLst/>
+          </a:prstGeom>
+          <a:noFill/>
+        </p:spPr>
+        <p:txBody>
+          <a:bodyPr wrap="square" rtlCol="0">
+            <a:spAutoFit/>
+          </a:bodyPr>
+          <a:lstStyle/>
+          <a:p>
+            <a:r>
+              <a:rPr lang="de-DE" sz="2800" dirty="0"/>
+              <a:t>Schneller Verlust der Motivation</a:t>
+            </a:r>
+            <a:endParaRPr lang="de-AT" sz="2800" dirty="0"/>
+          </a:p>
+        </p:txBody>
+      </p:sp>
+      <p:sp>
+        <p:nvSpPr>
+          <p:cNvPr id="10" name="Textfeld 5">
+            <a:extLst>
+              <a:ext uri="{FF2B5EF4-FFF2-40B4-BE49-F238E27FC236}">
+                <a16:creationId xmlns:a16="http://schemas.microsoft.com/office/drawing/2014/main" id="{661D1A4D-62AB-D649-A94F-8C23C4B3BAAA}"/>
+              </a:ext>
+            </a:extLst>
+          </p:cNvPr>
+          <p:cNvSpPr txBox="1"/>
+          <p:nvPr/>
+        </p:nvSpPr>
+        <p:spPr>
+          <a:xfrm>
+            <a:off x="5782873" y="-1665537"/>
+            <a:ext cx="5868658" cy="523220"/>
+          </a:xfrm>
+          <a:prstGeom prst="rect">
+            <a:avLst/>
+          </a:prstGeom>
+          <a:noFill/>
+        </p:spPr>
+        <p:txBody>
+          <a:bodyPr wrap="square" rtlCol="0">
+            <a:spAutoFit/>
+          </a:bodyPr>
+          <a:lstStyle/>
+          <a:p>
+            <a:r>
+              <a:rPr lang="de-DE" sz="2800" dirty="0"/>
+              <a:t>Lernfortschritt oft schwer erkennbar</a:t>
+            </a:r>
+            <a:endParaRPr lang="de-AT" sz="2800" dirty="0"/>
+          </a:p>
+        </p:txBody>
+      </p:sp>
+      <p:pic>
+        <p:nvPicPr>
+          <p:cNvPr id="11" name="Picture 10" descr="Icon&#10;&#10;Description automatically generated">
+            <a:extLst>
+              <a:ext uri="{FF2B5EF4-FFF2-40B4-BE49-F238E27FC236}">
+                <a16:creationId xmlns:a16="http://schemas.microsoft.com/office/drawing/2014/main" id="{AD5593AC-6757-F142-90D0-623149B25802}"/>
+              </a:ext>
+            </a:extLst>
+          </p:cNvPr>
+          <p:cNvPicPr>
+            <a:picLocks noChangeAspect="1"/>
+          </p:cNvPicPr>
+          <p:nvPr/>
+        </p:nvPicPr>
+        <p:blipFill rotWithShape="1">
+          <a:blip r:embed="rId2"/>
+          <a:srcRect l="26218" r="27384"/>
+          <a:stretch/>
+        </p:blipFill>
+        <p:spPr>
+          <a:xfrm>
+            <a:off x="-12875520" y="586078"/>
+            <a:ext cx="4343887" cy="5685844"/>
+          </a:xfrm>
+          <a:prstGeom prst="rect">
+            <a:avLst/>
+          </a:prstGeom>
+        </p:spPr>
+      </p:pic>
+      <p:sp>
+        <p:nvSpPr>
+          <p:cNvPr id="12" name="TextBox 11">
+            <a:extLst>
+              <a:ext uri="{FF2B5EF4-FFF2-40B4-BE49-F238E27FC236}">
+                <a16:creationId xmlns:a16="http://schemas.microsoft.com/office/drawing/2014/main" id="{87AB3ACD-208E-D944-B1AC-ECEFBA7A0514}"/>
+              </a:ext>
+            </a:extLst>
+          </p:cNvPr>
+          <p:cNvSpPr txBox="1"/>
+          <p:nvPr/>
+        </p:nvSpPr>
+        <p:spPr>
+          <a:xfrm>
+            <a:off x="-7288433" y="1399708"/>
+            <a:ext cx="3100687" cy="1446550"/>
+          </a:xfrm>
+          <a:prstGeom prst="rect">
+            <a:avLst/>
+          </a:prstGeom>
+          <a:noFill/>
+        </p:spPr>
+        <p:txBody>
+          <a:bodyPr wrap="square" rtlCol="0">
+            <a:spAutoFit/>
+          </a:bodyPr>
+          <a:lstStyle/>
+          <a:p>
+            <a:pPr algn="r"/>
+            <a:r>
+              <a:rPr lang="en-AT" sz="8800" b="1" dirty="0">
+                <a:solidFill>
+                  <a:schemeClr val="accent4">
+                    <a:lumMod val="60000"/>
+                    <a:lumOff val="40000"/>
+                  </a:schemeClr>
+                </a:solidFill>
+                <a:cs typeface="Times New Roman" panose="02020603050405020304" pitchFamily="18" charset="0"/>
+              </a:rPr>
+              <a:t>Ideen</a:t>
+            </a:r>
+          </a:p>
+        </p:txBody>
+      </p:sp>
+      <p:sp>
+        <p:nvSpPr>
+          <p:cNvPr id="13" name="TextBox 12">
+            <a:extLst>
+              <a:ext uri="{FF2B5EF4-FFF2-40B4-BE49-F238E27FC236}">
+                <a16:creationId xmlns:a16="http://schemas.microsoft.com/office/drawing/2014/main" id="{77B1D427-B44B-3B48-BC8E-4AC4AC3D61B9}"/>
+              </a:ext>
+            </a:extLst>
+          </p:cNvPr>
+          <p:cNvSpPr txBox="1"/>
+          <p:nvPr/>
+        </p:nvSpPr>
+        <p:spPr>
+          <a:xfrm>
+            <a:off x="-7376247" y="2846258"/>
+            <a:ext cx="3188501" cy="523220"/>
+          </a:xfrm>
+          <a:prstGeom prst="rect">
+            <a:avLst/>
+          </a:prstGeom>
+          <a:noFill/>
+        </p:spPr>
+        <p:txBody>
+          <a:bodyPr wrap="none" rtlCol="0">
+            <a:spAutoFit/>
+          </a:bodyPr>
+          <a:lstStyle/>
+          <a:p>
+            <a:pPr algn="r"/>
+            <a:r>
+              <a:rPr lang="en-AT" sz="2800" b="1" dirty="0">
+                <a:cs typeface="Times New Roman" panose="02020603050405020304" pitchFamily="18" charset="0"/>
+              </a:rPr>
+              <a:t>Online Vokabel</a:t>
+            </a:r>
+            <a:r>
+              <a:rPr lang="de-DE" sz="2800" b="1" dirty="0" err="1">
+                <a:cs typeface="Times New Roman" panose="02020603050405020304" pitchFamily="18" charset="0"/>
+              </a:rPr>
+              <a:t>duell</a:t>
+            </a:r>
+            <a:endParaRPr lang="en-AT" sz="2800" b="1" dirty="0">
+              <a:cs typeface="Times New Roman" panose="02020603050405020304" pitchFamily="18" charset="0"/>
+            </a:endParaRPr>
+          </a:p>
+        </p:txBody>
+      </p:sp>
+      <p:sp>
+        <p:nvSpPr>
+          <p:cNvPr id="14" name="TextBox 13">
+            <a:extLst>
+              <a:ext uri="{FF2B5EF4-FFF2-40B4-BE49-F238E27FC236}">
+                <a16:creationId xmlns:a16="http://schemas.microsoft.com/office/drawing/2014/main" id="{673578C9-23B2-FE40-A72C-10549F5DCCD1}"/>
+              </a:ext>
+            </a:extLst>
+          </p:cNvPr>
+          <p:cNvSpPr txBox="1"/>
+          <p:nvPr/>
+        </p:nvSpPr>
+        <p:spPr>
+          <a:xfrm>
+            <a:off x="-6115197" y="3488523"/>
+            <a:ext cx="1927451" cy="523220"/>
+          </a:xfrm>
+          <a:prstGeom prst="rect">
+            <a:avLst/>
+          </a:prstGeom>
+          <a:noFill/>
+        </p:spPr>
+        <p:txBody>
+          <a:bodyPr wrap="none" rtlCol="0">
+            <a:spAutoFit/>
+          </a:bodyPr>
+          <a:lstStyle/>
+          <a:p>
+            <a:pPr algn="r"/>
+            <a:r>
+              <a:rPr lang="en-AT" sz="2800" b="1" dirty="0">
+                <a:cs typeface="Times New Roman" panose="02020603050405020304" pitchFamily="18" charset="0"/>
+              </a:rPr>
+              <a:t>Discord</a:t>
+            </a:r>
+            <a:r>
+              <a:rPr lang="en-AT" sz="2800" b="1" dirty="0">
+                <a:latin typeface="Times New Roman" panose="02020603050405020304" pitchFamily="18" charset="0"/>
+                <a:cs typeface="Times New Roman" panose="02020603050405020304" pitchFamily="18" charset="0"/>
+              </a:rPr>
+              <a:t> Bot</a:t>
+            </a:r>
+          </a:p>
+        </p:txBody>
+      </p:sp>
     </p:spTree>
     <p:extLst>
       <p:ext uri="{BB962C8B-B14F-4D97-AF65-F5344CB8AC3E}">
@@ -6488,13 +7073,13 @@
   <p:clrMapOvr>
     <a:masterClrMapping/>
   </p:clrMapOvr>
-  <mc:AlternateContent xmlns:mc="http://schemas.openxmlformats.org/markup-compatibility/2006">
-    <mc:Choice xmlns:p159="http://schemas.microsoft.com/office/powerpoint/2015/09/main" Requires="p159">
+  <mc:AlternateContent xmlns:mc="http://schemas.openxmlformats.org/markup-compatibility/2006" xmlns:p159="http://schemas.microsoft.com/office/powerpoint/2015/09/main">
+    <mc:Choice Requires="p159">
       <p:transition xmlns:p14="http://schemas.microsoft.com/office/powerpoint/2010/main" spd="slow" p14:dur="2000">
         <p159:morph option="byObject"/>
       </p:transition>
     </mc:Choice>
-    <mc:Fallback>
+    <mc:Fallback xmlns="">
       <p:transition spd="slow">
         <p:fade/>
       </p:transition>
@@ -6615,7 +7200,7 @@
         </p:nvSpPr>
         <p:spPr>
           <a:xfrm>
-            <a:off x="7251386" y="2846258"/>
+            <a:off x="7251386" y="2846257"/>
             <a:ext cx="3188501" cy="523220"/>
           </a:xfrm>
           <a:prstGeom prst="rect">
@@ -6695,10 +7280,10 @@
       </p:sp>
       <p:pic>
         <p:nvPicPr>
-          <p:cNvPr id="10" name="Picture 9" descr="Icon&#10;&#10;Description automatically generated">
-            <a:extLst>
-              <a:ext uri="{FF2B5EF4-FFF2-40B4-BE49-F238E27FC236}">
-                <a16:creationId xmlns:a16="http://schemas.microsoft.com/office/drawing/2014/main" id="{B933CAD5-85E7-3443-8B31-2FF447F5EEE7}"/>
+          <p:cNvPr id="12" name="Picture 11" descr="Icon&#10;&#10;Description automatically generated">
+            <a:extLst>
+              <a:ext uri="{FF2B5EF4-FFF2-40B4-BE49-F238E27FC236}">
+                <a16:creationId xmlns:a16="http://schemas.microsoft.com/office/drawing/2014/main" id="{0EAA7171-2176-744F-B4F1-DB3AF800A248}"/>
               </a:ext>
             </a:extLst>
           </p:cNvPr>
@@ -6707,90 +7292,16 @@
           </p:cNvPicPr>
           <p:nvPr/>
         </p:nvPicPr>
-        <p:blipFill rotWithShape="1">
-          <a:blip r:embed="rId4">
-            <a:alphaModFix/>
-          </a:blip>
-          <a:srcRect l="19399" r="18314"/>
-          <a:stretch/>
-        </p:blipFill>
-        <p:spPr>
-          <a:xfrm>
-            <a:off x="13801059" y="3302231"/>
-            <a:ext cx="1212017" cy="1105200"/>
-          </a:xfrm>
-          <a:prstGeom prst="rect">
-            <a:avLst/>
-          </a:prstGeom>
-        </p:spPr>
-      </p:pic>
-      <p:sp>
-        <p:nvSpPr>
-          <p:cNvPr id="11" name="TextBox 10">
-            <a:extLst>
-              <a:ext uri="{FF2B5EF4-FFF2-40B4-BE49-F238E27FC236}">
-                <a16:creationId xmlns:a16="http://schemas.microsoft.com/office/drawing/2014/main" id="{CA25F892-26B7-484E-91E5-466C469CA0B8}"/>
-              </a:ext>
-            </a:extLst>
-          </p:cNvPr>
-          <p:cNvSpPr txBox="1"/>
-          <p:nvPr/>
-        </p:nvSpPr>
-        <p:spPr>
-          <a:xfrm>
-            <a:off x="13935623" y="4392398"/>
-            <a:ext cx="942887" cy="523220"/>
-          </a:xfrm>
-          <a:prstGeom prst="rect">
-            <a:avLst/>
-          </a:prstGeom>
-          <a:noFill/>
-        </p:spPr>
-        <p:txBody>
-          <a:bodyPr wrap="none" rtlCol="0">
-            <a:spAutoFit/>
-          </a:bodyPr>
-          <a:lstStyle/>
-          <a:p>
-            <a:pPr algn="ctr"/>
-            <a:r>
-              <a:rPr lang="de-AT" sz="2800" b="1" dirty="0">
-                <a:latin typeface="Times New Roman" panose="02020603050405020304" pitchFamily="18" charset="0"/>
-                <a:cs typeface="Times New Roman" panose="02020603050405020304" pitchFamily="18" charset="0"/>
-              </a:rPr>
-              <a:t>Spiel</a:t>
-            </a:r>
-            <a:endParaRPr lang="en-AT" sz="2800" b="1" dirty="0">
-              <a:latin typeface="Times New Roman" panose="02020603050405020304" pitchFamily="18" charset="0"/>
-              <a:cs typeface="Times New Roman" panose="02020603050405020304" pitchFamily="18" charset="0"/>
-            </a:endParaRPr>
-          </a:p>
-        </p:txBody>
-      </p:sp>
-      <p:pic>
-        <p:nvPicPr>
-          <p:cNvPr id="14" name="Picture 13" descr="Shape&#10;&#10;Description automatically generated with low confidence">
-            <a:extLst>
-              <a:ext uri="{FF2B5EF4-FFF2-40B4-BE49-F238E27FC236}">
-                <a16:creationId xmlns:a16="http://schemas.microsoft.com/office/drawing/2014/main" id="{FADF2F4E-C362-114A-B8B0-727E07124F4C}"/>
-              </a:ext>
-            </a:extLst>
-          </p:cNvPr>
-          <p:cNvPicPr>
-            <a:picLocks noChangeAspect="1"/>
-          </p:cNvPicPr>
-          <p:nvPr/>
-        </p:nvPicPr>
         <p:blipFill>
-          <a:blip r:embed="rId5"/>
+          <a:blip r:embed="rId4"/>
           <a:stretch>
             <a:fillRect/>
           </a:stretch>
         </p:blipFill>
         <p:spPr>
           <a:xfrm>
-            <a:off x="15990070" y="3248822"/>
-            <a:ext cx="1212017" cy="1212017"/>
+            <a:off x="20463708" y="8169098"/>
+            <a:ext cx="3312125" cy="1863070"/>
           </a:xfrm>
           <a:prstGeom prst="rect">
             <a:avLst/>
@@ -6799,10 +7310,10 @@
       </p:pic>
       <p:sp>
         <p:nvSpPr>
-          <p:cNvPr id="15" name="TextBox 14">
-            <a:extLst>
-              <a:ext uri="{FF2B5EF4-FFF2-40B4-BE49-F238E27FC236}">
-                <a16:creationId xmlns:a16="http://schemas.microsoft.com/office/drawing/2014/main" id="{A980A061-9F2D-7B45-A17D-33F67B2B81E7}"/>
+          <p:cNvPr id="16" name="TextBox 15">
+            <a:extLst>
+              <a:ext uri="{FF2B5EF4-FFF2-40B4-BE49-F238E27FC236}">
+                <a16:creationId xmlns:a16="http://schemas.microsoft.com/office/drawing/2014/main" id="{98519AAC-F14B-AE4C-8560-76891E148C93}"/>
               </a:ext>
             </a:extLst>
           </p:cNvPr>
@@ -6811,80 +7322,7 @@
         </p:nvSpPr>
         <p:spPr>
           <a:xfrm>
-            <a:off x="16094980" y="4460839"/>
-            <a:ext cx="1002197" cy="523220"/>
-          </a:xfrm>
-          <a:prstGeom prst="rect">
-            <a:avLst/>
-          </a:prstGeom>
-          <a:noFill/>
-        </p:spPr>
-        <p:txBody>
-          <a:bodyPr wrap="none" rtlCol="0">
-            <a:spAutoFit/>
-          </a:bodyPr>
-          <a:lstStyle/>
-          <a:p>
-            <a:pPr algn="ctr"/>
-            <a:r>
-              <a:rPr lang="de-AT" sz="2800" b="1" dirty="0">
-                <a:latin typeface="Times New Roman" panose="02020603050405020304" pitchFamily="18" charset="0"/>
-                <a:cs typeface="Times New Roman" panose="02020603050405020304" pitchFamily="18" charset="0"/>
-              </a:rPr>
-              <a:t>Duell</a:t>
-            </a:r>
-            <a:endParaRPr lang="en-AT" sz="2800" b="1" dirty="0">
-              <a:latin typeface="Times New Roman" panose="02020603050405020304" pitchFamily="18" charset="0"/>
-              <a:cs typeface="Times New Roman" panose="02020603050405020304" pitchFamily="18" charset="0"/>
-            </a:endParaRPr>
-          </a:p>
-        </p:txBody>
-      </p:sp>
-      <p:pic>
-        <p:nvPicPr>
-          <p:cNvPr id="12" name="Picture 11" descr="Icon&#10;&#10;Description automatically generated">
-            <a:extLst>
-              <a:ext uri="{FF2B5EF4-FFF2-40B4-BE49-F238E27FC236}">
-                <a16:creationId xmlns:a16="http://schemas.microsoft.com/office/drawing/2014/main" id="{0EAA7171-2176-744F-B4F1-DB3AF800A248}"/>
-              </a:ext>
-            </a:extLst>
-          </p:cNvPr>
-          <p:cNvPicPr>
-            <a:picLocks noChangeAspect="1"/>
-          </p:cNvPicPr>
-          <p:nvPr/>
-        </p:nvPicPr>
-        <p:blipFill>
-          <a:blip r:embed="rId6"/>
-          <a:stretch>
-            <a:fillRect/>
-          </a:stretch>
-        </p:blipFill>
-        <p:spPr>
-          <a:xfrm>
-            <a:off x="4439937" y="7346232"/>
-            <a:ext cx="3312125" cy="1863070"/>
-          </a:xfrm>
-          <a:prstGeom prst="rect">
-            <a:avLst/>
-          </a:prstGeom>
-        </p:spPr>
-      </p:pic>
-      <p:sp>
-        <p:nvSpPr>
-          <p:cNvPr id="16" name="TextBox 15">
-            <a:extLst>
-              <a:ext uri="{FF2B5EF4-FFF2-40B4-BE49-F238E27FC236}">
-                <a16:creationId xmlns:a16="http://schemas.microsoft.com/office/drawing/2014/main" id="{98519AAC-F14B-AE4C-8560-76891E148C93}"/>
-              </a:ext>
-            </a:extLst>
-          </p:cNvPr>
-          <p:cNvSpPr txBox="1"/>
-          <p:nvPr/>
-        </p:nvSpPr>
-        <p:spPr>
-          <a:xfrm>
-            <a:off x="3514042" y="9870074"/>
+            <a:off x="19537813" y="10692940"/>
             <a:ext cx="1851789" cy="954107"/>
           </a:xfrm>
           <a:prstGeom prst="rect">
@@ -6937,7 +7375,7 @@
         </p:nvSpPr>
         <p:spPr>
           <a:xfrm>
-            <a:off x="6826171" y="9870074"/>
+            <a:off x="22849942" y="10692940"/>
             <a:ext cx="1579278" cy="954107"/>
           </a:xfrm>
           <a:prstGeom prst="rect">
@@ -6973,6 +7411,158 @@
               <a:latin typeface="Times New Roman" panose="02020603050405020304" pitchFamily="18" charset="0"/>
               <a:cs typeface="Times New Roman" panose="02020603050405020304" pitchFamily="18" charset="0"/>
             </a:endParaRPr>
+          </a:p>
+        </p:txBody>
+      </p:sp>
+      <p:sp>
+        <p:nvSpPr>
+          <p:cNvPr id="13" name="Textfeld 1">
+            <a:extLst>
+              <a:ext uri="{FF2B5EF4-FFF2-40B4-BE49-F238E27FC236}">
+                <a16:creationId xmlns:a16="http://schemas.microsoft.com/office/drawing/2014/main" id="{E19C0612-A9A1-0C45-86C4-C3520DAE20C0}"/>
+              </a:ext>
+            </a:extLst>
+          </p:cNvPr>
+          <p:cNvSpPr txBox="1"/>
+          <p:nvPr/>
+        </p:nvSpPr>
+        <p:spPr>
+          <a:xfrm>
+            <a:off x="3569023" y="-6603722"/>
+            <a:ext cx="4920792" cy="769441"/>
+          </a:xfrm>
+          <a:prstGeom prst="rect">
+            <a:avLst/>
+          </a:prstGeom>
+          <a:noFill/>
+        </p:spPr>
+        <p:txBody>
+          <a:bodyPr wrap="square" rtlCol="0">
+            <a:spAutoFit/>
+          </a:bodyPr>
+          <a:lstStyle/>
+          <a:p>
+            <a:r>
+              <a:rPr lang="de-DE" sz="4400" b="1" dirty="0"/>
+              <a:t>Technischer</a:t>
+            </a:r>
+            <a:r>
+              <a:rPr lang="de-DE" sz="2800" b="1" dirty="0"/>
+              <a:t> </a:t>
+            </a:r>
+            <a:r>
+              <a:rPr lang="de-DE" sz="4400" b="1" dirty="0"/>
+              <a:t>Ansatz</a:t>
+            </a:r>
+            <a:endParaRPr lang="de-AT" sz="2800" b="1" dirty="0"/>
+          </a:p>
+        </p:txBody>
+      </p:sp>
+      <p:sp>
+        <p:nvSpPr>
+          <p:cNvPr id="18" name="Textfeld 2">
+            <a:extLst>
+              <a:ext uri="{FF2B5EF4-FFF2-40B4-BE49-F238E27FC236}">
+                <a16:creationId xmlns:a16="http://schemas.microsoft.com/office/drawing/2014/main" id="{805C651E-C20E-0442-8090-1FEC15FFDF1F}"/>
+              </a:ext>
+            </a:extLst>
+          </p:cNvPr>
+          <p:cNvSpPr txBox="1"/>
+          <p:nvPr/>
+        </p:nvSpPr>
+        <p:spPr>
+          <a:xfrm>
+            <a:off x="2450377" y="-4708216"/>
+            <a:ext cx="2824898" cy="523220"/>
+          </a:xfrm>
+          <a:prstGeom prst="rect">
+            <a:avLst/>
+          </a:prstGeom>
+          <a:noFill/>
+        </p:spPr>
+        <p:txBody>
+          <a:bodyPr wrap="square" rtlCol="0">
+            <a:spAutoFit/>
+          </a:bodyPr>
+          <a:lstStyle/>
+          <a:p>
+            <a:r>
+              <a:rPr lang="de-DE" sz="2800" dirty="0"/>
+              <a:t>SQL Datenbank</a:t>
+            </a:r>
+            <a:endParaRPr lang="de-AT" sz="2800" dirty="0"/>
+          </a:p>
+        </p:txBody>
+      </p:sp>
+      <p:sp>
+        <p:nvSpPr>
+          <p:cNvPr id="19" name="Textfeld 3">
+            <a:extLst>
+              <a:ext uri="{FF2B5EF4-FFF2-40B4-BE49-F238E27FC236}">
+                <a16:creationId xmlns:a16="http://schemas.microsoft.com/office/drawing/2014/main" id="{0F55DF1F-060F-664C-B93A-72DBC072FB17}"/>
+              </a:ext>
+            </a:extLst>
+          </p:cNvPr>
+          <p:cNvSpPr txBox="1"/>
+          <p:nvPr/>
+        </p:nvSpPr>
+        <p:spPr>
+          <a:xfrm>
+            <a:off x="2057579" y="-2815925"/>
+            <a:ext cx="5018217" cy="523220"/>
+          </a:xfrm>
+          <a:prstGeom prst="rect">
+            <a:avLst/>
+          </a:prstGeom>
+          <a:noFill/>
+        </p:spPr>
+        <p:txBody>
+          <a:bodyPr wrap="square" rtlCol="0">
+            <a:spAutoFit/>
+          </a:bodyPr>
+          <a:lstStyle/>
+          <a:p>
+            <a:r>
+              <a:rPr lang="de-DE" sz="2800" dirty="0"/>
+              <a:t>Webservice ASP.NET</a:t>
+            </a:r>
+            <a:endParaRPr lang="de-AT" sz="2800" dirty="0"/>
+          </a:p>
+        </p:txBody>
+      </p:sp>
+      <p:sp>
+        <p:nvSpPr>
+          <p:cNvPr id="20" name="Textfeld 4">
+            <a:extLst>
+              <a:ext uri="{FF2B5EF4-FFF2-40B4-BE49-F238E27FC236}">
+                <a16:creationId xmlns:a16="http://schemas.microsoft.com/office/drawing/2014/main" id="{E459D9EA-354A-DF4F-AC1A-A9C23E8EA0CC}"/>
+              </a:ext>
+            </a:extLst>
+          </p:cNvPr>
+          <p:cNvSpPr txBox="1"/>
+          <p:nvPr/>
+        </p:nvSpPr>
+        <p:spPr>
+          <a:xfrm flipH="1">
+            <a:off x="6442268" y="-3935218"/>
+            <a:ext cx="4020891" cy="523220"/>
+          </a:xfrm>
+          <a:prstGeom prst="rect">
+            <a:avLst/>
+          </a:prstGeom>
+          <a:noFill/>
+        </p:spPr>
+        <p:txBody>
+          <a:bodyPr wrap="square" rtlCol="0">
+            <a:spAutoFit/>
+          </a:bodyPr>
+          <a:lstStyle/>
+          <a:p>
+            <a:r>
+              <a:rPr lang="de-DE" sz="2800" dirty="0"/>
+              <a:t>NODE.JS / HTML / CSS </a:t>
+            </a:r>
+            <a:endParaRPr lang="de-AT" sz="2800" dirty="0"/>
           </a:p>
         </p:txBody>
       </p:sp>
@@ -7166,6 +7756,172 @@
           </a:p>
         </p:txBody>
       </p:sp>
+      <p:pic>
+        <p:nvPicPr>
+          <p:cNvPr id="6" name="Picture 5" descr="Icon&#10;&#10;Description automatically generated">
+            <a:extLst>
+              <a:ext uri="{FF2B5EF4-FFF2-40B4-BE49-F238E27FC236}">
+                <a16:creationId xmlns:a16="http://schemas.microsoft.com/office/drawing/2014/main" id="{737B00BA-643F-8742-AA4C-D29AA5E7FD0D}"/>
+              </a:ext>
+            </a:extLst>
+          </p:cNvPr>
+          <p:cNvPicPr>
+            <a:picLocks noChangeAspect="1"/>
+          </p:cNvPicPr>
+          <p:nvPr/>
+        </p:nvPicPr>
+        <p:blipFill>
+          <a:blip r:embed="rId2"/>
+          <a:stretch>
+            <a:fillRect/>
+          </a:stretch>
+        </p:blipFill>
+        <p:spPr>
+          <a:xfrm>
+            <a:off x="3006153" y="-5723303"/>
+            <a:ext cx="6540334" cy="3678938"/>
+          </a:xfrm>
+          <a:prstGeom prst="rect">
+            <a:avLst/>
+          </a:prstGeom>
+        </p:spPr>
+      </p:pic>
+      <p:sp>
+        <p:nvSpPr>
+          <p:cNvPr id="7" name="TextBox 6">
+            <a:extLst>
+              <a:ext uri="{FF2B5EF4-FFF2-40B4-BE49-F238E27FC236}">
+                <a16:creationId xmlns:a16="http://schemas.microsoft.com/office/drawing/2014/main" id="{D5CBAC45-5744-0A43-915E-CD93A881B012}"/>
+              </a:ext>
+            </a:extLst>
+          </p:cNvPr>
+          <p:cNvSpPr txBox="1"/>
+          <p:nvPr/>
+        </p:nvSpPr>
+        <p:spPr>
+          <a:xfrm>
+            <a:off x="4714483" y="-6805861"/>
+            <a:ext cx="3123676" cy="830997"/>
+          </a:xfrm>
+          <a:prstGeom prst="rect">
+            <a:avLst/>
+          </a:prstGeom>
+          <a:noFill/>
+        </p:spPr>
+        <p:txBody>
+          <a:bodyPr wrap="none" rtlCol="0">
+            <a:spAutoFit/>
+          </a:bodyPr>
+          <a:lstStyle/>
+          <a:p>
+            <a:pPr algn="ctr"/>
+            <a:r>
+              <a:rPr lang="en-AT" sz="4800" b="1" dirty="0">
+                <a:cs typeface="Times New Roman" panose="02020603050405020304" pitchFamily="18" charset="0"/>
+              </a:rPr>
+              <a:t>Discord Bot</a:t>
+            </a:r>
+          </a:p>
+        </p:txBody>
+      </p:sp>
+      <p:sp>
+        <p:nvSpPr>
+          <p:cNvPr id="8" name="TextBox 7">
+            <a:extLst>
+              <a:ext uri="{FF2B5EF4-FFF2-40B4-BE49-F238E27FC236}">
+                <a16:creationId xmlns:a16="http://schemas.microsoft.com/office/drawing/2014/main" id="{904E4456-7172-D042-A068-1DAAD80085E9}"/>
+              </a:ext>
+            </a:extLst>
+          </p:cNvPr>
+          <p:cNvSpPr txBox="1"/>
+          <p:nvPr/>
+        </p:nvSpPr>
+        <p:spPr>
+          <a:xfrm>
+            <a:off x="1253764" y="-4422443"/>
+            <a:ext cx="2158789" cy="1077218"/>
+          </a:xfrm>
+          <a:prstGeom prst="rect">
+            <a:avLst/>
+          </a:prstGeom>
+          <a:noFill/>
+        </p:spPr>
+        <p:txBody>
+          <a:bodyPr wrap="square" rtlCol="0">
+            <a:spAutoFit/>
+          </a:bodyPr>
+          <a:lstStyle/>
+          <a:p>
+            <a:r>
+              <a:rPr lang="de-AT" sz="3200" b="1" dirty="0">
+                <a:cs typeface="Times New Roman" panose="02020603050405020304" pitchFamily="18" charset="0"/>
+              </a:rPr>
+              <a:t>künstliche </a:t>
+            </a:r>
+          </a:p>
+          <a:p>
+            <a:r>
+              <a:rPr lang="de-AT" sz="3200" b="1" dirty="0">
+                <a:cs typeface="Times New Roman" panose="02020603050405020304" pitchFamily="18" charset="0"/>
+              </a:rPr>
+              <a:t>Intelligenz</a:t>
+            </a:r>
+            <a:endParaRPr lang="en-AT" sz="3200" b="1" dirty="0">
+              <a:cs typeface="Times New Roman" panose="02020603050405020304" pitchFamily="18" charset="0"/>
+            </a:endParaRPr>
+          </a:p>
+        </p:txBody>
+      </p:sp>
+      <p:sp>
+        <p:nvSpPr>
+          <p:cNvPr id="9" name="TextBox 8">
+            <a:extLst>
+              <a:ext uri="{FF2B5EF4-FFF2-40B4-BE49-F238E27FC236}">
+                <a16:creationId xmlns:a16="http://schemas.microsoft.com/office/drawing/2014/main" id="{AF969D82-0BF2-B040-AE22-F76DBE1051B8}"/>
+              </a:ext>
+            </a:extLst>
+          </p:cNvPr>
+          <p:cNvSpPr txBox="1"/>
+          <p:nvPr/>
+        </p:nvSpPr>
+        <p:spPr>
+          <a:xfrm>
+            <a:off x="9217996" y="-4422443"/>
+            <a:ext cx="1703350" cy="1077218"/>
+          </a:xfrm>
+          <a:prstGeom prst="rect">
+            <a:avLst/>
+          </a:prstGeom>
+          <a:noFill/>
+        </p:spPr>
+        <p:txBody>
+          <a:bodyPr wrap="none" rtlCol="0">
+            <a:spAutoFit/>
+          </a:bodyPr>
+          <a:lstStyle/>
+          <a:p>
+            <a:pPr algn="r"/>
+            <a:r>
+              <a:rPr lang="de-AT" sz="3200" b="1" dirty="0">
+                <a:cs typeface="Times New Roman" panose="02020603050405020304" pitchFamily="18" charset="0"/>
+              </a:rPr>
+              <a:t>Web</a:t>
+            </a:r>
+          </a:p>
+          <a:p>
+            <a:pPr algn="r"/>
+            <a:r>
+              <a:rPr lang="de-AT" sz="3200" b="1" dirty="0">
+                <a:cs typeface="Times New Roman" panose="02020603050405020304" pitchFamily="18" charset="0"/>
+              </a:rPr>
+              <a:t>Interface</a:t>
+            </a:r>
+            <a:endParaRPr lang="en-AT" sz="3200" b="1" dirty="0">
+              <a:cs typeface="Times New Roman" panose="02020603050405020304" pitchFamily="18" charset="0"/>
+            </a:endParaRPr>
+          </a:p>
+        </p:txBody>
+      </p:sp>
     </p:spTree>
     <p:extLst>
       <p:ext uri="{BB962C8B-B14F-4D97-AF65-F5344CB8AC3E}">
@@ -7176,13 +7932,13 @@
   <p:clrMapOvr>
     <a:masterClrMapping/>
   </p:clrMapOvr>
-  <mc:AlternateContent xmlns:mc="http://schemas.openxmlformats.org/markup-compatibility/2006">
-    <mc:Choice xmlns:p159="http://schemas.microsoft.com/office/powerpoint/2015/09/main" Requires="p159">
+  <mc:AlternateContent xmlns:mc="http://schemas.openxmlformats.org/markup-compatibility/2006" xmlns:p159="http://schemas.microsoft.com/office/powerpoint/2015/09/main">
+    <mc:Choice Requires="p159">
       <p:transition xmlns:p14="http://schemas.microsoft.com/office/powerpoint/2010/main" spd="slow" p14:dur="2000">
         <p159:morph option="byObject"/>
       </p:transition>
     </mc:Choice>
-    <mc:Fallback>
+    <mc:Fallback xmlns="">
       <p:transition spd="slow">
         <p:fade/>
       </p:transition>
@@ -7352,98 +8108,6 @@
       </p:sp>
       <p:sp>
         <p:nvSpPr>
-          <p:cNvPr id="9" name="TextBox 8">
-            <a:extLst>
-              <a:ext uri="{FF2B5EF4-FFF2-40B4-BE49-F238E27FC236}">
-                <a16:creationId xmlns:a16="http://schemas.microsoft.com/office/drawing/2014/main" id="{D2C886DF-CBCA-F34F-B479-892C3CA6293D}"/>
-              </a:ext>
-            </a:extLst>
-          </p:cNvPr>
-          <p:cNvSpPr txBox="1"/>
-          <p:nvPr/>
-        </p:nvSpPr>
-        <p:spPr>
-          <a:xfrm>
-            <a:off x="12750800" y="8305800"/>
-            <a:ext cx="1782860" cy="523220"/>
-          </a:xfrm>
-          <a:prstGeom prst="rect">
-            <a:avLst/>
-          </a:prstGeom>
-          <a:noFill/>
-        </p:spPr>
-        <p:txBody>
-          <a:bodyPr wrap="none" rtlCol="0">
-            <a:spAutoFit/>
-          </a:bodyPr>
-          <a:lstStyle/>
-          <a:p>
-            <a:pPr algn="r"/>
-            <a:r>
-              <a:rPr lang="en-AT" sz="2800" b="1" dirty="0">
-                <a:latin typeface="Times New Roman" panose="02020603050405020304" pitchFamily="18" charset="0"/>
-                <a:cs typeface="Times New Roman" panose="02020603050405020304" pitchFamily="18" charset="0"/>
-              </a:rPr>
-              <a:t>N</a:t>
-            </a:r>
-            <a:r>
-              <a:rPr lang="en-GB" sz="2800" b="1" dirty="0">
-                <a:latin typeface="Times New Roman" panose="02020603050405020304" pitchFamily="18" charset="0"/>
-                <a:cs typeface="Times New Roman" panose="02020603050405020304" pitchFamily="18" charset="0"/>
-              </a:rPr>
-              <a:t>o</a:t>
-            </a:r>
-            <a:r>
-              <a:rPr lang="en-AT" sz="2800" b="1" dirty="0">
-                <a:latin typeface="Times New Roman" panose="02020603050405020304" pitchFamily="18" charset="0"/>
-                <a:cs typeface="Times New Roman" panose="02020603050405020304" pitchFamily="18" charset="0"/>
-              </a:rPr>
-              <a:t>tiz-App</a:t>
-            </a:r>
-          </a:p>
-        </p:txBody>
-      </p:sp>
-      <p:sp>
-        <p:nvSpPr>
-          <p:cNvPr id="11" name="TextBox 10">
-            <a:extLst>
-              <a:ext uri="{FF2B5EF4-FFF2-40B4-BE49-F238E27FC236}">
-                <a16:creationId xmlns:a16="http://schemas.microsoft.com/office/drawing/2014/main" id="{72C80FF4-BB34-EC48-A993-06009B12BFC4}"/>
-              </a:ext>
-            </a:extLst>
-          </p:cNvPr>
-          <p:cNvSpPr txBox="1"/>
-          <p:nvPr/>
-        </p:nvSpPr>
-        <p:spPr>
-          <a:xfrm>
-            <a:off x="-3239028" y="-965200"/>
-            <a:ext cx="3239028" cy="523220"/>
-          </a:xfrm>
-          <a:prstGeom prst="rect">
-            <a:avLst/>
-          </a:prstGeom>
-          <a:noFill/>
-        </p:spPr>
-        <p:txBody>
-          <a:bodyPr wrap="none" rtlCol="0">
-            <a:spAutoFit/>
-          </a:bodyPr>
-          <a:lstStyle/>
-          <a:p>
-            <a:pPr algn="r"/>
-            <a:r>
-              <a:rPr lang="en-AT" sz="2800" b="1" dirty="0">
-                <a:latin typeface="Times New Roman" panose="02020603050405020304" pitchFamily="18" charset="0"/>
-                <a:cs typeface="Times New Roman" panose="02020603050405020304" pitchFamily="18" charset="0"/>
-              </a:rPr>
-              <a:t>Online Vokabelheft</a:t>
-            </a:r>
-          </a:p>
-        </p:txBody>
-      </p:sp>
-      <p:sp>
-        <p:nvSpPr>
           <p:cNvPr id="15" name="TextBox 14">
             <a:extLst>
               <a:ext uri="{FF2B5EF4-FFF2-40B4-BE49-F238E27FC236}">
@@ -7537,6 +8201,201 @@
             <a:endParaRPr lang="en-AT" sz="3200" b="1" dirty="0">
               <a:cs typeface="Times New Roman" panose="02020603050405020304" pitchFamily="18" charset="0"/>
             </a:endParaRPr>
+          </a:p>
+        </p:txBody>
+      </p:sp>
+      <p:sp>
+        <p:nvSpPr>
+          <p:cNvPr id="12" name="TextBox 11">
+            <a:extLst>
+              <a:ext uri="{FF2B5EF4-FFF2-40B4-BE49-F238E27FC236}">
+                <a16:creationId xmlns:a16="http://schemas.microsoft.com/office/drawing/2014/main" id="{7F2B51A3-A1DC-8D40-B8F7-B30F70C63B54}"/>
+              </a:ext>
+            </a:extLst>
+          </p:cNvPr>
+          <p:cNvSpPr txBox="1"/>
+          <p:nvPr/>
+        </p:nvSpPr>
+        <p:spPr>
+          <a:xfrm>
+            <a:off x="-3188501" y="-965200"/>
+            <a:ext cx="3188501" cy="523220"/>
+          </a:xfrm>
+          <a:prstGeom prst="rect">
+            <a:avLst/>
+          </a:prstGeom>
+          <a:noFill/>
+        </p:spPr>
+        <p:txBody>
+          <a:bodyPr wrap="none" rtlCol="0">
+            <a:spAutoFit/>
+          </a:bodyPr>
+          <a:lstStyle/>
+          <a:p>
+            <a:pPr algn="r"/>
+            <a:r>
+              <a:rPr lang="en-AT" sz="2800" b="1" dirty="0">
+                <a:cs typeface="Times New Roman" panose="02020603050405020304" pitchFamily="18" charset="0"/>
+              </a:rPr>
+              <a:t>Online Vokabel</a:t>
+            </a:r>
+            <a:r>
+              <a:rPr lang="de-DE" sz="2800" b="1" dirty="0" err="1">
+                <a:cs typeface="Times New Roman" panose="02020603050405020304" pitchFamily="18" charset="0"/>
+              </a:rPr>
+              <a:t>duell</a:t>
+            </a:r>
+            <a:endParaRPr lang="en-AT" sz="2800" b="1" dirty="0">
+              <a:cs typeface="Times New Roman" panose="02020603050405020304" pitchFamily="18" charset="0"/>
+            </a:endParaRPr>
+          </a:p>
+        </p:txBody>
+      </p:sp>
+      <p:sp>
+        <p:nvSpPr>
+          <p:cNvPr id="19" name="Textfeld 1">
+            <a:extLst>
+              <a:ext uri="{FF2B5EF4-FFF2-40B4-BE49-F238E27FC236}">
+                <a16:creationId xmlns:a16="http://schemas.microsoft.com/office/drawing/2014/main" id="{C9F6486A-10D4-C147-86F1-E90BDFBE429D}"/>
+              </a:ext>
+            </a:extLst>
+          </p:cNvPr>
+          <p:cNvSpPr txBox="1"/>
+          <p:nvPr/>
+        </p:nvSpPr>
+        <p:spPr>
+          <a:xfrm>
+            <a:off x="4534163" y="8166288"/>
+            <a:ext cx="3412504" cy="769441"/>
+          </a:xfrm>
+          <a:prstGeom prst="rect">
+            <a:avLst/>
+          </a:prstGeom>
+          <a:noFill/>
+        </p:spPr>
+        <p:txBody>
+          <a:bodyPr wrap="square" rtlCol="0">
+            <a:spAutoFit/>
+          </a:bodyPr>
+          <a:lstStyle/>
+          <a:p>
+            <a:r>
+              <a:rPr lang="de-DE" sz="4400" b="1" dirty="0"/>
+              <a:t>Hintergrund</a:t>
+            </a:r>
+            <a:endParaRPr lang="de-AT" b="1" dirty="0"/>
+          </a:p>
+        </p:txBody>
+      </p:sp>
+      <p:sp>
+        <p:nvSpPr>
+          <p:cNvPr id="20" name="Textfeld 2">
+            <a:extLst>
+              <a:ext uri="{FF2B5EF4-FFF2-40B4-BE49-F238E27FC236}">
+                <a16:creationId xmlns:a16="http://schemas.microsoft.com/office/drawing/2014/main" id="{A265E0F0-ECF3-F143-848C-70141E549420}"/>
+              </a:ext>
+            </a:extLst>
+          </p:cNvPr>
+          <p:cNvSpPr txBox="1"/>
+          <p:nvPr/>
+        </p:nvSpPr>
+        <p:spPr>
+          <a:xfrm>
+            <a:off x="1398180" y="9899043"/>
+            <a:ext cx="6372520" cy="523220"/>
+          </a:xfrm>
+          <a:prstGeom prst="rect">
+            <a:avLst/>
+          </a:prstGeom>
+          <a:noFill/>
+        </p:spPr>
+        <p:txBody>
+          <a:bodyPr wrap="square" rtlCol="0">
+            <a:spAutoFit/>
+          </a:bodyPr>
+          <a:lstStyle/>
+          <a:p>
+            <a:r>
+              <a:rPr lang="de-DE" sz="2800" dirty="0"/>
+              <a:t>Kein schulischer Assistent auf </a:t>
+            </a:r>
+            <a:r>
+              <a:rPr lang="de-DE" sz="2800" dirty="0" err="1"/>
+              <a:t>Discord</a:t>
+            </a:r>
+            <a:endParaRPr lang="de-AT" sz="2800" dirty="0"/>
+          </a:p>
+        </p:txBody>
+      </p:sp>
+      <p:sp>
+        <p:nvSpPr>
+          <p:cNvPr id="21" name="Textfeld 3">
+            <a:extLst>
+              <a:ext uri="{FF2B5EF4-FFF2-40B4-BE49-F238E27FC236}">
+                <a16:creationId xmlns:a16="http://schemas.microsoft.com/office/drawing/2014/main" id="{9E4325F9-D13A-3A44-BB41-62696B90C238}"/>
+              </a:ext>
+            </a:extLst>
+          </p:cNvPr>
+          <p:cNvSpPr txBox="1"/>
+          <p:nvPr/>
+        </p:nvSpPr>
+        <p:spPr>
+          <a:xfrm>
+            <a:off x="1398179" y="11855508"/>
+            <a:ext cx="3502115" cy="523220"/>
+          </a:xfrm>
+          <a:prstGeom prst="rect">
+            <a:avLst/>
+          </a:prstGeom>
+          <a:noFill/>
+        </p:spPr>
+        <p:txBody>
+          <a:bodyPr wrap="square" rtlCol="0">
+            <a:spAutoFit/>
+          </a:bodyPr>
+          <a:lstStyle/>
+          <a:p>
+            <a:r>
+              <a:rPr lang="de-DE" sz="2800" dirty="0"/>
+              <a:t>Lernhilfe auf Servern</a:t>
+            </a:r>
+            <a:endParaRPr lang="de-AT" sz="2800" dirty="0"/>
+          </a:p>
+        </p:txBody>
+      </p:sp>
+      <p:sp>
+        <p:nvSpPr>
+          <p:cNvPr id="22" name="Textfeld 4">
+            <a:extLst>
+              <a:ext uri="{FF2B5EF4-FFF2-40B4-BE49-F238E27FC236}">
+                <a16:creationId xmlns:a16="http://schemas.microsoft.com/office/drawing/2014/main" id="{D6D1022F-3949-6A41-9AB6-DFE2ED606DF5}"/>
+              </a:ext>
+            </a:extLst>
+          </p:cNvPr>
+          <p:cNvSpPr txBox="1"/>
+          <p:nvPr/>
+        </p:nvSpPr>
+        <p:spPr>
+          <a:xfrm>
+            <a:off x="6884580" y="11016245"/>
+            <a:ext cx="4072380" cy="523220"/>
+          </a:xfrm>
+          <a:prstGeom prst="rect">
+            <a:avLst/>
+          </a:prstGeom>
+          <a:noFill/>
+        </p:spPr>
+        <p:txBody>
+          <a:bodyPr wrap="square" rtlCol="0">
+            <a:spAutoFit/>
+          </a:bodyPr>
+          <a:lstStyle/>
+          <a:p>
+            <a:r>
+              <a:rPr lang="de-DE" sz="2800" dirty="0"/>
+              <a:t>Hausübungs-Manager</a:t>
+            </a:r>
+            <a:endParaRPr lang="de-AT" sz="2800" dirty="0"/>
           </a:p>
         </p:txBody>
       </p:sp>
@@ -7770,6 +8629,312 @@
           </a:p>
         </p:txBody>
       </p:sp>
+      <p:sp>
+        <p:nvSpPr>
+          <p:cNvPr id="7" name="Textfeld 1">
+            <a:extLst>
+              <a:ext uri="{FF2B5EF4-FFF2-40B4-BE49-F238E27FC236}">
+                <a16:creationId xmlns:a16="http://schemas.microsoft.com/office/drawing/2014/main" id="{710270B2-4FEA-7948-963B-F965F802255B}"/>
+              </a:ext>
+            </a:extLst>
+          </p:cNvPr>
+          <p:cNvSpPr txBox="1"/>
+          <p:nvPr/>
+        </p:nvSpPr>
+        <p:spPr>
+          <a:xfrm>
+            <a:off x="4795100" y="-5349819"/>
+            <a:ext cx="3412504" cy="769441"/>
+          </a:xfrm>
+          <a:prstGeom prst="rect">
+            <a:avLst/>
+          </a:prstGeom>
+          <a:noFill/>
+        </p:spPr>
+        <p:txBody>
+          <a:bodyPr wrap="square" rtlCol="0">
+            <a:spAutoFit/>
+          </a:bodyPr>
+          <a:lstStyle/>
+          <a:p>
+            <a:r>
+              <a:rPr lang="de-DE" sz="4400" b="1" dirty="0"/>
+              <a:t>Hintergrund</a:t>
+            </a:r>
+            <a:endParaRPr lang="de-AT" b="1" dirty="0"/>
+          </a:p>
+        </p:txBody>
+      </p:sp>
+      <p:sp>
+        <p:nvSpPr>
+          <p:cNvPr id="8" name="Textfeld 2">
+            <a:extLst>
+              <a:ext uri="{FF2B5EF4-FFF2-40B4-BE49-F238E27FC236}">
+                <a16:creationId xmlns:a16="http://schemas.microsoft.com/office/drawing/2014/main" id="{CE426CB3-50D6-0548-8C5A-1926415B3EB5}"/>
+              </a:ext>
+            </a:extLst>
+          </p:cNvPr>
+          <p:cNvSpPr txBox="1"/>
+          <p:nvPr/>
+        </p:nvSpPr>
+        <p:spPr>
+          <a:xfrm>
+            <a:off x="1659117" y="-3617064"/>
+            <a:ext cx="6372520" cy="523220"/>
+          </a:xfrm>
+          <a:prstGeom prst="rect">
+            <a:avLst/>
+          </a:prstGeom>
+          <a:noFill/>
+        </p:spPr>
+        <p:txBody>
+          <a:bodyPr wrap="square" rtlCol="0">
+            <a:spAutoFit/>
+          </a:bodyPr>
+          <a:lstStyle/>
+          <a:p>
+            <a:r>
+              <a:rPr lang="de-DE" sz="2800" dirty="0"/>
+              <a:t>Kein schulischer Assistent auf </a:t>
+            </a:r>
+            <a:r>
+              <a:rPr lang="de-DE" sz="2800" dirty="0" err="1"/>
+              <a:t>Discord</a:t>
+            </a:r>
+            <a:endParaRPr lang="de-AT" sz="2800" dirty="0"/>
+          </a:p>
+        </p:txBody>
+      </p:sp>
+      <p:sp>
+        <p:nvSpPr>
+          <p:cNvPr id="9" name="Textfeld 3">
+            <a:extLst>
+              <a:ext uri="{FF2B5EF4-FFF2-40B4-BE49-F238E27FC236}">
+                <a16:creationId xmlns:a16="http://schemas.microsoft.com/office/drawing/2014/main" id="{2302165C-F5B8-BF49-8E28-F2B2F2D9F681}"/>
+              </a:ext>
+            </a:extLst>
+          </p:cNvPr>
+          <p:cNvSpPr txBox="1"/>
+          <p:nvPr/>
+        </p:nvSpPr>
+        <p:spPr>
+          <a:xfrm>
+            <a:off x="1659116" y="-1660599"/>
+            <a:ext cx="3502115" cy="523220"/>
+          </a:xfrm>
+          <a:prstGeom prst="rect">
+            <a:avLst/>
+          </a:prstGeom>
+          <a:noFill/>
+        </p:spPr>
+        <p:txBody>
+          <a:bodyPr wrap="square" rtlCol="0">
+            <a:spAutoFit/>
+          </a:bodyPr>
+          <a:lstStyle/>
+          <a:p>
+            <a:r>
+              <a:rPr lang="de-DE" sz="2800" dirty="0"/>
+              <a:t>Lernhilfe auf Servern</a:t>
+            </a:r>
+            <a:endParaRPr lang="de-AT" sz="2800" dirty="0"/>
+          </a:p>
+        </p:txBody>
+      </p:sp>
+      <p:sp>
+        <p:nvSpPr>
+          <p:cNvPr id="10" name="Textfeld 4">
+            <a:extLst>
+              <a:ext uri="{FF2B5EF4-FFF2-40B4-BE49-F238E27FC236}">
+                <a16:creationId xmlns:a16="http://schemas.microsoft.com/office/drawing/2014/main" id="{7A0392AE-2612-E143-B884-0F0AF786993F}"/>
+              </a:ext>
+            </a:extLst>
+          </p:cNvPr>
+          <p:cNvSpPr txBox="1"/>
+          <p:nvPr/>
+        </p:nvSpPr>
+        <p:spPr>
+          <a:xfrm>
+            <a:off x="7145517" y="-2499862"/>
+            <a:ext cx="4072380" cy="523220"/>
+          </a:xfrm>
+          <a:prstGeom prst="rect">
+            <a:avLst/>
+          </a:prstGeom>
+          <a:noFill/>
+        </p:spPr>
+        <p:txBody>
+          <a:bodyPr wrap="square" rtlCol="0">
+            <a:spAutoFit/>
+          </a:bodyPr>
+          <a:lstStyle/>
+          <a:p>
+            <a:r>
+              <a:rPr lang="de-DE" sz="2800" dirty="0"/>
+              <a:t>Hausübungs-Manager</a:t>
+            </a:r>
+            <a:endParaRPr lang="de-AT" sz="2800" dirty="0"/>
+          </a:p>
+        </p:txBody>
+      </p:sp>
+      <p:pic>
+        <p:nvPicPr>
+          <p:cNvPr id="11" name="Picture 10" descr="Icon&#10;&#10;Description automatically generated">
+            <a:extLst>
+              <a:ext uri="{FF2B5EF4-FFF2-40B4-BE49-F238E27FC236}">
+                <a16:creationId xmlns:a16="http://schemas.microsoft.com/office/drawing/2014/main" id="{AA6371DC-2DF0-8D4D-8780-BA891A1930E9}"/>
+              </a:ext>
+            </a:extLst>
+          </p:cNvPr>
+          <p:cNvPicPr>
+            <a:picLocks noChangeAspect="1"/>
+          </p:cNvPicPr>
+          <p:nvPr/>
+        </p:nvPicPr>
+        <p:blipFill rotWithShape="1">
+          <a:blip r:embed="rId2"/>
+          <a:srcRect l="26218" r="27384"/>
+          <a:stretch/>
+        </p:blipFill>
+        <p:spPr>
+          <a:xfrm>
+            <a:off x="-10899629" y="744009"/>
+            <a:ext cx="4343887" cy="5685844"/>
+          </a:xfrm>
+          <a:prstGeom prst="rect">
+            <a:avLst/>
+          </a:prstGeom>
+        </p:spPr>
+      </p:pic>
+      <p:sp>
+        <p:nvSpPr>
+          <p:cNvPr id="12" name="TextBox 11">
+            <a:extLst>
+              <a:ext uri="{FF2B5EF4-FFF2-40B4-BE49-F238E27FC236}">
+                <a16:creationId xmlns:a16="http://schemas.microsoft.com/office/drawing/2014/main" id="{0F99F865-06F4-824D-8428-CA97EB7BAC63}"/>
+              </a:ext>
+            </a:extLst>
+          </p:cNvPr>
+          <p:cNvSpPr txBox="1"/>
+          <p:nvPr/>
+        </p:nvSpPr>
+        <p:spPr>
+          <a:xfrm>
+            <a:off x="-5312542" y="1557639"/>
+            <a:ext cx="3100687" cy="1446550"/>
+          </a:xfrm>
+          <a:prstGeom prst="rect">
+            <a:avLst/>
+          </a:prstGeom>
+          <a:noFill/>
+        </p:spPr>
+        <p:txBody>
+          <a:bodyPr wrap="square" rtlCol="0">
+            <a:spAutoFit/>
+          </a:bodyPr>
+          <a:lstStyle/>
+          <a:p>
+            <a:pPr algn="r"/>
+            <a:r>
+              <a:rPr lang="en-AT" sz="8800" b="1" dirty="0">
+                <a:solidFill>
+                  <a:schemeClr val="accent4">
+                    <a:lumMod val="60000"/>
+                    <a:lumOff val="40000"/>
+                  </a:schemeClr>
+                </a:solidFill>
+                <a:cs typeface="Times New Roman" panose="02020603050405020304" pitchFamily="18" charset="0"/>
+              </a:rPr>
+              <a:t>Ideen</a:t>
+            </a:r>
+          </a:p>
+        </p:txBody>
+      </p:sp>
+      <p:sp>
+        <p:nvSpPr>
+          <p:cNvPr id="13" name="TextBox 12">
+            <a:extLst>
+              <a:ext uri="{FF2B5EF4-FFF2-40B4-BE49-F238E27FC236}">
+                <a16:creationId xmlns:a16="http://schemas.microsoft.com/office/drawing/2014/main" id="{07324DCE-4C8C-6A41-88A9-BB273B5C8537}"/>
+              </a:ext>
+            </a:extLst>
+          </p:cNvPr>
+          <p:cNvSpPr txBox="1"/>
+          <p:nvPr/>
+        </p:nvSpPr>
+        <p:spPr>
+          <a:xfrm>
+            <a:off x="-5400357" y="3004189"/>
+            <a:ext cx="3188502" cy="523220"/>
+          </a:xfrm>
+          <a:prstGeom prst="rect">
+            <a:avLst/>
+          </a:prstGeom>
+          <a:noFill/>
+        </p:spPr>
+        <p:txBody>
+          <a:bodyPr wrap="none" rtlCol="0">
+            <a:spAutoFit/>
+          </a:bodyPr>
+          <a:lstStyle/>
+          <a:p>
+            <a:pPr algn="r"/>
+            <a:r>
+              <a:rPr lang="en-AT" sz="2800" b="1" dirty="0">
+                <a:cs typeface="Times New Roman" panose="02020603050405020304" pitchFamily="18" charset="0"/>
+              </a:rPr>
+              <a:t>Online Vokabel</a:t>
+            </a:r>
+            <a:r>
+              <a:rPr lang="de-DE" sz="2800" b="1" dirty="0" err="1">
+                <a:cs typeface="Times New Roman" panose="02020603050405020304" pitchFamily="18" charset="0"/>
+              </a:rPr>
+              <a:t>duell</a:t>
+            </a:r>
+            <a:endParaRPr lang="en-AT" sz="2800" b="1" dirty="0">
+              <a:cs typeface="Times New Roman" panose="02020603050405020304" pitchFamily="18" charset="0"/>
+            </a:endParaRPr>
+          </a:p>
+        </p:txBody>
+      </p:sp>
+      <p:sp>
+        <p:nvSpPr>
+          <p:cNvPr id="14" name="TextBox 13">
+            <a:extLst>
+              <a:ext uri="{FF2B5EF4-FFF2-40B4-BE49-F238E27FC236}">
+                <a16:creationId xmlns:a16="http://schemas.microsoft.com/office/drawing/2014/main" id="{E9626C51-BA8B-7C4D-9EDD-4BE806BE68F6}"/>
+              </a:ext>
+            </a:extLst>
+          </p:cNvPr>
+          <p:cNvSpPr txBox="1"/>
+          <p:nvPr/>
+        </p:nvSpPr>
+        <p:spPr>
+          <a:xfrm>
+            <a:off x="-4112054" y="3646454"/>
+            <a:ext cx="1900199" cy="523220"/>
+          </a:xfrm>
+          <a:prstGeom prst="rect">
+            <a:avLst/>
+          </a:prstGeom>
+          <a:noFill/>
+        </p:spPr>
+        <p:txBody>
+          <a:bodyPr wrap="none" rtlCol="0">
+            <a:spAutoFit/>
+          </a:bodyPr>
+          <a:lstStyle/>
+          <a:p>
+            <a:pPr algn="r"/>
+            <a:r>
+              <a:rPr lang="en-AT" sz="2800" b="1" dirty="0">
+                <a:cs typeface="Times New Roman" panose="02020603050405020304" pitchFamily="18" charset="0"/>
+              </a:rPr>
+              <a:t>Discord Bot</a:t>
+            </a:r>
+          </a:p>
+        </p:txBody>
+      </p:sp>
     </p:spTree>
     <p:extLst>
       <p:ext uri="{BB962C8B-B14F-4D97-AF65-F5344CB8AC3E}">
@@ -7780,13 +8945,13 @@
   <p:clrMapOvr>
     <a:masterClrMapping/>
   </p:clrMapOvr>
-  <mc:AlternateContent xmlns:mc="http://schemas.openxmlformats.org/markup-compatibility/2006">
-    <mc:Choice xmlns:p159="http://schemas.microsoft.com/office/powerpoint/2015/09/main" Requires="p159">
+  <mc:AlternateContent xmlns:mc="http://schemas.openxmlformats.org/markup-compatibility/2006" xmlns:p159="http://schemas.microsoft.com/office/powerpoint/2015/09/main">
+    <mc:Choice Requires="p159">
       <p:transition xmlns:p14="http://schemas.microsoft.com/office/powerpoint/2010/main" spd="slow" p14:dur="2000">
         <p159:morph option="byObject"/>
       </p:transition>
     </mc:Choice>
-    <mc:Fallback>
+    <mc:Fallback xmlns="">
       <p:transition spd="slow">
         <p:fade/>
       </p:transition>

--- a/Präsentation/Syp-Projekt-Ideen.pptx
+++ b/Präsentation/Syp-Projekt-Ideen.pptx
@@ -207,7 +207,7 @@
           <a:p>
             <a:fld id="{4CCADED4-F81C-DE4E-AAED-B7FD031B488B}" type="datetimeFigureOut">
               <a:rPr lang="en-AT" smtClean="0"/>
-              <a:t>01.10.21</a:t>
+              <a:t>10/01/2021</a:t>
             </a:fld>
             <a:endParaRPr lang="en-AT"/>
           </a:p>
@@ -366,7 +366,7 @@
           <a:p>
             <a:fld id="{553C3E85-E8BE-7542-A8D8-4F0AEBC4074D}" type="slidenum">
               <a:rPr lang="en-AT" smtClean="0"/>
-              <a:t>‹#›</a:t>
+              <a:t>‹Nr.›</a:t>
             </a:fld>
             <a:endParaRPr lang="en-AT"/>
           </a:p>
@@ -1044,7 +1044,7 @@
           <a:p>
             <a:fld id="{B2820DA7-63D1-EC42-9A7D-9F0F901057CA}" type="datetimeFigureOut">
               <a:rPr lang="en-AT" smtClean="0"/>
-              <a:t>01.10.21</a:t>
+              <a:t>10/01/2021</a:t>
             </a:fld>
             <a:endParaRPr lang="en-AT"/>
           </a:p>
@@ -1098,7 +1098,7 @@
           <a:p>
             <a:fld id="{D52D774A-D523-1049-AF40-B96A0B621DD8}" type="slidenum">
               <a:rPr lang="en-AT" smtClean="0"/>
-              <a:t>‹#›</a:t>
+              <a:t>‹Nr.›</a:t>
             </a:fld>
             <a:endParaRPr lang="en-AT"/>
           </a:p>
@@ -1244,7 +1244,7 @@
           <a:p>
             <a:fld id="{B2820DA7-63D1-EC42-9A7D-9F0F901057CA}" type="datetimeFigureOut">
               <a:rPr lang="en-AT" smtClean="0"/>
-              <a:t>01.10.21</a:t>
+              <a:t>10/01/2021</a:t>
             </a:fld>
             <a:endParaRPr lang="en-AT"/>
           </a:p>
@@ -1298,7 +1298,7 @@
           <a:p>
             <a:fld id="{D52D774A-D523-1049-AF40-B96A0B621DD8}" type="slidenum">
               <a:rPr lang="en-AT" smtClean="0"/>
-              <a:t>‹#›</a:t>
+              <a:t>‹Nr.›</a:t>
             </a:fld>
             <a:endParaRPr lang="en-AT"/>
           </a:p>
@@ -1454,7 +1454,7 @@
           <a:p>
             <a:fld id="{B2820DA7-63D1-EC42-9A7D-9F0F901057CA}" type="datetimeFigureOut">
               <a:rPr lang="en-AT" smtClean="0"/>
-              <a:t>01.10.21</a:t>
+              <a:t>10/01/2021</a:t>
             </a:fld>
             <a:endParaRPr lang="en-AT"/>
           </a:p>
@@ -1508,7 +1508,7 @@
           <a:p>
             <a:fld id="{D52D774A-D523-1049-AF40-B96A0B621DD8}" type="slidenum">
               <a:rPr lang="en-AT" smtClean="0"/>
-              <a:t>‹#›</a:t>
+              <a:t>‹Nr.›</a:t>
             </a:fld>
             <a:endParaRPr lang="en-AT"/>
           </a:p>
@@ -1654,7 +1654,7 @@
           <a:p>
             <a:fld id="{B2820DA7-63D1-EC42-9A7D-9F0F901057CA}" type="datetimeFigureOut">
               <a:rPr lang="en-AT" smtClean="0"/>
-              <a:t>01.10.21</a:t>
+              <a:t>10/01/2021</a:t>
             </a:fld>
             <a:endParaRPr lang="en-AT"/>
           </a:p>
@@ -1708,7 +1708,7 @@
           <a:p>
             <a:fld id="{D52D774A-D523-1049-AF40-B96A0B621DD8}" type="slidenum">
               <a:rPr lang="en-AT" smtClean="0"/>
-              <a:t>‹#›</a:t>
+              <a:t>‹Nr.›</a:t>
             </a:fld>
             <a:endParaRPr lang="en-AT"/>
           </a:p>
@@ -1930,7 +1930,7 @@
           <a:p>
             <a:fld id="{B2820DA7-63D1-EC42-9A7D-9F0F901057CA}" type="datetimeFigureOut">
               <a:rPr lang="en-AT" smtClean="0"/>
-              <a:t>01.10.21</a:t>
+              <a:t>10/01/2021</a:t>
             </a:fld>
             <a:endParaRPr lang="en-AT"/>
           </a:p>
@@ -1984,7 +1984,7 @@
           <a:p>
             <a:fld id="{D52D774A-D523-1049-AF40-B96A0B621DD8}" type="slidenum">
               <a:rPr lang="en-AT" smtClean="0"/>
-              <a:t>‹#›</a:t>
+              <a:t>‹Nr.›</a:t>
             </a:fld>
             <a:endParaRPr lang="en-AT"/>
           </a:p>
@@ -2198,7 +2198,7 @@
           <a:p>
             <a:fld id="{B2820DA7-63D1-EC42-9A7D-9F0F901057CA}" type="datetimeFigureOut">
               <a:rPr lang="en-AT" smtClean="0"/>
-              <a:t>01.10.21</a:t>
+              <a:t>10/01/2021</a:t>
             </a:fld>
             <a:endParaRPr lang="en-AT"/>
           </a:p>
@@ -2252,7 +2252,7 @@
           <a:p>
             <a:fld id="{D52D774A-D523-1049-AF40-B96A0B621DD8}" type="slidenum">
               <a:rPr lang="en-AT" smtClean="0"/>
-              <a:t>‹#›</a:t>
+              <a:t>‹Nr.›</a:t>
             </a:fld>
             <a:endParaRPr lang="en-AT"/>
           </a:p>
@@ -2613,7 +2613,7 @@
           <a:p>
             <a:fld id="{B2820DA7-63D1-EC42-9A7D-9F0F901057CA}" type="datetimeFigureOut">
               <a:rPr lang="en-AT" smtClean="0"/>
-              <a:t>01.10.21</a:t>
+              <a:t>10/01/2021</a:t>
             </a:fld>
             <a:endParaRPr lang="en-AT"/>
           </a:p>
@@ -2667,7 +2667,7 @@
           <a:p>
             <a:fld id="{D52D774A-D523-1049-AF40-B96A0B621DD8}" type="slidenum">
               <a:rPr lang="en-AT" smtClean="0"/>
-              <a:t>‹#›</a:t>
+              <a:t>‹Nr.›</a:t>
             </a:fld>
             <a:endParaRPr lang="en-AT"/>
           </a:p>
@@ -2755,7 +2755,7 @@
           <a:p>
             <a:fld id="{B2820DA7-63D1-EC42-9A7D-9F0F901057CA}" type="datetimeFigureOut">
               <a:rPr lang="en-AT" smtClean="0"/>
-              <a:t>01.10.21</a:t>
+              <a:t>10/01/2021</a:t>
             </a:fld>
             <a:endParaRPr lang="en-AT"/>
           </a:p>
@@ -2809,7 +2809,7 @@
           <a:p>
             <a:fld id="{D52D774A-D523-1049-AF40-B96A0B621DD8}" type="slidenum">
               <a:rPr lang="en-AT" smtClean="0"/>
-              <a:t>‹#›</a:t>
+              <a:t>‹Nr.›</a:t>
             </a:fld>
             <a:endParaRPr lang="en-AT"/>
           </a:p>
@@ -2868,7 +2868,7 @@
           <a:p>
             <a:fld id="{B2820DA7-63D1-EC42-9A7D-9F0F901057CA}" type="datetimeFigureOut">
               <a:rPr lang="en-AT" smtClean="0"/>
-              <a:t>01.10.21</a:t>
+              <a:t>10/01/2021</a:t>
             </a:fld>
             <a:endParaRPr lang="en-AT"/>
           </a:p>
@@ -2922,7 +2922,7 @@
           <a:p>
             <a:fld id="{D52D774A-D523-1049-AF40-B96A0B621DD8}" type="slidenum">
               <a:rPr lang="en-AT" smtClean="0"/>
-              <a:t>‹#›</a:t>
+              <a:t>‹Nr.›</a:t>
             </a:fld>
             <a:endParaRPr lang="en-AT"/>
           </a:p>
@@ -3181,7 +3181,7 @@
           <a:p>
             <a:fld id="{B2820DA7-63D1-EC42-9A7D-9F0F901057CA}" type="datetimeFigureOut">
               <a:rPr lang="en-AT" smtClean="0"/>
-              <a:t>01.10.21</a:t>
+              <a:t>10/01/2021</a:t>
             </a:fld>
             <a:endParaRPr lang="en-AT"/>
           </a:p>
@@ -3235,7 +3235,7 @@
           <a:p>
             <a:fld id="{D52D774A-D523-1049-AF40-B96A0B621DD8}" type="slidenum">
               <a:rPr lang="en-AT" smtClean="0"/>
-              <a:t>‹#›</a:t>
+              <a:t>‹Nr.›</a:t>
             </a:fld>
             <a:endParaRPr lang="en-AT"/>
           </a:p>
@@ -3470,7 +3470,7 @@
           <a:p>
             <a:fld id="{B2820DA7-63D1-EC42-9A7D-9F0F901057CA}" type="datetimeFigureOut">
               <a:rPr lang="en-AT" smtClean="0"/>
-              <a:t>01.10.21</a:t>
+              <a:t>10/01/2021</a:t>
             </a:fld>
             <a:endParaRPr lang="en-AT"/>
           </a:p>
@@ -3524,7 +3524,7 @@
           <a:p>
             <a:fld id="{D52D774A-D523-1049-AF40-B96A0B621DD8}" type="slidenum">
               <a:rPr lang="en-AT" smtClean="0"/>
-              <a:t>‹#›</a:t>
+              <a:t>‹Nr.›</a:t>
             </a:fld>
             <a:endParaRPr lang="en-AT"/>
           </a:p>
@@ -3713,7 +3713,7 @@
           <a:p>
             <a:fld id="{B2820DA7-63D1-EC42-9A7D-9F0F901057CA}" type="datetimeFigureOut">
               <a:rPr lang="en-AT" smtClean="0"/>
-              <a:t>01.10.21</a:t>
+              <a:t>10/01/2021</a:t>
             </a:fld>
             <a:endParaRPr lang="en-AT"/>
           </a:p>
@@ -3803,7 +3803,7 @@
           <a:p>
             <a:fld id="{D52D774A-D523-1049-AF40-B96A0B621DD8}" type="slidenum">
               <a:rPr lang="en-AT" smtClean="0"/>
-              <a:t>‹#›</a:t>
+              <a:t>‹Nr.›</a:t>
             </a:fld>
             <a:endParaRPr lang="en-AT"/>
           </a:p>
